--- a/PPT/ch4_연산자와 표현식.pptx
+++ b/PPT/ch4_연산자와 표현식.pptx
@@ -225,7 +225,7 @@
           <a:p>
             <a:fld id="{36D26F9D-7086-4874-9FD7-F2A60CF0EB4E}" type="datetimeFigureOut">
               <a:rPr lang="ko-KR" altLang="en-US" smtClean="0"/>
-              <a:t>2016-01-14</a:t>
+              <a:t>2016. 1. 14.</a:t>
             </a:fld>
             <a:endParaRPr lang="ko-KR" altLang="en-US"/>
           </a:p>
@@ -772,7 +772,7 @@
           <a:p>
             <a:fld id="{9A4482CB-6BA5-419A-B1BB-DF7478CCF951}" type="datetime1">
               <a:rPr lang="ko-KR" altLang="en-US" smtClean="0"/>
-              <a:t>2016-01-14</a:t>
+              <a:t>2016. 1. 14.</a:t>
             </a:fld>
             <a:endParaRPr lang="ko-KR" altLang="en-US"/>
           </a:p>
@@ -954,7 +954,7 @@
           <a:p>
             <a:fld id="{A7469843-BD1A-47E7-A2BB-197220B173B6}" type="datetime1">
               <a:rPr lang="ko-KR" altLang="en-US" smtClean="0"/>
-              <a:t>2016-01-14</a:t>
+              <a:t>2016. 1. 14.</a:t>
             </a:fld>
             <a:endParaRPr lang="ko-KR" altLang="en-US"/>
           </a:p>
@@ -1134,7 +1134,7 @@
           <a:p>
             <a:fld id="{018F1B78-3988-4143-A9BC-8F1C94A8D24C}" type="datetime1">
               <a:rPr lang="ko-KR" altLang="en-US" smtClean="0"/>
-              <a:t>2016-01-14</a:t>
+              <a:t>2016. 1. 14.</a:t>
             </a:fld>
             <a:endParaRPr lang="ko-KR" altLang="en-US"/>
           </a:p>
@@ -1368,7 +1368,7 @@
           <a:p>
             <a:fld id="{D704027F-A5DF-4DB0-BB5E-282E903BA604}" type="datetime1">
               <a:rPr lang="ko-KR" altLang="en-US" smtClean="0"/>
-              <a:t>2016-01-14</a:t>
+              <a:t>2016. 1. 14.</a:t>
             </a:fld>
             <a:endParaRPr lang="ko-KR" altLang="en-US"/>
           </a:p>
@@ -1661,7 +1661,7 @@
           <a:p>
             <a:fld id="{C90624F3-1261-4349-8FA1-CC02DAA35899}" type="datetime1">
               <a:rPr lang="ko-KR" altLang="en-US" smtClean="0"/>
-              <a:t>2016-01-14</a:t>
+              <a:t>2016. 1. 14.</a:t>
             </a:fld>
             <a:endParaRPr lang="ko-KR" altLang="en-US"/>
           </a:p>
@@ -1900,7 +1900,7 @@
           <a:p>
             <a:fld id="{B069A13B-C207-49EC-8727-27D4E7FF7581}" type="datetime1">
               <a:rPr lang="ko-KR" altLang="en-US" smtClean="0"/>
-              <a:t>2016-01-14</a:t>
+              <a:t>2016. 1. 14.</a:t>
             </a:fld>
             <a:endParaRPr lang="ko-KR" altLang="en-US"/>
           </a:p>
@@ -2274,7 +2274,7 @@
           <a:p>
             <a:fld id="{6CDF000B-DFB4-4B70-A1BE-3559BE293D3F}" type="datetime1">
               <a:rPr lang="ko-KR" altLang="en-US" smtClean="0"/>
-              <a:t>2016-01-14</a:t>
+              <a:t>2016. 1. 14.</a:t>
             </a:fld>
             <a:endParaRPr lang="ko-KR" altLang="en-US"/>
           </a:p>
@@ -2399,7 +2399,7 @@
           <a:p>
             <a:fld id="{ED267016-71B0-4603-BBFE-956FA452E2D1}" type="datetime1">
               <a:rPr lang="ko-KR" altLang="en-US" smtClean="0"/>
-              <a:t>2016-01-14</a:t>
+              <a:t>2016. 1. 14.</a:t>
             </a:fld>
             <a:endParaRPr lang="ko-KR" altLang="en-US"/>
           </a:p>
@@ -2501,7 +2501,7 @@
           <a:p>
             <a:fld id="{CAE436D1-BAF2-4110-B4EE-BC3791F6F456}" type="datetime1">
               <a:rPr lang="ko-KR" altLang="en-US" smtClean="0"/>
-              <a:t>2016-01-14</a:t>
+              <a:t>2016. 1. 14.</a:t>
             </a:fld>
             <a:endParaRPr lang="ko-KR" altLang="en-US"/>
           </a:p>
@@ -2785,7 +2785,7 @@
           <a:p>
             <a:fld id="{068795F3-BF2C-4AFF-A57E-2608F9928445}" type="datetime1">
               <a:rPr lang="ko-KR" altLang="en-US" smtClean="0"/>
-              <a:t>2016-01-14</a:t>
+              <a:t>2016. 1. 14.</a:t>
             </a:fld>
             <a:endParaRPr lang="ko-KR" altLang="en-US"/>
           </a:p>
@@ -3038,7 +3038,7 @@
           <a:p>
             <a:fld id="{56F99B02-6B5A-4015-8780-DA392778EA96}" type="datetime1">
               <a:rPr lang="ko-KR" altLang="en-US" smtClean="0"/>
-              <a:t>2016-01-14</a:t>
+              <a:t>2016. 1. 14.</a:t>
             </a:fld>
             <a:endParaRPr lang="ko-KR" altLang="en-US"/>
           </a:p>
@@ -3254,7 +3254,7 @@
           <a:p>
             <a:fld id="{57B7B9C7-1586-4B1C-A218-E5F025B183C0}" type="datetime1">
               <a:rPr lang="ko-KR" altLang="en-US" smtClean="0"/>
-              <a:t>2016-01-14</a:t>
+              <a:t>2016. 1. 14.</a:t>
             </a:fld>
             <a:endParaRPr lang="ko-KR" altLang="en-US"/>
           </a:p>
@@ -3960,14 +3960,14 @@
                 <a:gridCol w="1873046">
                   <a:extLst>
                     <a:ext uri="{9D8B030D-6E8A-4147-A177-3AD203B41FA5}">
-                      <a16:colId xmlns:a16="http://schemas.microsoft.com/office/drawing/2014/main" val="1386639546"/>
+                      <a16:colId xmlns:a16="http://schemas.microsoft.com/office/drawing/2014/main" xmlns="" val="1386639546"/>
                     </a:ext>
                   </a:extLst>
                 </a:gridCol>
                 <a:gridCol w="3432379">
                   <a:extLst>
                     <a:ext uri="{9D8B030D-6E8A-4147-A177-3AD203B41FA5}">
-                      <a16:colId xmlns:a16="http://schemas.microsoft.com/office/drawing/2014/main" val="764089535"/>
+                      <a16:colId xmlns:a16="http://schemas.microsoft.com/office/drawing/2014/main" xmlns="" val="764089535"/>
                     </a:ext>
                   </a:extLst>
                 </a:gridCol>
@@ -4005,7 +4005,7 @@
                 </a:tc>
                 <a:extLst>
                   <a:ext uri="{0D108BD9-81ED-4DB2-BD59-A6C34878D82A}">
-                    <a16:rowId xmlns:a16="http://schemas.microsoft.com/office/drawing/2014/main" val="4249704829"/>
+                    <a16:rowId xmlns:a16="http://schemas.microsoft.com/office/drawing/2014/main" xmlns="" val="4249704829"/>
                   </a:ext>
                 </a:extLst>
               </a:tr>
@@ -4058,7 +4058,7 @@
                 </a:tc>
                 <a:extLst>
                   <a:ext uri="{0D108BD9-81ED-4DB2-BD59-A6C34878D82A}">
-                    <a16:rowId xmlns:a16="http://schemas.microsoft.com/office/drawing/2014/main" val="591895513"/>
+                    <a16:rowId xmlns:a16="http://schemas.microsoft.com/office/drawing/2014/main" xmlns="" val="591895513"/>
                   </a:ext>
                 </a:extLst>
               </a:tr>
@@ -4107,7 +4107,7 @@
                 </a:tc>
                 <a:extLst>
                   <a:ext uri="{0D108BD9-81ED-4DB2-BD59-A6C34878D82A}">
-                    <a16:rowId xmlns:a16="http://schemas.microsoft.com/office/drawing/2014/main" val="3434559938"/>
+                    <a16:rowId xmlns:a16="http://schemas.microsoft.com/office/drawing/2014/main" xmlns="" val="3434559938"/>
                   </a:ext>
                 </a:extLst>
               </a:tr>
@@ -4144,7 +4144,7 @@
                 </a:tc>
                 <a:extLst>
                   <a:ext uri="{0D108BD9-81ED-4DB2-BD59-A6C34878D82A}">
-                    <a16:rowId xmlns:a16="http://schemas.microsoft.com/office/drawing/2014/main" val="3137848657"/>
+                    <a16:rowId xmlns:a16="http://schemas.microsoft.com/office/drawing/2014/main" xmlns="" val="3137848657"/>
                   </a:ext>
                 </a:extLst>
               </a:tr>
@@ -4201,7 +4201,7 @@
                 </a:tc>
                 <a:extLst>
                   <a:ext uri="{0D108BD9-81ED-4DB2-BD59-A6C34878D82A}">
-                    <a16:rowId xmlns:a16="http://schemas.microsoft.com/office/drawing/2014/main" val="2422149737"/>
+                    <a16:rowId xmlns:a16="http://schemas.microsoft.com/office/drawing/2014/main" xmlns="" val="2422149737"/>
                   </a:ext>
                 </a:extLst>
               </a:tr>
@@ -4258,7 +4258,7 @@
                 </a:tc>
                 <a:extLst>
                   <a:ext uri="{0D108BD9-81ED-4DB2-BD59-A6C34878D82A}">
-                    <a16:rowId xmlns:a16="http://schemas.microsoft.com/office/drawing/2014/main" val="2740964221"/>
+                    <a16:rowId xmlns:a16="http://schemas.microsoft.com/office/drawing/2014/main" xmlns="" val="2740964221"/>
                   </a:ext>
                 </a:extLst>
               </a:tr>
@@ -4311,7 +4311,7 @@
                 </a:tc>
                 <a:extLst>
                   <a:ext uri="{0D108BD9-81ED-4DB2-BD59-A6C34878D82A}">
-                    <a16:rowId xmlns:a16="http://schemas.microsoft.com/office/drawing/2014/main" val="2169575613"/>
+                    <a16:rowId xmlns:a16="http://schemas.microsoft.com/office/drawing/2014/main" xmlns="" val="2169575613"/>
                   </a:ext>
                 </a:extLst>
               </a:tr>
@@ -4914,7 +4914,7 @@
           <a:lstStyle/>
           <a:p>
             <a:r>
-              <a:rPr lang="en-US" altLang="ko-KR" sz="1500" smtClean="0">
+              <a:rPr lang="en-US" altLang="ko-KR" sz="1500" dirty="0" smtClean="0">
                 <a:solidFill>
                   <a:schemeClr val="tx1"/>
                 </a:solidFill>
@@ -4923,7 +4923,7 @@
               </a:rPr>
               <a:t>a=[1,2,3,4,5]</a:t>
             </a:r>
-            <a:endParaRPr lang="en-US" altLang="ko-KR" sz="1500">
+            <a:endParaRPr lang="en-US" altLang="ko-KR" sz="1500" dirty="0">
               <a:solidFill>
                 <a:schemeClr val="tx1"/>
               </a:solidFill>
@@ -4932,7 +4932,7 @@
             </a:endParaRPr>
           </a:p>
           <a:p>
-            <a:endParaRPr lang="en-US" altLang="ko-KR" sz="1500">
+            <a:endParaRPr lang="en-US" altLang="ko-KR" sz="1500" dirty="0">
               <a:solidFill>
                 <a:schemeClr val="tx1"/>
               </a:solidFill>
@@ -4942,7 +4942,7 @@
           </a:p>
           <a:p>
             <a:r>
-              <a:rPr lang="en-US" altLang="ko-KR" sz="1500" smtClean="0">
+              <a:rPr lang="en-US" altLang="ko-KR" sz="1500" dirty="0" smtClean="0">
                 <a:solidFill>
                   <a:schemeClr val="tx1"/>
                 </a:solidFill>
@@ -4954,7 +4954,7 @@
           </a:p>
           <a:p>
             <a:r>
-              <a:rPr lang="en-US" altLang="ko-KR" sz="1500" smtClean="0">
+              <a:rPr lang="en-US" altLang="ko-KR" sz="1500" dirty="0" smtClean="0">
                 <a:solidFill>
                   <a:schemeClr val="tx1"/>
                 </a:solidFill>
@@ -4966,7 +4966,7 @@
           </a:p>
           <a:p>
             <a:r>
-              <a:rPr lang="en-US" altLang="ko-KR" sz="1500" smtClean="0">
+              <a:rPr lang="en-US" altLang="ko-KR" sz="1500" dirty="0" smtClean="0">
                 <a:solidFill>
                   <a:schemeClr val="tx1"/>
                 </a:solidFill>
@@ -4978,7 +4978,7 @@
           </a:p>
           <a:p>
             <a:r>
-              <a:rPr lang="en-US" altLang="ko-KR" sz="1500" smtClean="0">
+              <a:rPr lang="en-US" altLang="ko-KR" sz="1500" dirty="0" smtClean="0">
                 <a:solidFill>
                   <a:schemeClr val="tx1"/>
                 </a:solidFill>
@@ -4987,7 +4987,7 @@
               </a:rPr>
               <a:t>print(a)</a:t>
             </a:r>
-            <a:endParaRPr lang="en-US" altLang="ko-KR" sz="1500">
+            <a:endParaRPr lang="en-US" altLang="ko-KR" sz="1500" dirty="0">
               <a:solidFill>
                 <a:schemeClr val="tx1"/>
               </a:solidFill>
@@ -4997,7 +4997,7 @@
           </a:p>
           <a:p>
             <a:r>
-              <a:rPr lang="en-US" altLang="ko-KR" sz="1500" smtClean="0">
+              <a:rPr lang="en-US" altLang="ko-KR" sz="1500" dirty="0" smtClean="0">
                 <a:solidFill>
                   <a:schemeClr val="tx1"/>
                 </a:solidFill>
@@ -5007,7 +5007,7 @@
               <a:t>a[2:4</a:t>
             </a:r>
             <a:r>
-              <a:rPr lang="en-US" altLang="ko-KR" sz="1500">
+              <a:rPr lang="en-US" altLang="ko-KR" sz="1500" dirty="0">
                 <a:solidFill>
                   <a:schemeClr val="tx1"/>
                 </a:solidFill>
@@ -5017,7 +5017,7 @@
               <a:t>]=</a:t>
             </a:r>
             <a:r>
-              <a:rPr lang="en-US" altLang="ko-KR" sz="1500" smtClean="0">
+              <a:rPr lang="en-US" altLang="ko-KR" sz="1500" dirty="0" smtClean="0">
                 <a:solidFill>
                   <a:schemeClr val="tx1"/>
                 </a:solidFill>
@@ -5026,7 +5026,7 @@
               </a:rPr>
               <a:t>10,11,12</a:t>
             </a:r>
-            <a:endParaRPr lang="en-US" altLang="ko-KR" sz="1500">
+            <a:endParaRPr lang="en-US" altLang="ko-KR" sz="1500" dirty="0">
               <a:solidFill>
                 <a:schemeClr val="tx1"/>
               </a:solidFill>
@@ -5036,7 +5036,7 @@
           </a:p>
           <a:p>
             <a:r>
-              <a:rPr lang="en-US" altLang="ko-KR" sz="1500" smtClean="0">
+              <a:rPr lang="en-US" altLang="ko-KR" sz="1500" dirty="0" smtClean="0">
                 <a:solidFill>
                   <a:schemeClr val="tx1"/>
                 </a:solidFill>
@@ -5045,7 +5045,7 @@
               </a:rPr>
               <a:t>print(a)</a:t>
             </a:r>
-            <a:endParaRPr lang="en-US" altLang="ko-KR" sz="1500">
+            <a:endParaRPr lang="en-US" altLang="ko-KR" sz="1500" dirty="0">
               <a:solidFill>
                 <a:schemeClr val="tx1"/>
               </a:solidFill>
@@ -5055,7 +5055,7 @@
           </a:p>
           <a:p>
             <a:r>
-              <a:rPr lang="en-US" altLang="ko-KR" sz="1500">
+              <a:rPr lang="en-US" altLang="ko-KR" sz="1500" dirty="0">
                 <a:solidFill>
                   <a:schemeClr val="tx1"/>
                 </a:solidFill>
@@ -5065,7 +5065,7 @@
               <a:t>a</a:t>
             </a:r>
             <a:r>
-              <a:rPr lang="en-US" altLang="ko-KR" sz="1500" smtClean="0">
+              <a:rPr lang="en-US" altLang="ko-KR" sz="1500" dirty="0" smtClean="0">
                 <a:solidFill>
                   <a:schemeClr val="tx1"/>
                 </a:solidFill>
@@ -5077,7 +5077,7 @@
           </a:p>
           <a:p>
             <a:r>
-              <a:rPr lang="en-US" altLang="ko-KR" sz="1500">
+              <a:rPr lang="en-US" altLang="ko-KR" sz="1500" dirty="0">
                 <a:solidFill>
                   <a:schemeClr val="tx1"/>
                 </a:solidFill>
@@ -5087,7 +5087,7 @@
               <a:t>print(a</a:t>
             </a:r>
             <a:r>
-              <a:rPr lang="en-US" altLang="ko-KR" sz="1500" smtClean="0">
+              <a:rPr lang="en-US" altLang="ko-KR" sz="1500" dirty="0" smtClean="0">
                 <a:solidFill>
                   <a:schemeClr val="tx1"/>
                 </a:solidFill>
@@ -5096,7 +5096,7 @@
               </a:rPr>
               <a:t>)</a:t>
             </a:r>
-            <a:endParaRPr lang="en-US" altLang="ko-KR" sz="1500">
+            <a:endParaRPr lang="en-US" altLang="ko-KR" sz="1500" dirty="0">
               <a:solidFill>
                 <a:schemeClr val="tx1"/>
               </a:solidFill>
@@ -5105,7 +5105,7 @@
             </a:endParaRPr>
           </a:p>
           <a:p>
-            <a:endParaRPr lang="en-US" altLang="ko-KR" sz="1500">
+            <a:endParaRPr lang="en-US" altLang="ko-KR" sz="1500" dirty="0">
               <a:solidFill>
                 <a:schemeClr val="tx1"/>
               </a:solidFill>
@@ -5648,7 +5648,7 @@
           <a:lstStyle/>
           <a:p>
             <a:r>
-              <a:rPr lang="en-US" altLang="ko-KR" sz="1500" smtClean="0">
+              <a:rPr lang="en-US" altLang="ko-KR" sz="1500" dirty="0" smtClean="0">
                 <a:solidFill>
                   <a:schemeClr val="tx1"/>
                 </a:solidFill>
@@ -5657,7 +5657,7 @@
               </a:rPr>
               <a:t>a=[1,2,3,4,5]</a:t>
             </a:r>
-            <a:endParaRPr lang="en-US" altLang="ko-KR" sz="1500">
+            <a:endParaRPr lang="en-US" altLang="ko-KR" sz="1500" dirty="0">
               <a:solidFill>
                 <a:schemeClr val="tx1"/>
               </a:solidFill>
@@ -5667,7 +5667,7 @@
           </a:p>
           <a:p>
             <a:r>
-              <a:rPr lang="en-US" altLang="ko-KR" sz="1500">
+              <a:rPr lang="en-US" altLang="ko-KR" sz="1500" dirty="0">
                 <a:solidFill>
                   <a:schemeClr val="tx1"/>
                 </a:solidFill>
@@ -5677,7 +5677,7 @@
               <a:t>b</a:t>
             </a:r>
             <a:r>
-              <a:rPr lang="en-US" altLang="ko-KR" sz="1500" smtClean="0">
+              <a:rPr lang="en-US" altLang="ko-KR" sz="1500" dirty="0" smtClean="0">
                 <a:solidFill>
                   <a:schemeClr val="tx1"/>
                 </a:solidFill>
@@ -5686,7 +5686,7 @@
               </a:rPr>
               <a:t>=[1,2,4,9,10]</a:t>
             </a:r>
-            <a:endParaRPr lang="en-US" altLang="ko-KR" sz="1500">
+            <a:endParaRPr lang="en-US" altLang="ko-KR" sz="1500" dirty="0">
               <a:solidFill>
                 <a:schemeClr val="tx1"/>
               </a:solidFill>
@@ -5695,7 +5695,7 @@
             </a:endParaRPr>
           </a:p>
           <a:p>
-            <a:endParaRPr lang="en-US" altLang="ko-KR" sz="1500" smtClean="0">
+            <a:endParaRPr lang="en-US" altLang="ko-KR" sz="1500" dirty="0" smtClean="0">
               <a:solidFill>
                 <a:schemeClr val="tx1"/>
               </a:solidFill>
@@ -5705,7 +5705,7 @@
           </a:p>
           <a:p>
             <a:r>
-              <a:rPr lang="en-US" altLang="ko-KR" sz="1500">
+              <a:rPr lang="en-US" altLang="ko-KR" sz="1500" dirty="0">
                 <a:solidFill>
                   <a:schemeClr val="tx1"/>
                 </a:solidFill>
@@ -5715,7 +5715,7 @@
               <a:t>p</a:t>
             </a:r>
             <a:r>
-              <a:rPr lang="en-US" altLang="ko-KR" sz="1500" smtClean="0">
+              <a:rPr lang="en-US" altLang="ko-KR" sz="1500" dirty="0" smtClean="0">
                 <a:solidFill>
                   <a:schemeClr val="tx1"/>
                 </a:solidFill>
@@ -5727,7 +5727,7 @@
           </a:p>
           <a:p>
             <a:r>
-              <a:rPr lang="en-US" altLang="ko-KR" sz="1500" smtClean="0">
+              <a:rPr lang="en-US" altLang="ko-KR" sz="1500" dirty="0" smtClean="0">
                 <a:solidFill>
                   <a:schemeClr val="tx1"/>
                 </a:solidFill>
@@ -5737,7 +5737,7 @@
               <a:t>print(a&lt;b</a:t>
             </a:r>
             <a:r>
-              <a:rPr lang="en-US" altLang="ko-KR" sz="1500">
+              <a:rPr lang="en-US" altLang="ko-KR" sz="1500" dirty="0">
                 <a:solidFill>
                   <a:schemeClr val="tx1"/>
                 </a:solidFill>
@@ -5749,7 +5749,7 @@
           </a:p>
           <a:p>
             <a:r>
-              <a:rPr lang="en-US" altLang="ko-KR" sz="1500" smtClean="0">
+              <a:rPr lang="en-US" altLang="ko-KR" sz="1500" dirty="0" smtClean="0">
                 <a:solidFill>
                   <a:schemeClr val="tx1"/>
                 </a:solidFill>
@@ -5759,7 +5759,7 @@
               <a:t>print(a==b</a:t>
             </a:r>
             <a:r>
-              <a:rPr lang="en-US" altLang="ko-KR" sz="1500">
+              <a:rPr lang="en-US" altLang="ko-KR" sz="1500" dirty="0">
                 <a:solidFill>
                   <a:schemeClr val="tx1"/>
                 </a:solidFill>
@@ -5771,7 +5771,7 @@
           </a:p>
           <a:p>
             <a:r>
-              <a:rPr lang="en-US" altLang="ko-KR" sz="1500" smtClean="0">
+              <a:rPr lang="en-US" altLang="ko-KR" sz="1500" dirty="0" smtClean="0">
                 <a:solidFill>
                   <a:schemeClr val="tx1"/>
                 </a:solidFill>
@@ -5781,7 +5781,7 @@
               <a:t>print(a!=</a:t>
             </a:r>
             <a:r>
-              <a:rPr lang="en-US" altLang="ko-KR" sz="1500">
+              <a:rPr lang="en-US" altLang="ko-KR" sz="1500" dirty="0">
                 <a:solidFill>
                   <a:schemeClr val="tx1"/>
                 </a:solidFill>
@@ -5792,7 +5792,7 @@
             </a:r>
           </a:p>
           <a:p>
-            <a:endParaRPr lang="en-US" altLang="ko-KR" sz="1500">
+            <a:endParaRPr lang="en-US" altLang="ko-KR" sz="1500" dirty="0">
               <a:solidFill>
                 <a:schemeClr val="tx1"/>
               </a:solidFill>
@@ -6038,16 +6038,26 @@
           <a:lstStyle/>
           <a:p>
             <a:r>
-              <a:rPr lang="en-US" altLang="ko-KR" sz="1500" smtClean="0">
-                <a:solidFill>
-                  <a:schemeClr val="tx1"/>
-                </a:solidFill>
-                <a:latin typeface="DejaVu Sans Mono" panose="020B0609030804020204" pitchFamily="49" charset="0"/>
-                <a:cs typeface="DejaVu Sans Mono" panose="020B0609030804020204" pitchFamily="49" charset="0"/>
-              </a:rPr>
-              <a:t>a=[A]</a:t>
-            </a:r>
-            <a:endParaRPr lang="en-US" altLang="ko-KR" sz="1500">
+              <a:rPr lang="en-US" altLang="ko-KR" sz="1500" dirty="0" smtClean="0">
+                <a:solidFill>
+                  <a:schemeClr val="tx1"/>
+                </a:solidFill>
+                <a:latin typeface="DejaVu Sans Mono" panose="020B0609030804020204" pitchFamily="49" charset="0"/>
+                <a:cs typeface="DejaVu Sans Mono" panose="020B0609030804020204" pitchFamily="49" charset="0"/>
+              </a:rPr>
+              <a:t>a=‘A</a:t>
+            </a:r>
+            <a:r>
+              <a:rPr lang="en-US" altLang="ko-KR" sz="1500" dirty="0" smtClean="0">
+                <a:solidFill>
+                  <a:schemeClr val="tx1"/>
+                </a:solidFill>
+                <a:latin typeface="DejaVu Sans Mono" panose="020B0609030804020204" pitchFamily="49" charset="0"/>
+                <a:cs typeface="DejaVu Sans Mono" panose="020B0609030804020204" pitchFamily="49" charset="0"/>
+              </a:rPr>
+              <a:t>’</a:t>
+            </a:r>
+            <a:endParaRPr lang="en-US" altLang="ko-KR" sz="1500" dirty="0">
               <a:solidFill>
                 <a:schemeClr val="tx1"/>
               </a:solidFill>
@@ -6057,26 +6067,26 @@
           </a:p>
           <a:p>
             <a:r>
-              <a:rPr lang="en-US" altLang="ko-KR" sz="1500">
-                <a:solidFill>
-                  <a:schemeClr val="tx1"/>
-                </a:solidFill>
-                <a:latin typeface="DejaVu Sans Mono" panose="020B0609030804020204" pitchFamily="49" charset="0"/>
-                <a:cs typeface="DejaVu Sans Mono" panose="020B0609030804020204" pitchFamily="49" charset="0"/>
-              </a:rPr>
-              <a:t>b</a:t>
-            </a:r>
-            <a:r>
-              <a:rPr lang="en-US" altLang="ko-KR" sz="1500" smtClean="0">
-                <a:solidFill>
-                  <a:schemeClr val="tx1"/>
-                </a:solidFill>
-                <a:latin typeface="DejaVu Sans Mono" panose="020B0609030804020204" pitchFamily="49" charset="0"/>
-                <a:cs typeface="DejaVu Sans Mono" panose="020B0609030804020204" pitchFamily="49" charset="0"/>
-              </a:rPr>
-              <a:t>=[B]</a:t>
-            </a:r>
-            <a:endParaRPr lang="en-US" altLang="ko-KR" sz="1500">
+              <a:rPr lang="en-US" altLang="ko-KR" sz="1500" dirty="0" smtClean="0">
+                <a:solidFill>
+                  <a:schemeClr val="tx1"/>
+                </a:solidFill>
+                <a:latin typeface="DejaVu Sans Mono" panose="020B0609030804020204" pitchFamily="49" charset="0"/>
+                <a:cs typeface="DejaVu Sans Mono" panose="020B0609030804020204" pitchFamily="49" charset="0"/>
+              </a:rPr>
+              <a:t>b=‘B</a:t>
+            </a:r>
+            <a:r>
+              <a:rPr lang="en-US" altLang="ko-KR" sz="1500" dirty="0" smtClean="0">
+                <a:solidFill>
+                  <a:schemeClr val="tx1"/>
+                </a:solidFill>
+                <a:latin typeface="DejaVu Sans Mono" panose="020B0609030804020204" pitchFamily="49" charset="0"/>
+                <a:cs typeface="DejaVu Sans Mono" panose="020B0609030804020204" pitchFamily="49" charset="0"/>
+              </a:rPr>
+              <a:t>’</a:t>
+            </a:r>
+            <a:endParaRPr lang="en-US" altLang="ko-KR" sz="1500" dirty="0">
               <a:solidFill>
                 <a:schemeClr val="tx1"/>
               </a:solidFill>
@@ -6085,7 +6095,7 @@
             </a:endParaRPr>
           </a:p>
           <a:p>
-            <a:endParaRPr lang="en-US" altLang="ko-KR" sz="1500" smtClean="0">
+            <a:endParaRPr lang="en-US" altLang="ko-KR" sz="1500" dirty="0" smtClean="0">
               <a:solidFill>
                 <a:schemeClr val="tx1"/>
               </a:solidFill>
@@ -6095,7 +6105,7 @@
           </a:p>
           <a:p>
             <a:r>
-              <a:rPr lang="en-US" altLang="ko-KR" sz="1500">
+              <a:rPr lang="en-US" altLang="ko-KR" sz="1500" dirty="0">
                 <a:solidFill>
                   <a:schemeClr val="tx1"/>
                 </a:solidFill>
@@ -6105,7 +6115,7 @@
               <a:t>p</a:t>
             </a:r>
             <a:r>
-              <a:rPr lang="en-US" altLang="ko-KR" sz="1500" smtClean="0">
+              <a:rPr lang="en-US" altLang="ko-KR" sz="1500" dirty="0" smtClean="0">
                 <a:solidFill>
                   <a:schemeClr val="tx1"/>
                 </a:solidFill>
@@ -6117,7 +6127,7 @@
           </a:p>
           <a:p>
             <a:r>
-              <a:rPr lang="en-US" altLang="ko-KR" sz="1500" smtClean="0">
+              <a:rPr lang="en-US" altLang="ko-KR" sz="1500" dirty="0" smtClean="0">
                 <a:solidFill>
                   <a:schemeClr val="tx1"/>
                 </a:solidFill>
@@ -6127,7 +6137,7 @@
               <a:t>print(a&lt;b</a:t>
             </a:r>
             <a:r>
-              <a:rPr lang="en-US" altLang="ko-KR" sz="1500">
+              <a:rPr lang="en-US" altLang="ko-KR" sz="1500" dirty="0">
                 <a:solidFill>
                   <a:schemeClr val="tx1"/>
                 </a:solidFill>
@@ -6139,7 +6149,7 @@
           </a:p>
           <a:p>
             <a:r>
-              <a:rPr lang="en-US" altLang="ko-KR" sz="1500" smtClean="0">
+              <a:rPr lang="en-US" altLang="ko-KR" sz="1500" dirty="0" smtClean="0">
                 <a:solidFill>
                   <a:schemeClr val="tx1"/>
                 </a:solidFill>
@@ -6149,7 +6159,7 @@
               <a:t>print(a==b</a:t>
             </a:r>
             <a:r>
-              <a:rPr lang="en-US" altLang="ko-KR" sz="1500">
+              <a:rPr lang="en-US" altLang="ko-KR" sz="1500" dirty="0">
                 <a:solidFill>
                   <a:schemeClr val="tx1"/>
                 </a:solidFill>
@@ -6161,7 +6171,7 @@
           </a:p>
           <a:p>
             <a:r>
-              <a:rPr lang="en-US" altLang="ko-KR" sz="1500" smtClean="0">
+              <a:rPr lang="en-US" altLang="ko-KR" sz="1500" dirty="0" smtClean="0">
                 <a:solidFill>
                   <a:schemeClr val="tx1"/>
                 </a:solidFill>
@@ -6171,7 +6181,7 @@
               <a:t>print(a!=</a:t>
             </a:r>
             <a:r>
-              <a:rPr lang="en-US" altLang="ko-KR" sz="1500">
+              <a:rPr lang="en-US" altLang="ko-KR" sz="1500" dirty="0">
                 <a:solidFill>
                   <a:schemeClr val="tx1"/>
                 </a:solidFill>
@@ -6182,7 +6192,7 @@
             </a:r>
           </a:p>
           <a:p>
-            <a:endParaRPr lang="en-US" altLang="ko-KR" sz="1500">
+            <a:endParaRPr lang="en-US" altLang="ko-KR" sz="1500" dirty="0">
               <a:solidFill>
                 <a:schemeClr val="tx1"/>
               </a:solidFill>
@@ -6297,14 +6307,14 @@
                 <a:gridCol w="1604965">
                   <a:extLst>
                     <a:ext uri="{9D8B030D-6E8A-4147-A177-3AD203B41FA5}">
-                      <a16:colId xmlns:a16="http://schemas.microsoft.com/office/drawing/2014/main" val="1386639546"/>
+                      <a16:colId xmlns:a16="http://schemas.microsoft.com/office/drawing/2014/main" xmlns="" val="1386639546"/>
                     </a:ext>
                   </a:extLst>
                 </a:gridCol>
                 <a:gridCol w="3300413">
                   <a:extLst>
                     <a:ext uri="{9D8B030D-6E8A-4147-A177-3AD203B41FA5}">
-                      <a16:colId xmlns:a16="http://schemas.microsoft.com/office/drawing/2014/main" val="764089535"/>
+                      <a16:colId xmlns:a16="http://schemas.microsoft.com/office/drawing/2014/main" xmlns="" val="764089535"/>
                     </a:ext>
                   </a:extLst>
                 </a:gridCol>
@@ -6342,7 +6352,7 @@
                 </a:tc>
                 <a:extLst>
                   <a:ext uri="{0D108BD9-81ED-4DB2-BD59-A6C34878D82A}">
-                    <a16:rowId xmlns:a16="http://schemas.microsoft.com/office/drawing/2014/main" val="4249704829"/>
+                    <a16:rowId xmlns:a16="http://schemas.microsoft.com/office/drawing/2014/main" xmlns="" val="4249704829"/>
                   </a:ext>
                 </a:extLst>
               </a:tr>
@@ -6379,7 +6389,7 @@
                 </a:tc>
                 <a:extLst>
                   <a:ext uri="{0D108BD9-81ED-4DB2-BD59-A6C34878D82A}">
-                    <a16:rowId xmlns:a16="http://schemas.microsoft.com/office/drawing/2014/main" val="591895513"/>
+                    <a16:rowId xmlns:a16="http://schemas.microsoft.com/office/drawing/2014/main" xmlns="" val="591895513"/>
                   </a:ext>
                 </a:extLst>
               </a:tr>
@@ -6416,7 +6426,7 @@
                 </a:tc>
                 <a:extLst>
                   <a:ext uri="{0D108BD9-81ED-4DB2-BD59-A6C34878D82A}">
-                    <a16:rowId xmlns:a16="http://schemas.microsoft.com/office/drawing/2014/main" val="3434559938"/>
+                    <a16:rowId xmlns:a16="http://schemas.microsoft.com/office/drawing/2014/main" xmlns="" val="3434559938"/>
                   </a:ext>
                 </a:extLst>
               </a:tr>
@@ -6457,7 +6467,7 @@
                 </a:tc>
                 <a:extLst>
                   <a:ext uri="{0D108BD9-81ED-4DB2-BD59-A6C34878D82A}">
-                    <a16:rowId xmlns:a16="http://schemas.microsoft.com/office/drawing/2014/main" val="3137848657"/>
+                    <a16:rowId xmlns:a16="http://schemas.microsoft.com/office/drawing/2014/main" xmlns="" val="3137848657"/>
                   </a:ext>
                 </a:extLst>
               </a:tr>
@@ -6514,7 +6524,7 @@
                 </a:tc>
                 <a:extLst>
                   <a:ext uri="{0D108BD9-81ED-4DB2-BD59-A6C34878D82A}">
-                    <a16:rowId xmlns:a16="http://schemas.microsoft.com/office/drawing/2014/main" val="2422149737"/>
+                    <a16:rowId xmlns:a16="http://schemas.microsoft.com/office/drawing/2014/main" xmlns="" val="2422149737"/>
                   </a:ext>
                 </a:extLst>
               </a:tr>
@@ -6583,7 +6593,7 @@
                 </a:tc>
                 <a:extLst>
                   <a:ext uri="{0D108BD9-81ED-4DB2-BD59-A6C34878D82A}">
-                    <a16:rowId xmlns:a16="http://schemas.microsoft.com/office/drawing/2014/main" val="2740964221"/>
+                    <a16:rowId xmlns:a16="http://schemas.microsoft.com/office/drawing/2014/main" xmlns="" val="2740964221"/>
                   </a:ext>
                 </a:extLst>
               </a:tr>
@@ -6640,7 +6650,7 @@
                 </a:tc>
                 <a:extLst>
                   <a:ext uri="{0D108BD9-81ED-4DB2-BD59-A6C34878D82A}">
-                    <a16:rowId xmlns:a16="http://schemas.microsoft.com/office/drawing/2014/main" val="2169575613"/>
+                    <a16:rowId xmlns:a16="http://schemas.microsoft.com/office/drawing/2014/main" xmlns="" val="2169575613"/>
                   </a:ext>
                 </a:extLst>
               </a:tr>
@@ -6721,7 +6731,7 @@
                 </a:tc>
                 <a:extLst>
                   <a:ext uri="{0D108BD9-81ED-4DB2-BD59-A6C34878D82A}">
-                    <a16:rowId xmlns:a16="http://schemas.microsoft.com/office/drawing/2014/main" val="825117090"/>
+                    <a16:rowId xmlns:a16="http://schemas.microsoft.com/office/drawing/2014/main" xmlns="" val="825117090"/>
                   </a:ext>
                 </a:extLst>
               </a:tr>
@@ -6817,14 +6827,14 @@
                 <a:gridCol w="1651711">
                   <a:extLst>
                     <a:ext uri="{9D8B030D-6E8A-4147-A177-3AD203B41FA5}">
-                      <a16:colId xmlns:a16="http://schemas.microsoft.com/office/drawing/2014/main" val="1386639546"/>
+                      <a16:colId xmlns:a16="http://schemas.microsoft.com/office/drawing/2014/main" xmlns="" val="1386639546"/>
                     </a:ext>
                   </a:extLst>
                 </a:gridCol>
                 <a:gridCol w="3396539">
                   <a:extLst>
                     <a:ext uri="{9D8B030D-6E8A-4147-A177-3AD203B41FA5}">
-                      <a16:colId xmlns:a16="http://schemas.microsoft.com/office/drawing/2014/main" val="764089535"/>
+                      <a16:colId xmlns:a16="http://schemas.microsoft.com/office/drawing/2014/main" xmlns="" val="764089535"/>
                     </a:ext>
                   </a:extLst>
                 </a:gridCol>
@@ -6862,7 +6872,7 @@
                 </a:tc>
                 <a:extLst>
                   <a:ext uri="{0D108BD9-81ED-4DB2-BD59-A6C34878D82A}">
-                    <a16:rowId xmlns:a16="http://schemas.microsoft.com/office/drawing/2014/main" val="4249704829"/>
+                    <a16:rowId xmlns:a16="http://schemas.microsoft.com/office/drawing/2014/main" xmlns="" val="4249704829"/>
                   </a:ext>
                 </a:extLst>
               </a:tr>
@@ -6943,7 +6953,7 @@
                 </a:tc>
                 <a:extLst>
                   <a:ext uri="{0D108BD9-81ED-4DB2-BD59-A6C34878D82A}">
-                    <a16:rowId xmlns:a16="http://schemas.microsoft.com/office/drawing/2014/main" val="591895513"/>
+                    <a16:rowId xmlns:a16="http://schemas.microsoft.com/office/drawing/2014/main" xmlns="" val="591895513"/>
                   </a:ext>
                 </a:extLst>
               </a:tr>
@@ -7024,7 +7034,7 @@
                 </a:tc>
                 <a:extLst>
                   <a:ext uri="{0D108BD9-81ED-4DB2-BD59-A6C34878D82A}">
-                    <a16:rowId xmlns:a16="http://schemas.microsoft.com/office/drawing/2014/main" val="3434559938"/>
+                    <a16:rowId xmlns:a16="http://schemas.microsoft.com/office/drawing/2014/main" xmlns="" val="3434559938"/>
                   </a:ext>
                 </a:extLst>
               </a:tr>
@@ -7081,7 +7091,7 @@
                 </a:tc>
                 <a:extLst>
                   <a:ext uri="{0D108BD9-81ED-4DB2-BD59-A6C34878D82A}">
-                    <a16:rowId xmlns:a16="http://schemas.microsoft.com/office/drawing/2014/main" val="3137848657"/>
+                    <a16:rowId xmlns:a16="http://schemas.microsoft.com/office/drawing/2014/main" xmlns="" val="3137848657"/>
                   </a:ext>
                 </a:extLst>
               </a:tr>
@@ -7122,7 +7132,7 @@
                 </a:tc>
                 <a:extLst>
                   <a:ext uri="{0D108BD9-81ED-4DB2-BD59-A6C34878D82A}">
-                    <a16:rowId xmlns:a16="http://schemas.microsoft.com/office/drawing/2014/main" val="2422149737"/>
+                    <a16:rowId xmlns:a16="http://schemas.microsoft.com/office/drawing/2014/main" xmlns="" val="2422149737"/>
                   </a:ext>
                 </a:extLst>
               </a:tr>
@@ -7175,7 +7185,7 @@
                 </a:tc>
                 <a:extLst>
                   <a:ext uri="{0D108BD9-81ED-4DB2-BD59-A6C34878D82A}">
-                    <a16:rowId xmlns:a16="http://schemas.microsoft.com/office/drawing/2014/main" val="2740964221"/>
+                    <a16:rowId xmlns:a16="http://schemas.microsoft.com/office/drawing/2014/main" xmlns="" val="2740964221"/>
                   </a:ext>
                 </a:extLst>
               </a:tr>
@@ -7232,7 +7242,7 @@
                 </a:tc>
                 <a:extLst>
                   <a:ext uri="{0D108BD9-81ED-4DB2-BD59-A6C34878D82A}">
-                    <a16:rowId xmlns:a16="http://schemas.microsoft.com/office/drawing/2014/main" val="2169575613"/>
+                    <a16:rowId xmlns:a16="http://schemas.microsoft.com/office/drawing/2014/main" xmlns="" val="2169575613"/>
                   </a:ext>
                 </a:extLst>
               </a:tr>
@@ -7362,7 +7372,7 @@
           <a:lstStyle/>
           <a:p>
             <a:r>
-              <a:rPr lang="pt-BR" altLang="ko-KR" sz="1500">
+              <a:rPr lang="pt-BR" altLang="ko-KR" sz="1500" dirty="0">
                 <a:solidFill>
                   <a:schemeClr val="tx1"/>
                 </a:solidFill>
@@ -7374,43 +7384,113 @@
           </a:p>
           <a:p>
             <a:r>
-              <a:rPr lang="pt-BR" altLang="ko-KR" sz="1500">
-                <a:solidFill>
-                  <a:schemeClr val="tx1"/>
-                </a:solidFill>
-                <a:latin typeface="DejaVu Sans Mono" panose="020B0609030804020204" pitchFamily="49" charset="0"/>
-                <a:cs typeface="DejaVu Sans Mono" panose="020B0609030804020204" pitchFamily="49" charset="0"/>
-              </a:rPr>
-              <a:t>b = 13.142783</a:t>
-            </a:r>
-          </a:p>
-          <a:p>
-            <a:r>
-              <a:rPr lang="pt-BR" altLang="ko-KR" sz="1500">
-                <a:solidFill>
-                  <a:schemeClr val="tx1"/>
-                </a:solidFill>
-                <a:latin typeface="DejaVu Sans Mono" panose="020B0609030804020204" pitchFamily="49" charset="0"/>
-                <a:cs typeface="DejaVu Sans Mono" panose="020B0609030804020204" pitchFamily="49" charset="0"/>
-              </a:rPr>
-              <a:t>c = "hello"</a:t>
-            </a:r>
-          </a:p>
-          <a:p>
-            <a:r>
-              <a:rPr lang="pt-BR" altLang="ko-KR" sz="1500">
-                <a:solidFill>
-                  <a:schemeClr val="tx1"/>
-                </a:solidFill>
-                <a:latin typeface="DejaVu Sans Mono" panose="020B0609030804020204" pitchFamily="49" charset="0"/>
-                <a:cs typeface="DejaVu Sans Mono" panose="020B0609030804020204" pitchFamily="49" charset="0"/>
-              </a:rPr>
-              <a:t>d = {'x':13, 'y':1.54321, 'z':'world'}</a:t>
-            </a:r>
-          </a:p>
-          <a:p>
-            <a:r>
-              <a:rPr lang="pt-BR" altLang="ko-KR" sz="1500">
+              <a:rPr lang="pt-BR" altLang="ko-KR" sz="1500" dirty="0" err="1">
+                <a:solidFill>
+                  <a:schemeClr val="tx1"/>
+                </a:solidFill>
+                <a:latin typeface="DejaVu Sans Mono" panose="020B0609030804020204" pitchFamily="49" charset="0"/>
+                <a:cs typeface="DejaVu Sans Mono" panose="020B0609030804020204" pitchFamily="49" charset="0"/>
+              </a:rPr>
+              <a:t>b</a:t>
+            </a:r>
+            <a:r>
+              <a:rPr lang="pt-BR" altLang="ko-KR" sz="1500" dirty="0">
+                <a:solidFill>
+                  <a:schemeClr val="tx1"/>
+                </a:solidFill>
+                <a:latin typeface="DejaVu Sans Mono" panose="020B0609030804020204" pitchFamily="49" charset="0"/>
+                <a:cs typeface="DejaVu Sans Mono" panose="020B0609030804020204" pitchFamily="49" charset="0"/>
+              </a:rPr>
+              <a:t> = 13.142783</a:t>
+            </a:r>
+          </a:p>
+          <a:p>
+            <a:r>
+              <a:rPr lang="pt-BR" altLang="ko-KR" sz="1500" dirty="0" err="1">
+                <a:solidFill>
+                  <a:schemeClr val="tx1"/>
+                </a:solidFill>
+                <a:latin typeface="DejaVu Sans Mono" panose="020B0609030804020204" pitchFamily="49" charset="0"/>
+                <a:cs typeface="DejaVu Sans Mono" panose="020B0609030804020204" pitchFamily="49" charset="0"/>
+              </a:rPr>
+              <a:t>c</a:t>
+            </a:r>
+            <a:r>
+              <a:rPr lang="pt-BR" altLang="ko-KR" sz="1500" dirty="0">
+                <a:solidFill>
+                  <a:schemeClr val="tx1"/>
+                </a:solidFill>
+                <a:latin typeface="DejaVu Sans Mono" panose="020B0609030804020204" pitchFamily="49" charset="0"/>
+                <a:cs typeface="DejaVu Sans Mono" panose="020B0609030804020204" pitchFamily="49" charset="0"/>
+              </a:rPr>
+              <a:t> = "</a:t>
+            </a:r>
+            <a:r>
+              <a:rPr lang="pt-BR" altLang="ko-KR" sz="1500" dirty="0" err="1">
+                <a:solidFill>
+                  <a:schemeClr val="tx1"/>
+                </a:solidFill>
+                <a:latin typeface="DejaVu Sans Mono" panose="020B0609030804020204" pitchFamily="49" charset="0"/>
+                <a:cs typeface="DejaVu Sans Mono" panose="020B0609030804020204" pitchFamily="49" charset="0"/>
+              </a:rPr>
+              <a:t>hello</a:t>
+            </a:r>
+            <a:r>
+              <a:rPr lang="pt-BR" altLang="ko-KR" sz="1500" dirty="0">
+                <a:solidFill>
+                  <a:schemeClr val="tx1"/>
+                </a:solidFill>
+                <a:latin typeface="DejaVu Sans Mono" panose="020B0609030804020204" pitchFamily="49" charset="0"/>
+                <a:cs typeface="DejaVu Sans Mono" panose="020B0609030804020204" pitchFamily="49" charset="0"/>
+              </a:rPr>
+              <a:t>"</a:t>
+            </a:r>
+          </a:p>
+          <a:p>
+            <a:r>
+              <a:rPr lang="pt-BR" altLang="ko-KR" sz="1500" dirty="0" err="1">
+                <a:solidFill>
+                  <a:schemeClr val="tx1"/>
+                </a:solidFill>
+                <a:latin typeface="DejaVu Sans Mono" panose="020B0609030804020204" pitchFamily="49" charset="0"/>
+                <a:cs typeface="DejaVu Sans Mono" panose="020B0609030804020204" pitchFamily="49" charset="0"/>
+              </a:rPr>
+              <a:t>d</a:t>
+            </a:r>
+            <a:r>
+              <a:rPr lang="pt-BR" altLang="ko-KR" sz="1500" dirty="0">
+                <a:solidFill>
+                  <a:schemeClr val="tx1"/>
+                </a:solidFill>
+                <a:latin typeface="DejaVu Sans Mono" panose="020B0609030804020204" pitchFamily="49" charset="0"/>
+                <a:cs typeface="DejaVu Sans Mono" panose="020B0609030804020204" pitchFamily="49" charset="0"/>
+              </a:rPr>
+              <a:t> = {'x':13, 'y':1.54321, '</a:t>
+            </a:r>
+            <a:r>
+              <a:rPr lang="pt-BR" altLang="ko-KR" sz="1500" dirty="0" err="1">
+                <a:solidFill>
+                  <a:schemeClr val="tx1"/>
+                </a:solidFill>
+                <a:latin typeface="DejaVu Sans Mono" panose="020B0609030804020204" pitchFamily="49" charset="0"/>
+                <a:cs typeface="DejaVu Sans Mono" panose="020B0609030804020204" pitchFamily="49" charset="0"/>
+              </a:rPr>
+              <a:t>z</a:t>
+            </a:r>
+            <a:r>
+              <a:rPr lang="pt-BR" altLang="ko-KR" sz="1500" dirty="0">
+                <a:solidFill>
+                  <a:schemeClr val="tx1"/>
+                </a:solidFill>
+                <a:latin typeface="DejaVu Sans Mono" panose="020B0609030804020204" pitchFamily="49" charset="0"/>
+                <a:cs typeface="DejaVu Sans Mono" panose="020B0609030804020204" pitchFamily="49" charset="0"/>
+              </a:rPr>
+              <a:t>':'world'}</a:t>
+            </a:r>
+          </a:p>
+          <a:p>
+            <a:r>
+              <a:rPr lang="pt-BR" altLang="ko-KR" sz="1500" dirty="0">
                 <a:solidFill>
                   <a:schemeClr val="tx1"/>
                 </a:solidFill>
@@ -7421,7 +7501,7 @@
             </a:r>
           </a:p>
           <a:p>
-            <a:endParaRPr lang="pt-BR" altLang="ko-KR" sz="1500">
+            <a:endParaRPr lang="pt-BR" altLang="ko-KR" sz="1500" dirty="0">
               <a:solidFill>
                 <a:schemeClr val="tx1"/>
               </a:solidFill>
@@ -7431,31 +7511,7 @@
           </a:p>
           <a:p>
             <a:r>
-              <a:rPr lang="pt-BR" altLang="ko-KR" sz="1500">
-                <a:solidFill>
-                  <a:schemeClr val="tx1"/>
-                </a:solidFill>
-                <a:latin typeface="DejaVu Sans Mono" panose="020B0609030804020204" pitchFamily="49" charset="0"/>
-                <a:cs typeface="DejaVu Sans Mono" panose="020B0609030804020204" pitchFamily="49" charset="0"/>
-              </a:rPr>
-              <a:t>r="a is %d" %a</a:t>
-            </a:r>
-          </a:p>
-          <a:p>
-            <a:r>
-              <a:rPr lang="pt-BR" altLang="ko-KR" sz="1500">
-                <a:solidFill>
-                  <a:schemeClr val="tx1"/>
-                </a:solidFill>
-                <a:latin typeface="DejaVu Sans Mono" panose="020B0609030804020204" pitchFamily="49" charset="0"/>
-                <a:cs typeface="DejaVu Sans Mono" panose="020B0609030804020204" pitchFamily="49" charset="0"/>
-              </a:rPr>
-              <a:t>print(r)</a:t>
-            </a:r>
-          </a:p>
-          <a:p>
-            <a:r>
-              <a:rPr lang="pt-BR" altLang="ko-KR" sz="1500">
+              <a:rPr lang="pt-BR" altLang="ko-KR" sz="1500" dirty="0" err="1">
                 <a:solidFill>
                   <a:schemeClr val="tx1"/>
                 </a:solidFill>
@@ -7465,7 +7521,111 @@
               <a:t>r</a:t>
             </a:r>
             <a:r>
-              <a:rPr lang="pt-BR" altLang="ko-KR" sz="1500" smtClean="0">
+              <a:rPr lang="pt-BR" altLang="ko-KR" sz="1500" dirty="0">
+                <a:solidFill>
+                  <a:schemeClr val="tx1"/>
+                </a:solidFill>
+                <a:latin typeface="DejaVu Sans Mono" panose="020B0609030804020204" pitchFamily="49" charset="0"/>
+                <a:cs typeface="DejaVu Sans Mono" panose="020B0609030804020204" pitchFamily="49" charset="0"/>
+              </a:rPr>
+              <a:t>="a </a:t>
+            </a:r>
+            <a:r>
+              <a:rPr lang="pt-BR" altLang="ko-KR" sz="1500" dirty="0" err="1">
+                <a:solidFill>
+                  <a:schemeClr val="tx1"/>
+                </a:solidFill>
+                <a:latin typeface="DejaVu Sans Mono" panose="020B0609030804020204" pitchFamily="49" charset="0"/>
+                <a:cs typeface="DejaVu Sans Mono" panose="020B0609030804020204" pitchFamily="49" charset="0"/>
+              </a:rPr>
+              <a:t>is</a:t>
+            </a:r>
+            <a:r>
+              <a:rPr lang="pt-BR" altLang="ko-KR" sz="1500" dirty="0">
+                <a:solidFill>
+                  <a:schemeClr val="tx1"/>
+                </a:solidFill>
+                <a:latin typeface="DejaVu Sans Mono" panose="020B0609030804020204" pitchFamily="49" charset="0"/>
+                <a:cs typeface="DejaVu Sans Mono" panose="020B0609030804020204" pitchFamily="49" charset="0"/>
+              </a:rPr>
+              <a:t> %</a:t>
+            </a:r>
+            <a:r>
+              <a:rPr lang="pt-BR" altLang="ko-KR" sz="1500" dirty="0" err="1">
+                <a:solidFill>
+                  <a:schemeClr val="tx1"/>
+                </a:solidFill>
+                <a:latin typeface="DejaVu Sans Mono" panose="020B0609030804020204" pitchFamily="49" charset="0"/>
+                <a:cs typeface="DejaVu Sans Mono" panose="020B0609030804020204" pitchFamily="49" charset="0"/>
+              </a:rPr>
+              <a:t>d</a:t>
+            </a:r>
+            <a:r>
+              <a:rPr lang="pt-BR" altLang="ko-KR" sz="1500" dirty="0">
+                <a:solidFill>
+                  <a:schemeClr val="tx1"/>
+                </a:solidFill>
+                <a:latin typeface="DejaVu Sans Mono" panose="020B0609030804020204" pitchFamily="49" charset="0"/>
+                <a:cs typeface="DejaVu Sans Mono" panose="020B0609030804020204" pitchFamily="49" charset="0"/>
+              </a:rPr>
+              <a:t>" %a</a:t>
+            </a:r>
+          </a:p>
+          <a:p>
+            <a:r>
+              <a:rPr lang="pt-BR" altLang="ko-KR" sz="1500" dirty="0" err="1">
+                <a:solidFill>
+                  <a:schemeClr val="tx1"/>
+                </a:solidFill>
+                <a:latin typeface="DejaVu Sans Mono" panose="020B0609030804020204" pitchFamily="49" charset="0"/>
+                <a:cs typeface="DejaVu Sans Mono" panose="020B0609030804020204" pitchFamily="49" charset="0"/>
+              </a:rPr>
+              <a:t>print</a:t>
+            </a:r>
+            <a:r>
+              <a:rPr lang="pt-BR" altLang="ko-KR" sz="1500" dirty="0">
+                <a:solidFill>
+                  <a:schemeClr val="tx1"/>
+                </a:solidFill>
+                <a:latin typeface="DejaVu Sans Mono" panose="020B0609030804020204" pitchFamily="49" charset="0"/>
+                <a:cs typeface="DejaVu Sans Mono" panose="020B0609030804020204" pitchFamily="49" charset="0"/>
+              </a:rPr>
+              <a:t>(</a:t>
+            </a:r>
+            <a:r>
+              <a:rPr lang="pt-BR" altLang="ko-KR" sz="1500" dirty="0" err="1">
+                <a:solidFill>
+                  <a:schemeClr val="tx1"/>
+                </a:solidFill>
+                <a:latin typeface="DejaVu Sans Mono" panose="020B0609030804020204" pitchFamily="49" charset="0"/>
+                <a:cs typeface="DejaVu Sans Mono" panose="020B0609030804020204" pitchFamily="49" charset="0"/>
+              </a:rPr>
+              <a:t>r</a:t>
+            </a:r>
+            <a:r>
+              <a:rPr lang="pt-BR" altLang="ko-KR" sz="1500" dirty="0">
+                <a:solidFill>
+                  <a:schemeClr val="tx1"/>
+                </a:solidFill>
+                <a:latin typeface="DejaVu Sans Mono" panose="020B0609030804020204" pitchFamily="49" charset="0"/>
+                <a:cs typeface="DejaVu Sans Mono" panose="020B0609030804020204" pitchFamily="49" charset="0"/>
+              </a:rPr>
+              <a:t>)</a:t>
+            </a:r>
+          </a:p>
+          <a:p>
+            <a:r>
+              <a:rPr lang="pt-BR" altLang="ko-KR" sz="1500" dirty="0" err="1">
+                <a:solidFill>
+                  <a:schemeClr val="tx1"/>
+                </a:solidFill>
+                <a:latin typeface="DejaVu Sans Mono" panose="020B0609030804020204" pitchFamily="49" charset="0"/>
+                <a:cs typeface="DejaVu Sans Mono" panose="020B0609030804020204" pitchFamily="49" charset="0"/>
+              </a:rPr>
+              <a:t>r</a:t>
+            </a:r>
+            <a:r>
+              <a:rPr lang="pt-BR" altLang="ko-KR" sz="1500" dirty="0" smtClean="0">
                 <a:solidFill>
                   <a:schemeClr val="tx1"/>
                 </a:solidFill>
@@ -7475,55 +7635,79 @@
               <a:t>="%10d </a:t>
             </a:r>
             <a:r>
-              <a:rPr lang="pt-BR" altLang="ko-KR" sz="1500">
-                <a:solidFill>
-                  <a:schemeClr val="tx1"/>
-                </a:solidFill>
-                <a:latin typeface="DejaVu Sans Mono" panose="020B0609030804020204" pitchFamily="49" charset="0"/>
-                <a:cs typeface="DejaVu Sans Mono" panose="020B0609030804020204" pitchFamily="49" charset="0"/>
-              </a:rPr>
-              <a:t>%f" %(a,b)</a:t>
-            </a:r>
-          </a:p>
-          <a:p>
-            <a:r>
-              <a:rPr lang="pt-BR" altLang="ko-KR" sz="1500">
-                <a:solidFill>
-                  <a:schemeClr val="tx1"/>
-                </a:solidFill>
-                <a:latin typeface="DejaVu Sans Mono" panose="020B0609030804020204" pitchFamily="49" charset="0"/>
-                <a:cs typeface="DejaVu Sans Mono" panose="020B0609030804020204" pitchFamily="49" charset="0"/>
-              </a:rPr>
-              <a:t>print(r)</a:t>
-            </a:r>
-          </a:p>
-          <a:p>
-            <a:r>
-              <a:rPr lang="pt-BR" altLang="ko-KR" sz="1500">
-                <a:solidFill>
-                  <a:schemeClr val="tx1"/>
-                </a:solidFill>
-                <a:latin typeface="DejaVu Sans Mono" panose="020B0609030804020204" pitchFamily="49" charset="0"/>
-                <a:cs typeface="DejaVu Sans Mono" panose="020B0609030804020204" pitchFamily="49" charset="0"/>
-              </a:rPr>
-              <a:t>r="%+010d %E" %(a,b)</a:t>
-            </a:r>
-          </a:p>
-          <a:p>
-            <a:r>
-              <a:rPr lang="pt-BR" altLang="ko-KR" sz="1500" smtClean="0">
-                <a:solidFill>
-                  <a:schemeClr val="tx1"/>
-                </a:solidFill>
-                <a:latin typeface="DejaVu Sans Mono" panose="020B0609030804020204" pitchFamily="49" charset="0"/>
-                <a:cs typeface="DejaVu Sans Mono" panose="020B0609030804020204" pitchFamily="49" charset="0"/>
-              </a:rPr>
-              <a:t>print(r)</a:t>
-            </a:r>
-          </a:p>
-          <a:p>
-            <a:r>
-              <a:rPr lang="pt-BR" altLang="ko-KR" sz="1500" smtClean="0">
+              <a:rPr lang="pt-BR" altLang="ko-KR" sz="1500" dirty="0">
+                <a:solidFill>
+                  <a:schemeClr val="tx1"/>
+                </a:solidFill>
+                <a:latin typeface="DejaVu Sans Mono" panose="020B0609030804020204" pitchFamily="49" charset="0"/>
+                <a:cs typeface="DejaVu Sans Mono" panose="020B0609030804020204" pitchFamily="49" charset="0"/>
+              </a:rPr>
+              <a:t>%</a:t>
+            </a:r>
+            <a:r>
+              <a:rPr lang="pt-BR" altLang="ko-KR" sz="1500" dirty="0" err="1">
+                <a:solidFill>
+                  <a:schemeClr val="tx1"/>
+                </a:solidFill>
+                <a:latin typeface="DejaVu Sans Mono" panose="020B0609030804020204" pitchFamily="49" charset="0"/>
+                <a:cs typeface="DejaVu Sans Mono" panose="020B0609030804020204" pitchFamily="49" charset="0"/>
+              </a:rPr>
+              <a:t>f</a:t>
+            </a:r>
+            <a:r>
+              <a:rPr lang="pt-BR" altLang="ko-KR" sz="1500" dirty="0">
+                <a:solidFill>
+                  <a:schemeClr val="tx1"/>
+                </a:solidFill>
+                <a:latin typeface="DejaVu Sans Mono" panose="020B0609030804020204" pitchFamily="49" charset="0"/>
+                <a:cs typeface="DejaVu Sans Mono" panose="020B0609030804020204" pitchFamily="49" charset="0"/>
+              </a:rPr>
+              <a:t>" %(</a:t>
+            </a:r>
+            <a:r>
+              <a:rPr lang="pt-BR" altLang="ko-KR" sz="1500" dirty="0" err="1">
+                <a:solidFill>
+                  <a:schemeClr val="tx1"/>
+                </a:solidFill>
+                <a:latin typeface="DejaVu Sans Mono" panose="020B0609030804020204" pitchFamily="49" charset="0"/>
+                <a:cs typeface="DejaVu Sans Mono" panose="020B0609030804020204" pitchFamily="49" charset="0"/>
+              </a:rPr>
+              <a:t>a,b</a:t>
+            </a:r>
+            <a:r>
+              <a:rPr lang="pt-BR" altLang="ko-KR" sz="1500" dirty="0">
+                <a:solidFill>
+                  <a:schemeClr val="tx1"/>
+                </a:solidFill>
+                <a:latin typeface="DejaVu Sans Mono" panose="020B0609030804020204" pitchFamily="49" charset="0"/>
+                <a:cs typeface="DejaVu Sans Mono" panose="020B0609030804020204" pitchFamily="49" charset="0"/>
+              </a:rPr>
+              <a:t>)</a:t>
+            </a:r>
+          </a:p>
+          <a:p>
+            <a:r>
+              <a:rPr lang="pt-BR" altLang="ko-KR" sz="1500" dirty="0" err="1">
+                <a:solidFill>
+                  <a:schemeClr val="tx1"/>
+                </a:solidFill>
+                <a:latin typeface="DejaVu Sans Mono" panose="020B0609030804020204" pitchFamily="49" charset="0"/>
+                <a:cs typeface="DejaVu Sans Mono" panose="020B0609030804020204" pitchFamily="49" charset="0"/>
+              </a:rPr>
+              <a:t>print</a:t>
+            </a:r>
+            <a:r>
+              <a:rPr lang="pt-BR" altLang="ko-KR" sz="1500" dirty="0">
+                <a:solidFill>
+                  <a:schemeClr val="tx1"/>
+                </a:solidFill>
+                <a:latin typeface="DejaVu Sans Mono" panose="020B0609030804020204" pitchFamily="49" charset="0"/>
+                <a:cs typeface="DejaVu Sans Mono" panose="020B0609030804020204" pitchFamily="49" charset="0"/>
+              </a:rPr>
+              <a:t>(</a:t>
+            </a:r>
+            <a:r>
+              <a:rPr lang="pt-BR" altLang="ko-KR" sz="1500" dirty="0" err="1">
                 <a:solidFill>
                   <a:schemeClr val="tx1"/>
                 </a:solidFill>
@@ -7533,53 +7717,7 @@
               <a:t>r</a:t>
             </a:r>
             <a:r>
-              <a:rPr lang="pt-BR" altLang="ko-KR" sz="1500">
-                <a:solidFill>
-                  <a:schemeClr val="tx1"/>
-                </a:solidFill>
-                <a:latin typeface="DejaVu Sans Mono" panose="020B0609030804020204" pitchFamily="49" charset="0"/>
-                <a:cs typeface="DejaVu Sans Mono" panose="020B0609030804020204" pitchFamily="49" charset="0"/>
-              </a:rPr>
-              <a:t>="%(x)-10d %(y)0.3g" %d</a:t>
-            </a:r>
-          </a:p>
-          <a:p>
-            <a:r>
-              <a:rPr lang="pt-BR" altLang="ko-KR" sz="1500">
-                <a:solidFill>
-                  <a:schemeClr val="tx1"/>
-                </a:solidFill>
-                <a:latin typeface="DejaVu Sans Mono" panose="020B0609030804020204" pitchFamily="49" charset="0"/>
-                <a:cs typeface="DejaVu Sans Mono" panose="020B0609030804020204" pitchFamily="49" charset="0"/>
-              </a:rPr>
-              <a:t>print(r)</a:t>
-            </a:r>
-          </a:p>
-          <a:p>
-            <a:r>
-              <a:rPr lang="pt-BR" altLang="ko-KR" sz="1500">
-                <a:solidFill>
-                  <a:schemeClr val="tx1"/>
-                </a:solidFill>
-                <a:latin typeface="DejaVu Sans Mono" panose="020B0609030804020204" pitchFamily="49" charset="0"/>
-                <a:cs typeface="DejaVu Sans Mono" panose="020B0609030804020204" pitchFamily="49" charset="0"/>
-              </a:rPr>
-              <a:t>r="%0.4s %s" %(c, d['z'])</a:t>
-            </a:r>
-          </a:p>
-          <a:p>
-            <a:r>
-              <a:rPr lang="pt-BR" altLang="ko-KR" sz="1500">
-                <a:solidFill>
-                  <a:schemeClr val="tx1"/>
-                </a:solidFill>
-                <a:latin typeface="DejaVu Sans Mono" panose="020B0609030804020204" pitchFamily="49" charset="0"/>
-                <a:cs typeface="DejaVu Sans Mono" panose="020B0609030804020204" pitchFamily="49" charset="0"/>
-              </a:rPr>
-              <a:t>print(r</a:t>
-            </a:r>
-            <a:r>
-              <a:rPr lang="pt-BR" altLang="ko-KR" sz="1500" smtClean="0">
+              <a:rPr lang="pt-BR" altLang="ko-KR" sz="1500" dirty="0">
                 <a:solidFill>
                   <a:schemeClr val="tx1"/>
                 </a:solidFill>
@@ -7588,7 +7726,356 @@
               </a:rPr>
               <a:t>)</a:t>
             </a:r>
-            <a:endParaRPr lang="pt-BR" altLang="ko-KR" sz="1500">
+          </a:p>
+          <a:p>
+            <a:r>
+              <a:rPr lang="pt-BR" altLang="ko-KR" sz="1500" dirty="0" err="1">
+                <a:solidFill>
+                  <a:schemeClr val="tx1"/>
+                </a:solidFill>
+                <a:latin typeface="DejaVu Sans Mono" panose="020B0609030804020204" pitchFamily="49" charset="0"/>
+                <a:cs typeface="DejaVu Sans Mono" panose="020B0609030804020204" pitchFamily="49" charset="0"/>
+              </a:rPr>
+              <a:t>r</a:t>
+            </a:r>
+            <a:r>
+              <a:rPr lang="pt-BR" altLang="ko-KR" sz="1500" dirty="0">
+                <a:solidFill>
+                  <a:schemeClr val="tx1"/>
+                </a:solidFill>
+                <a:latin typeface="DejaVu Sans Mono" panose="020B0609030804020204" pitchFamily="49" charset="0"/>
+                <a:cs typeface="DejaVu Sans Mono" panose="020B0609030804020204" pitchFamily="49" charset="0"/>
+              </a:rPr>
+              <a:t>="%+010d %E" %(</a:t>
+            </a:r>
+            <a:r>
+              <a:rPr lang="pt-BR" altLang="ko-KR" sz="1500" dirty="0" err="1">
+                <a:solidFill>
+                  <a:schemeClr val="tx1"/>
+                </a:solidFill>
+                <a:latin typeface="DejaVu Sans Mono" panose="020B0609030804020204" pitchFamily="49" charset="0"/>
+                <a:cs typeface="DejaVu Sans Mono" panose="020B0609030804020204" pitchFamily="49" charset="0"/>
+              </a:rPr>
+              <a:t>a,b</a:t>
+            </a:r>
+            <a:r>
+              <a:rPr lang="pt-BR" altLang="ko-KR" sz="1500" dirty="0">
+                <a:solidFill>
+                  <a:schemeClr val="tx1"/>
+                </a:solidFill>
+                <a:latin typeface="DejaVu Sans Mono" panose="020B0609030804020204" pitchFamily="49" charset="0"/>
+                <a:cs typeface="DejaVu Sans Mono" panose="020B0609030804020204" pitchFamily="49" charset="0"/>
+              </a:rPr>
+              <a:t>)</a:t>
+            </a:r>
+          </a:p>
+          <a:p>
+            <a:r>
+              <a:rPr lang="pt-BR" altLang="ko-KR" sz="1500" dirty="0" err="1" smtClean="0">
+                <a:solidFill>
+                  <a:schemeClr val="tx1"/>
+                </a:solidFill>
+                <a:latin typeface="DejaVu Sans Mono" panose="020B0609030804020204" pitchFamily="49" charset="0"/>
+                <a:cs typeface="DejaVu Sans Mono" panose="020B0609030804020204" pitchFamily="49" charset="0"/>
+              </a:rPr>
+              <a:t>print</a:t>
+            </a:r>
+            <a:r>
+              <a:rPr lang="pt-BR" altLang="ko-KR" sz="1500" dirty="0" smtClean="0">
+                <a:solidFill>
+                  <a:schemeClr val="tx1"/>
+                </a:solidFill>
+                <a:latin typeface="DejaVu Sans Mono" panose="020B0609030804020204" pitchFamily="49" charset="0"/>
+                <a:cs typeface="DejaVu Sans Mono" panose="020B0609030804020204" pitchFamily="49" charset="0"/>
+              </a:rPr>
+              <a:t>(</a:t>
+            </a:r>
+            <a:r>
+              <a:rPr lang="pt-BR" altLang="ko-KR" sz="1500" dirty="0" err="1" smtClean="0">
+                <a:solidFill>
+                  <a:schemeClr val="tx1"/>
+                </a:solidFill>
+                <a:latin typeface="DejaVu Sans Mono" panose="020B0609030804020204" pitchFamily="49" charset="0"/>
+                <a:cs typeface="DejaVu Sans Mono" panose="020B0609030804020204" pitchFamily="49" charset="0"/>
+              </a:rPr>
+              <a:t>r</a:t>
+            </a:r>
+            <a:r>
+              <a:rPr lang="pt-BR" altLang="ko-KR" sz="1500" dirty="0" smtClean="0">
+                <a:solidFill>
+                  <a:schemeClr val="tx1"/>
+                </a:solidFill>
+                <a:latin typeface="DejaVu Sans Mono" panose="020B0609030804020204" pitchFamily="49" charset="0"/>
+                <a:cs typeface="DejaVu Sans Mono" panose="020B0609030804020204" pitchFamily="49" charset="0"/>
+              </a:rPr>
+              <a:t>)</a:t>
+            </a:r>
+          </a:p>
+          <a:p>
+            <a:r>
+              <a:rPr lang="pt-BR" altLang="ko-KR" sz="1500" dirty="0" err="1" smtClean="0">
+                <a:solidFill>
+                  <a:schemeClr val="tx1"/>
+                </a:solidFill>
+                <a:latin typeface="DejaVu Sans Mono" panose="020B0609030804020204" pitchFamily="49" charset="0"/>
+                <a:cs typeface="DejaVu Sans Mono" panose="020B0609030804020204" pitchFamily="49" charset="0"/>
+              </a:rPr>
+              <a:t>r</a:t>
+            </a:r>
+            <a:r>
+              <a:rPr lang="pt-BR" altLang="ko-KR" sz="1500" dirty="0">
+                <a:solidFill>
+                  <a:schemeClr val="tx1"/>
+                </a:solidFill>
+                <a:latin typeface="DejaVu Sans Mono" panose="020B0609030804020204" pitchFamily="49" charset="0"/>
+                <a:cs typeface="DejaVu Sans Mono" panose="020B0609030804020204" pitchFamily="49" charset="0"/>
+              </a:rPr>
+              <a:t>="%(</a:t>
+            </a:r>
+            <a:r>
+              <a:rPr lang="pt-BR" altLang="ko-KR" sz="1500" dirty="0" err="1">
+                <a:solidFill>
+                  <a:schemeClr val="tx1"/>
+                </a:solidFill>
+                <a:latin typeface="DejaVu Sans Mono" panose="020B0609030804020204" pitchFamily="49" charset="0"/>
+                <a:cs typeface="DejaVu Sans Mono" panose="020B0609030804020204" pitchFamily="49" charset="0"/>
+              </a:rPr>
+              <a:t>x</a:t>
+            </a:r>
+            <a:r>
+              <a:rPr lang="pt-BR" altLang="ko-KR" sz="1500" dirty="0">
+                <a:solidFill>
+                  <a:schemeClr val="tx1"/>
+                </a:solidFill>
+                <a:latin typeface="DejaVu Sans Mono" panose="020B0609030804020204" pitchFamily="49" charset="0"/>
+                <a:cs typeface="DejaVu Sans Mono" panose="020B0609030804020204" pitchFamily="49" charset="0"/>
+              </a:rPr>
+              <a:t>)-10d %(</a:t>
+            </a:r>
+            <a:r>
+              <a:rPr lang="pt-BR" altLang="ko-KR" sz="1500" dirty="0" err="1">
+                <a:solidFill>
+                  <a:schemeClr val="tx1"/>
+                </a:solidFill>
+                <a:latin typeface="DejaVu Sans Mono" panose="020B0609030804020204" pitchFamily="49" charset="0"/>
+                <a:cs typeface="DejaVu Sans Mono" panose="020B0609030804020204" pitchFamily="49" charset="0"/>
+              </a:rPr>
+              <a:t>y</a:t>
+            </a:r>
+            <a:r>
+              <a:rPr lang="pt-BR" altLang="ko-KR" sz="1500" dirty="0">
+                <a:solidFill>
+                  <a:schemeClr val="tx1"/>
+                </a:solidFill>
+                <a:latin typeface="DejaVu Sans Mono" panose="020B0609030804020204" pitchFamily="49" charset="0"/>
+                <a:cs typeface="DejaVu Sans Mono" panose="020B0609030804020204" pitchFamily="49" charset="0"/>
+              </a:rPr>
+              <a:t>)0.3g" %</a:t>
+            </a:r>
+            <a:r>
+              <a:rPr lang="pt-BR" altLang="ko-KR" sz="1500" dirty="0" err="1">
+                <a:solidFill>
+                  <a:schemeClr val="tx1"/>
+                </a:solidFill>
+                <a:latin typeface="DejaVu Sans Mono" panose="020B0609030804020204" pitchFamily="49" charset="0"/>
+                <a:cs typeface="DejaVu Sans Mono" panose="020B0609030804020204" pitchFamily="49" charset="0"/>
+              </a:rPr>
+              <a:t>d</a:t>
+            </a:r>
+            <a:endParaRPr lang="pt-BR" altLang="ko-KR" sz="1500" dirty="0">
+              <a:solidFill>
+                <a:schemeClr val="tx1"/>
+              </a:solidFill>
+              <a:latin typeface="DejaVu Sans Mono" panose="020B0609030804020204" pitchFamily="49" charset="0"/>
+              <a:cs typeface="DejaVu Sans Mono" panose="020B0609030804020204" pitchFamily="49" charset="0"/>
+            </a:endParaRPr>
+          </a:p>
+          <a:p>
+            <a:r>
+              <a:rPr lang="pt-BR" altLang="ko-KR" sz="1500" dirty="0" err="1">
+                <a:solidFill>
+                  <a:schemeClr val="tx1"/>
+                </a:solidFill>
+                <a:latin typeface="DejaVu Sans Mono" panose="020B0609030804020204" pitchFamily="49" charset="0"/>
+                <a:cs typeface="DejaVu Sans Mono" panose="020B0609030804020204" pitchFamily="49" charset="0"/>
+              </a:rPr>
+              <a:t>print</a:t>
+            </a:r>
+            <a:r>
+              <a:rPr lang="pt-BR" altLang="ko-KR" sz="1500" dirty="0">
+                <a:solidFill>
+                  <a:schemeClr val="tx1"/>
+                </a:solidFill>
+                <a:latin typeface="DejaVu Sans Mono" panose="020B0609030804020204" pitchFamily="49" charset="0"/>
+                <a:cs typeface="DejaVu Sans Mono" panose="020B0609030804020204" pitchFamily="49" charset="0"/>
+              </a:rPr>
+              <a:t>(</a:t>
+            </a:r>
+            <a:r>
+              <a:rPr lang="pt-BR" altLang="ko-KR" sz="1500" dirty="0" err="1">
+                <a:solidFill>
+                  <a:schemeClr val="tx1"/>
+                </a:solidFill>
+                <a:latin typeface="DejaVu Sans Mono" panose="020B0609030804020204" pitchFamily="49" charset="0"/>
+                <a:cs typeface="DejaVu Sans Mono" panose="020B0609030804020204" pitchFamily="49" charset="0"/>
+              </a:rPr>
+              <a:t>r</a:t>
+            </a:r>
+            <a:r>
+              <a:rPr lang="pt-BR" altLang="ko-KR" sz="1500" dirty="0">
+                <a:solidFill>
+                  <a:schemeClr val="tx1"/>
+                </a:solidFill>
+                <a:latin typeface="DejaVu Sans Mono" panose="020B0609030804020204" pitchFamily="49" charset="0"/>
+                <a:cs typeface="DejaVu Sans Mono" panose="020B0609030804020204" pitchFamily="49" charset="0"/>
+              </a:rPr>
+              <a:t>)</a:t>
+            </a:r>
+          </a:p>
+          <a:p>
+            <a:r>
+              <a:rPr lang="pt-BR" altLang="ko-KR" sz="1500" dirty="0" err="1">
+                <a:solidFill>
+                  <a:schemeClr val="tx1"/>
+                </a:solidFill>
+                <a:latin typeface="DejaVu Sans Mono" panose="020B0609030804020204" pitchFamily="49" charset="0"/>
+                <a:cs typeface="DejaVu Sans Mono" panose="020B0609030804020204" pitchFamily="49" charset="0"/>
+              </a:rPr>
+              <a:t>r</a:t>
+            </a:r>
+            <a:r>
+              <a:rPr lang="pt-BR" altLang="ko-KR" sz="1500" dirty="0">
+                <a:solidFill>
+                  <a:schemeClr val="tx1"/>
+                </a:solidFill>
+                <a:latin typeface="DejaVu Sans Mono" panose="020B0609030804020204" pitchFamily="49" charset="0"/>
+                <a:cs typeface="DejaVu Sans Mono" panose="020B0609030804020204" pitchFamily="49" charset="0"/>
+              </a:rPr>
+              <a:t>="%0.4s %</a:t>
+            </a:r>
+            <a:r>
+              <a:rPr lang="pt-BR" altLang="ko-KR" sz="1500" dirty="0" err="1">
+                <a:solidFill>
+                  <a:schemeClr val="tx1"/>
+                </a:solidFill>
+                <a:latin typeface="DejaVu Sans Mono" panose="020B0609030804020204" pitchFamily="49" charset="0"/>
+                <a:cs typeface="DejaVu Sans Mono" panose="020B0609030804020204" pitchFamily="49" charset="0"/>
+              </a:rPr>
+              <a:t>s</a:t>
+            </a:r>
+            <a:r>
+              <a:rPr lang="pt-BR" altLang="ko-KR" sz="1500" dirty="0">
+                <a:solidFill>
+                  <a:schemeClr val="tx1"/>
+                </a:solidFill>
+                <a:latin typeface="DejaVu Sans Mono" panose="020B0609030804020204" pitchFamily="49" charset="0"/>
+                <a:cs typeface="DejaVu Sans Mono" panose="020B0609030804020204" pitchFamily="49" charset="0"/>
+              </a:rPr>
+              <a:t>" %(</a:t>
+            </a:r>
+            <a:r>
+              <a:rPr lang="pt-BR" altLang="ko-KR" sz="1500" dirty="0" err="1">
+                <a:solidFill>
+                  <a:schemeClr val="tx1"/>
+                </a:solidFill>
+                <a:latin typeface="DejaVu Sans Mono" panose="020B0609030804020204" pitchFamily="49" charset="0"/>
+                <a:cs typeface="DejaVu Sans Mono" panose="020B0609030804020204" pitchFamily="49" charset="0"/>
+              </a:rPr>
+              <a:t>c</a:t>
+            </a:r>
+            <a:r>
+              <a:rPr lang="pt-BR" altLang="ko-KR" sz="1500" dirty="0">
+                <a:solidFill>
+                  <a:schemeClr val="tx1"/>
+                </a:solidFill>
+                <a:latin typeface="DejaVu Sans Mono" panose="020B0609030804020204" pitchFamily="49" charset="0"/>
+                <a:cs typeface="DejaVu Sans Mono" panose="020B0609030804020204" pitchFamily="49" charset="0"/>
+              </a:rPr>
+              <a:t>, </a:t>
+            </a:r>
+            <a:r>
+              <a:rPr lang="pt-BR" altLang="ko-KR" sz="1500" dirty="0" err="1">
+                <a:solidFill>
+                  <a:schemeClr val="tx1"/>
+                </a:solidFill>
+                <a:latin typeface="DejaVu Sans Mono" panose="020B0609030804020204" pitchFamily="49" charset="0"/>
+                <a:cs typeface="DejaVu Sans Mono" panose="020B0609030804020204" pitchFamily="49" charset="0"/>
+              </a:rPr>
+              <a:t>d</a:t>
+            </a:r>
+            <a:r>
+              <a:rPr lang="pt-BR" altLang="ko-KR" sz="1500" dirty="0">
+                <a:solidFill>
+                  <a:schemeClr val="tx1"/>
+                </a:solidFill>
+                <a:latin typeface="DejaVu Sans Mono" panose="020B0609030804020204" pitchFamily="49" charset="0"/>
+                <a:cs typeface="DejaVu Sans Mono" panose="020B0609030804020204" pitchFamily="49" charset="0"/>
+              </a:rPr>
+              <a:t>['</a:t>
+            </a:r>
+            <a:r>
+              <a:rPr lang="pt-BR" altLang="ko-KR" sz="1500" dirty="0" err="1">
+                <a:solidFill>
+                  <a:schemeClr val="tx1"/>
+                </a:solidFill>
+                <a:latin typeface="DejaVu Sans Mono" panose="020B0609030804020204" pitchFamily="49" charset="0"/>
+                <a:cs typeface="DejaVu Sans Mono" panose="020B0609030804020204" pitchFamily="49" charset="0"/>
+              </a:rPr>
+              <a:t>z</a:t>
+            </a:r>
+            <a:r>
+              <a:rPr lang="pt-BR" altLang="ko-KR" sz="1500" dirty="0">
+                <a:solidFill>
+                  <a:schemeClr val="tx1"/>
+                </a:solidFill>
+                <a:latin typeface="DejaVu Sans Mono" panose="020B0609030804020204" pitchFamily="49" charset="0"/>
+                <a:cs typeface="DejaVu Sans Mono" panose="020B0609030804020204" pitchFamily="49" charset="0"/>
+              </a:rPr>
+              <a:t>'])</a:t>
+            </a:r>
+          </a:p>
+          <a:p>
+            <a:r>
+              <a:rPr lang="pt-BR" altLang="ko-KR" sz="1500" dirty="0" err="1">
+                <a:solidFill>
+                  <a:schemeClr val="tx1"/>
+                </a:solidFill>
+                <a:latin typeface="DejaVu Sans Mono" panose="020B0609030804020204" pitchFamily="49" charset="0"/>
+                <a:cs typeface="DejaVu Sans Mono" panose="020B0609030804020204" pitchFamily="49" charset="0"/>
+              </a:rPr>
+              <a:t>print</a:t>
+            </a:r>
+            <a:r>
+              <a:rPr lang="pt-BR" altLang="ko-KR" sz="1500" dirty="0">
+                <a:solidFill>
+                  <a:schemeClr val="tx1"/>
+                </a:solidFill>
+                <a:latin typeface="DejaVu Sans Mono" panose="020B0609030804020204" pitchFamily="49" charset="0"/>
+                <a:cs typeface="DejaVu Sans Mono" panose="020B0609030804020204" pitchFamily="49" charset="0"/>
+              </a:rPr>
+              <a:t>(</a:t>
+            </a:r>
+            <a:r>
+              <a:rPr lang="pt-BR" altLang="ko-KR" sz="1500" dirty="0" err="1">
+                <a:solidFill>
+                  <a:schemeClr val="tx1"/>
+                </a:solidFill>
+                <a:latin typeface="DejaVu Sans Mono" panose="020B0609030804020204" pitchFamily="49" charset="0"/>
+                <a:cs typeface="DejaVu Sans Mono" panose="020B0609030804020204" pitchFamily="49" charset="0"/>
+              </a:rPr>
+              <a:t>r</a:t>
+            </a:r>
+            <a:r>
+              <a:rPr lang="pt-BR" altLang="ko-KR" sz="1500" dirty="0" smtClean="0">
+                <a:solidFill>
+                  <a:schemeClr val="tx1"/>
+                </a:solidFill>
+                <a:latin typeface="DejaVu Sans Mono" panose="020B0609030804020204" pitchFamily="49" charset="0"/>
+                <a:cs typeface="DejaVu Sans Mono" panose="020B0609030804020204" pitchFamily="49" charset="0"/>
+              </a:rPr>
+              <a:t>)</a:t>
+            </a:r>
+            <a:endParaRPr lang="pt-BR" altLang="ko-KR" sz="1500" dirty="0">
               <a:solidFill>
                 <a:schemeClr val="tx1"/>
               </a:solidFill>
@@ -9008,19 +9495,39 @@
           <a:lstStyle/>
           <a:p>
             <a:r>
-              <a:rPr lang="en-US" altLang="ko-KR" sz="1500">
-                <a:solidFill>
-                  <a:schemeClr val="tx1"/>
-                </a:solidFill>
-                <a:latin typeface="DejaVu Sans Mono" panose="020B0609030804020204" pitchFamily="49" charset="0"/>
-                <a:cs typeface="DejaVu Sans Mono" panose="020B0609030804020204" pitchFamily="49" charset="0"/>
-              </a:rPr>
-              <a:t>stock = {'name':'GooG', 'shares':100, 'price':490.10}</a:t>
-            </a:r>
-          </a:p>
-          <a:p>
-            <a:r>
-              <a:rPr lang="en-US" altLang="ko-KR" sz="1500">
+              <a:rPr lang="en-US" altLang="ko-KR" sz="1500" dirty="0">
+                <a:solidFill>
+                  <a:schemeClr val="tx1"/>
+                </a:solidFill>
+                <a:latin typeface="DejaVu Sans Mono" panose="020B0609030804020204" pitchFamily="49" charset="0"/>
+                <a:cs typeface="DejaVu Sans Mono" panose="020B0609030804020204" pitchFamily="49" charset="0"/>
+              </a:rPr>
+              <a:t>stock = {'name':'</a:t>
+            </a:r>
+            <a:r>
+              <a:rPr lang="en-US" altLang="ko-KR" sz="1500" dirty="0" err="1">
+                <a:solidFill>
+                  <a:schemeClr val="tx1"/>
+                </a:solidFill>
+                <a:latin typeface="DejaVu Sans Mono" panose="020B0609030804020204" pitchFamily="49" charset="0"/>
+                <a:cs typeface="DejaVu Sans Mono" panose="020B0609030804020204" pitchFamily="49" charset="0"/>
+              </a:rPr>
+              <a:t>GooG</a:t>
+            </a:r>
+            <a:r>
+              <a:rPr lang="en-US" altLang="ko-KR" sz="1500" dirty="0">
+                <a:solidFill>
+                  <a:schemeClr val="tx1"/>
+                </a:solidFill>
+                <a:latin typeface="DejaVu Sans Mono" panose="020B0609030804020204" pitchFamily="49" charset="0"/>
+                <a:cs typeface="DejaVu Sans Mono" panose="020B0609030804020204" pitchFamily="49" charset="0"/>
+              </a:rPr>
+              <a:t>', 'shares':100, 'price':490.10}</a:t>
+            </a:r>
+          </a:p>
+          <a:p>
+            <a:r>
+              <a:rPr lang="en-US" altLang="ko-KR" sz="1500" dirty="0">
                 <a:solidFill>
                   <a:schemeClr val="tx1"/>
                 </a:solidFill>
@@ -9032,7 +9539,7 @@
           </a:p>
           <a:p>
             <a:r>
-              <a:rPr lang="en-US" altLang="ko-KR" sz="1500">
+              <a:rPr lang="en-US" altLang="ko-KR" sz="1500" dirty="0">
                 <a:solidFill>
                   <a:schemeClr val="tx1"/>
                 </a:solidFill>
@@ -9043,7 +9550,7 @@
             </a:r>
           </a:p>
           <a:p>
-            <a:endParaRPr lang="en-US" altLang="ko-KR" sz="1500">
+            <a:endParaRPr lang="en-US" altLang="ko-KR" sz="1500" dirty="0">
               <a:solidFill>
                 <a:schemeClr val="tx1"/>
               </a:solidFill>
@@ -9053,7 +9560,7 @@
           </a:p>
           <a:p>
             <a:r>
-              <a:rPr lang="en-US" altLang="ko-KR" sz="1500">
+              <a:rPr lang="en-US" altLang="ko-KR" sz="1500" dirty="0">
                 <a:solidFill>
                   <a:schemeClr val="tx1"/>
                 </a:solidFill>
@@ -9065,27 +9572,17 @@
           </a:p>
           <a:p>
             <a:r>
-              <a:rPr lang="en-US" altLang="ko-KR" sz="1500">
-                <a:solidFill>
-                  <a:schemeClr val="tx1"/>
-                </a:solidFill>
-                <a:latin typeface="DejaVu Sans Mono" panose="020B0609030804020204" pitchFamily="49" charset="0"/>
-                <a:cs typeface="DejaVu Sans Mono" panose="020B0609030804020204" pitchFamily="49" charset="0"/>
-              </a:rPr>
-              <a:t>r = </a:t>
-            </a:r>
-            <a:r>
-              <a:rPr lang="en-US" altLang="ko-KR" sz="1500">
-                <a:solidFill>
-                  <a:schemeClr val="tx1"/>
-                </a:solidFill>
-                <a:latin typeface="DejaVu Sans Mono" panose="020B0609030804020204" pitchFamily="49" charset="0"/>
-                <a:cs typeface="DejaVu Sans Mono" panose="020B0609030804020204" pitchFamily="49" charset="0"/>
-              </a:rPr>
-              <a:t>"{</a:t>
-            </a:r>
-            <a:r>
-              <a:rPr lang="en-US" altLang="ko-KR" sz="1500" smtClean="0">
+              <a:rPr lang="en-US" altLang="ko-KR" sz="1500" dirty="0">
+                <a:solidFill>
+                  <a:schemeClr val="tx1"/>
+                </a:solidFill>
+                <a:latin typeface="DejaVu Sans Mono" panose="020B0609030804020204" pitchFamily="49" charset="0"/>
+                <a:cs typeface="DejaVu Sans Mono" panose="020B0609030804020204" pitchFamily="49" charset="0"/>
+              </a:rPr>
+              <a:t>r = "{</a:t>
+            </a:r>
+            <a:r>
+              <a:rPr lang="en-US" altLang="ko-KR" sz="1500" dirty="0" smtClean="0">
                 <a:solidFill>
                   <a:schemeClr val="tx1"/>
                 </a:solidFill>
@@ -9095,7 +9592,7 @@
               <a:t>0.real</a:t>
             </a:r>
             <a:r>
-              <a:rPr lang="en-US" altLang="ko-KR" sz="1500">
+              <a:rPr lang="en-US" altLang="ko-KR" sz="1500" dirty="0">
                 <a:solidFill>
                   <a:schemeClr val="tx1"/>
                 </a:solidFill>
@@ -9107,7 +9604,7 @@
           </a:p>
           <a:p>
             <a:r>
-              <a:rPr lang="en-US" altLang="ko-KR" sz="1500">
+              <a:rPr lang="en-US" altLang="ko-KR" sz="1500" dirty="0">
                 <a:solidFill>
                   <a:schemeClr val="tx1"/>
                 </a:solidFill>
@@ -9116,7 +9613,7 @@
               </a:rPr>
               <a:t>print(r)</a:t>
             </a:r>
-            <a:endParaRPr lang="pt-BR" altLang="ko-KR" sz="1500">
+            <a:endParaRPr lang="pt-BR" altLang="ko-KR" sz="1500" dirty="0">
               <a:solidFill>
                 <a:schemeClr val="tx1"/>
               </a:solidFill>
@@ -9951,7 +10448,7 @@
           <a:lstStyle/>
           <a:p>
             <a:r>
-              <a:rPr lang="en-US" altLang="ko-KR" sz="1500">
+              <a:rPr lang="en-US" altLang="ko-KR" sz="1500" dirty="0">
                 <a:solidFill>
                   <a:schemeClr val="tx1"/>
                 </a:solidFill>
@@ -9963,7 +10460,7 @@
           </a:p>
           <a:p>
             <a:r>
-              <a:rPr lang="en-US" altLang="ko-KR" sz="1500">
+              <a:rPr lang="en-US" altLang="ko-KR" sz="1500" dirty="0">
                 <a:solidFill>
                   <a:schemeClr val="tx1"/>
                 </a:solidFill>
@@ -9975,7 +10472,7 @@
           </a:p>
           <a:p>
             <a:r>
-              <a:rPr lang="en-US" altLang="ko-KR" sz="1500">
+              <a:rPr lang="en-US" altLang="ko-KR" sz="1500" dirty="0">
                 <a:solidFill>
                   <a:schemeClr val="tx1"/>
                 </a:solidFill>
@@ -9987,7 +10484,7 @@
           </a:p>
           <a:p>
             <a:r>
-              <a:rPr lang="en-US" altLang="ko-KR" sz="1500">
+              <a:rPr lang="en-US" altLang="ko-KR" sz="1500" dirty="0">
                 <a:solidFill>
                   <a:schemeClr val="tx1"/>
                 </a:solidFill>
@@ -9999,7 +10496,7 @@
           </a:p>
           <a:p>
             <a:r>
-              <a:rPr lang="en-US" altLang="ko-KR" sz="1500">
+              <a:rPr lang="en-US" altLang="ko-KR" sz="1500" dirty="0">
                 <a:solidFill>
                   <a:schemeClr val="tx1"/>
                 </a:solidFill>
@@ -10011,7 +10508,7 @@
           </a:p>
           <a:p>
             <a:r>
-              <a:rPr lang="en-US" altLang="ko-KR" sz="1500">
+              <a:rPr lang="en-US" altLang="ko-KR" sz="1500" dirty="0">
                 <a:solidFill>
                   <a:schemeClr val="tx1"/>
                 </a:solidFill>
@@ -10023,7 +10520,7 @@
           </a:p>
           <a:p>
             <a:r>
-              <a:rPr lang="en-US" altLang="ko-KR" sz="1500">
+              <a:rPr lang="en-US" altLang="ko-KR" sz="1500" dirty="0">
                 <a:solidFill>
                   <a:schemeClr val="tx1"/>
                 </a:solidFill>
@@ -10035,7 +10532,7 @@
           </a:p>
           <a:p>
             <a:r>
-              <a:rPr lang="en-US" altLang="ko-KR" sz="1500">
+              <a:rPr lang="en-US" altLang="ko-KR" sz="1500" dirty="0">
                 <a:solidFill>
                   <a:schemeClr val="tx1"/>
                 </a:solidFill>
@@ -10047,7 +10544,7 @@
           </a:p>
           <a:p>
             <a:r>
-              <a:rPr lang="en-US" altLang="ko-KR" sz="1500">
+              <a:rPr lang="en-US" altLang="ko-KR" sz="1500" dirty="0">
                 <a:solidFill>
                   <a:schemeClr val="tx1"/>
                 </a:solidFill>
@@ -10058,7 +10555,7 @@
             </a:r>
           </a:p>
           <a:p>
-            <a:endParaRPr lang="en-US" altLang="ko-KR" sz="1500">
+            <a:endParaRPr lang="en-US" altLang="ko-KR" sz="1500" dirty="0">
               <a:solidFill>
                 <a:schemeClr val="tx1"/>
               </a:solidFill>
@@ -10068,7 +10565,7 @@
           </a:p>
           <a:p>
             <a:r>
-              <a:rPr lang="en-US" altLang="ko-KR" sz="1500">
+              <a:rPr lang="en-US" altLang="ko-KR" sz="1500" dirty="0">
                 <a:solidFill>
                   <a:schemeClr val="tx1"/>
                 </a:solidFill>
@@ -10080,7 +10577,7 @@
           </a:p>
           <a:p>
             <a:r>
-              <a:rPr lang="en-US" altLang="ko-KR" sz="1500">
+              <a:rPr lang="en-US" altLang="ko-KR" sz="1500" dirty="0">
                 <a:solidFill>
                   <a:schemeClr val="tx1"/>
                 </a:solidFill>
@@ -10092,7 +10589,7 @@
           </a:p>
           <a:p>
             <a:r>
-              <a:rPr lang="en-US" altLang="ko-KR" sz="1500">
+              <a:rPr lang="en-US" altLang="ko-KR" sz="1500" dirty="0">
                 <a:solidFill>
                   <a:schemeClr val="tx1"/>
                 </a:solidFill>
@@ -10104,7 +10601,7 @@
           </a:p>
           <a:p>
             <a:r>
-              <a:rPr lang="en-US" altLang="ko-KR" sz="1500">
+              <a:rPr lang="en-US" altLang="ko-KR" sz="1500" dirty="0">
                 <a:solidFill>
                   <a:schemeClr val="tx1"/>
                 </a:solidFill>
@@ -10116,7 +10613,7 @@
           </a:p>
           <a:p>
             <a:r>
-              <a:rPr lang="en-US" altLang="ko-KR" sz="1500">
+              <a:rPr lang="en-US" altLang="ko-KR" sz="1500" dirty="0">
                 <a:solidFill>
                   <a:schemeClr val="tx1"/>
                 </a:solidFill>
@@ -10128,7 +10625,7 @@
           </a:p>
           <a:p>
             <a:r>
-              <a:rPr lang="en-US" altLang="ko-KR" sz="1500">
+              <a:rPr lang="en-US" altLang="ko-KR" sz="1500" dirty="0">
                 <a:solidFill>
                   <a:schemeClr val="tx1"/>
                 </a:solidFill>
@@ -10140,7 +10637,7 @@
           </a:p>
           <a:p>
             <a:r>
-              <a:rPr lang="en-US" altLang="ko-KR" sz="1500">
+              <a:rPr lang="en-US" altLang="ko-KR" sz="1500" dirty="0">
                 <a:solidFill>
                   <a:schemeClr val="tx1"/>
                 </a:solidFill>
@@ -10152,7 +10649,7 @@
           </a:p>
           <a:p>
             <a:r>
-              <a:rPr lang="en-US" altLang="ko-KR" sz="1500">
+              <a:rPr lang="en-US" altLang="ko-KR" sz="1500" dirty="0">
                 <a:solidFill>
                   <a:schemeClr val="tx1"/>
                 </a:solidFill>
@@ -10164,7 +10661,7 @@
           </a:p>
           <a:p>
             <a:r>
-              <a:rPr lang="en-US" altLang="ko-KR" sz="1500">
+              <a:rPr lang="en-US" altLang="ko-KR" sz="1500" dirty="0">
                 <a:solidFill>
                   <a:schemeClr val="tx1"/>
                 </a:solidFill>
@@ -10176,7 +10673,7 @@
           </a:p>
           <a:p>
             <a:r>
-              <a:rPr lang="en-US" altLang="ko-KR" sz="1500">
+              <a:rPr lang="en-US" altLang="ko-KR" sz="1500" dirty="0">
                 <a:solidFill>
                   <a:schemeClr val="tx1"/>
                 </a:solidFill>
@@ -10188,7 +10685,7 @@
           </a:p>
           <a:p>
             <a:r>
-              <a:rPr lang="en-US" altLang="ko-KR" sz="1500">
+              <a:rPr lang="en-US" altLang="ko-KR" sz="1500" dirty="0">
                 <a:solidFill>
                   <a:schemeClr val="tx1"/>
                 </a:solidFill>
@@ -10197,7 +10694,7 @@
               </a:rPr>
               <a:t>print(r)</a:t>
             </a:r>
-            <a:endParaRPr lang="pt-BR" altLang="ko-KR" sz="1500">
+            <a:endParaRPr lang="pt-BR" altLang="ko-KR" sz="1500" dirty="0">
               <a:solidFill>
                 <a:schemeClr val="tx1"/>
               </a:solidFill>
@@ -10523,14 +11020,14 @@
                 <a:gridCol w="1412309">
                   <a:extLst>
                     <a:ext uri="{9D8B030D-6E8A-4147-A177-3AD203B41FA5}">
-                      <a16:colId xmlns:a16="http://schemas.microsoft.com/office/drawing/2014/main" val="1386639546"/>
+                      <a16:colId xmlns:a16="http://schemas.microsoft.com/office/drawing/2014/main" xmlns="" val="1386639546"/>
                     </a:ext>
                   </a:extLst>
                 </a:gridCol>
                 <a:gridCol w="2542155">
                   <a:extLst>
                     <a:ext uri="{9D8B030D-6E8A-4147-A177-3AD203B41FA5}">
-                      <a16:colId xmlns:a16="http://schemas.microsoft.com/office/drawing/2014/main" val="764089535"/>
+                      <a16:colId xmlns:a16="http://schemas.microsoft.com/office/drawing/2014/main" xmlns="" val="764089535"/>
                     </a:ext>
                   </a:extLst>
                 </a:gridCol>
@@ -10568,7 +11065,7 @@
                 </a:tc>
                 <a:extLst>
                   <a:ext uri="{0D108BD9-81ED-4DB2-BD59-A6C34878D82A}">
-                    <a16:rowId xmlns:a16="http://schemas.microsoft.com/office/drawing/2014/main" val="4249704829"/>
+                    <a16:rowId xmlns:a16="http://schemas.microsoft.com/office/drawing/2014/main" xmlns="" val="4249704829"/>
                   </a:ext>
                 </a:extLst>
               </a:tr>
@@ -10605,7 +11102,7 @@
                 </a:tc>
                 <a:extLst>
                   <a:ext uri="{0D108BD9-81ED-4DB2-BD59-A6C34878D82A}">
-                    <a16:rowId xmlns:a16="http://schemas.microsoft.com/office/drawing/2014/main" val="591895513"/>
+                    <a16:rowId xmlns:a16="http://schemas.microsoft.com/office/drawing/2014/main" xmlns="" val="591895513"/>
                   </a:ext>
                 </a:extLst>
               </a:tr>
@@ -10642,7 +11139,7 @@
                 </a:tc>
                 <a:extLst>
                   <a:ext uri="{0D108BD9-81ED-4DB2-BD59-A6C34878D82A}">
-                    <a16:rowId xmlns:a16="http://schemas.microsoft.com/office/drawing/2014/main" val="3434559938"/>
+                    <a16:rowId xmlns:a16="http://schemas.microsoft.com/office/drawing/2014/main" xmlns="" val="3434559938"/>
                   </a:ext>
                 </a:extLst>
               </a:tr>
@@ -10679,7 +11176,7 @@
                 </a:tc>
                 <a:extLst>
                   <a:ext uri="{0D108BD9-81ED-4DB2-BD59-A6C34878D82A}">
-                    <a16:rowId xmlns:a16="http://schemas.microsoft.com/office/drawing/2014/main" val="3137848657"/>
+                    <a16:rowId xmlns:a16="http://schemas.microsoft.com/office/drawing/2014/main" xmlns="" val="3137848657"/>
                   </a:ext>
                 </a:extLst>
               </a:tr>
@@ -10732,7 +11229,7 @@
                 </a:tc>
                 <a:extLst>
                   <a:ext uri="{0D108BD9-81ED-4DB2-BD59-A6C34878D82A}">
-                    <a16:rowId xmlns:a16="http://schemas.microsoft.com/office/drawing/2014/main" val="2346400574"/>
+                    <a16:rowId xmlns:a16="http://schemas.microsoft.com/office/drawing/2014/main" xmlns="" val="2346400574"/>
                   </a:ext>
                 </a:extLst>
               </a:tr>
@@ -10785,7 +11282,7 @@
                 </a:tc>
                 <a:extLst>
                   <a:ext uri="{0D108BD9-81ED-4DB2-BD59-A6C34878D82A}">
-                    <a16:rowId xmlns:a16="http://schemas.microsoft.com/office/drawing/2014/main" val="2422149737"/>
+                    <a16:rowId xmlns:a16="http://schemas.microsoft.com/office/drawing/2014/main" xmlns="" val="2422149737"/>
                   </a:ext>
                 </a:extLst>
               </a:tr>
@@ -10850,7 +11347,7 @@
                 </a:tc>
                 <a:extLst>
                   <a:ext uri="{0D108BD9-81ED-4DB2-BD59-A6C34878D82A}">
-                    <a16:rowId xmlns:a16="http://schemas.microsoft.com/office/drawing/2014/main" val="2740964221"/>
+                    <a16:rowId xmlns:a16="http://schemas.microsoft.com/office/drawing/2014/main" xmlns="" val="2740964221"/>
                   </a:ext>
                 </a:extLst>
               </a:tr>
@@ -10899,7 +11396,7 @@
                 </a:tc>
                 <a:extLst>
                   <a:ext uri="{0D108BD9-81ED-4DB2-BD59-A6C34878D82A}">
-                    <a16:rowId xmlns:a16="http://schemas.microsoft.com/office/drawing/2014/main" val="1040314741"/>
+                    <a16:rowId xmlns:a16="http://schemas.microsoft.com/office/drawing/2014/main" xmlns="" val="1040314741"/>
                   </a:ext>
                 </a:extLst>
               </a:tr>
@@ -10939,7 +11436,7 @@
                 </a:tc>
                 <a:extLst>
                   <a:ext uri="{0D108BD9-81ED-4DB2-BD59-A6C34878D82A}">
-                    <a16:rowId xmlns:a16="http://schemas.microsoft.com/office/drawing/2014/main" val="2959208549"/>
+                    <a16:rowId xmlns:a16="http://schemas.microsoft.com/office/drawing/2014/main" xmlns="" val="2959208549"/>
                   </a:ext>
                 </a:extLst>
               </a:tr>
@@ -10980,7 +11477,7 @@
                 </a:tc>
                 <a:extLst>
                   <a:ext uri="{0D108BD9-81ED-4DB2-BD59-A6C34878D82A}">
-                    <a16:rowId xmlns:a16="http://schemas.microsoft.com/office/drawing/2014/main" val="397994231"/>
+                    <a16:rowId xmlns:a16="http://schemas.microsoft.com/office/drawing/2014/main" xmlns="" val="397994231"/>
                   </a:ext>
                 </a:extLst>
               </a:tr>
@@ -11027,7 +11524,7 @@
           <a:lstStyle/>
           <a:p>
             <a:r>
-              <a:rPr lang="en-US" altLang="ko-KR" sz="1500" smtClean="0">
+              <a:rPr lang="en-US" altLang="ko-KR" sz="1500" dirty="0" smtClean="0">
                 <a:solidFill>
                   <a:schemeClr val="tx1"/>
                 </a:solidFill>
@@ -11039,18 +11536,16 @@
           </a:p>
           <a:p>
             <a:r>
-              <a:rPr lang="en-US" altLang="ko-KR" sz="1500" smtClean="0">
-                <a:solidFill>
-                  <a:schemeClr val="tx1"/>
-                </a:solidFill>
-                <a:latin typeface="DejaVu Sans Mono" panose="020B0609030804020204" pitchFamily="49" charset="0"/>
-                <a:cs typeface="DejaVu Sans Mono" panose="020B0609030804020204" pitchFamily="49" charset="0"/>
-              </a:rPr>
-              <a:t>Y=3</a:t>
-            </a:r>
-          </a:p>
-          <a:p>
-            <a:endParaRPr lang="en-US" altLang="ko-KR" sz="1500">
+              <a:rPr lang="en-US" altLang="ko-KR" sz="1500" dirty="0" smtClean="0">
+                <a:solidFill>
+                  <a:schemeClr val="tx1"/>
+                </a:solidFill>
+                <a:latin typeface="DejaVu Sans Mono" panose="020B0609030804020204" pitchFamily="49" charset="0"/>
+                <a:cs typeface="DejaVu Sans Mono" panose="020B0609030804020204" pitchFamily="49" charset="0"/>
+              </a:rPr>
+              <a:t>y=3</a:t>
+            </a:r>
+            <a:endParaRPr lang="en-US" altLang="ko-KR" sz="1500" dirty="0" smtClean="0">
               <a:solidFill>
                 <a:schemeClr val="tx1"/>
               </a:solidFill>
@@ -11059,26 +11554,6 @@
             </a:endParaRPr>
           </a:p>
           <a:p>
-            <a:r>
-              <a:rPr lang="en-US" altLang="ko-KR" sz="1500">
-                <a:solidFill>
-                  <a:schemeClr val="tx1"/>
-                </a:solidFill>
-                <a:latin typeface="DejaVu Sans Mono" panose="020B0609030804020204" pitchFamily="49" charset="0"/>
-                <a:cs typeface="DejaVu Sans Mono" panose="020B0609030804020204" pitchFamily="49" charset="0"/>
-              </a:rPr>
-              <a:t>print</a:t>
-            </a:r>
-            <a:r>
-              <a:rPr lang="en-US" altLang="ko-KR" sz="1500" smtClean="0">
-                <a:solidFill>
-                  <a:schemeClr val="tx1"/>
-                </a:solidFill>
-                <a:latin typeface="DejaVu Sans Mono" panose="020B0609030804020204" pitchFamily="49" charset="0"/>
-                <a:cs typeface="DejaVu Sans Mono" panose="020B0609030804020204" pitchFamily="49" charset="0"/>
-              </a:rPr>
-              <a:t>(X/y)</a:t>
-            </a:r>
             <a:endParaRPr lang="en-US" altLang="ko-KR" sz="1500" dirty="0">
               <a:solidFill>
                 <a:schemeClr val="tx1"/>
@@ -11089,7 +11564,7 @@
           </a:p>
           <a:p>
             <a:r>
-              <a:rPr lang="en-US" altLang="ko-KR" sz="1500">
+              <a:rPr lang="en-US" altLang="ko-KR" sz="1500" dirty="0">
                 <a:solidFill>
                   <a:schemeClr val="tx1"/>
                 </a:solidFill>
@@ -11099,112 +11574,16 @@
               <a:t>print</a:t>
             </a:r>
             <a:r>
-              <a:rPr lang="en-US" altLang="ko-KR" sz="1500" smtClean="0">
-                <a:solidFill>
-                  <a:schemeClr val="tx1"/>
-                </a:solidFill>
-                <a:latin typeface="DejaVu Sans Mono" panose="020B0609030804020204" pitchFamily="49" charset="0"/>
-                <a:cs typeface="DejaVu Sans Mono" panose="020B0609030804020204" pitchFamily="49" charset="0"/>
-              </a:rPr>
-              <a:t>(X//y</a:t>
-            </a:r>
-            <a:r>
-              <a:rPr lang="en-US" altLang="ko-KR" sz="1500">
-                <a:solidFill>
-                  <a:schemeClr val="tx1"/>
-                </a:solidFill>
-                <a:latin typeface="DejaVu Sans Mono" panose="020B0609030804020204" pitchFamily="49" charset="0"/>
-                <a:cs typeface="DejaVu Sans Mono" panose="020B0609030804020204" pitchFamily="49" charset="0"/>
-              </a:rPr>
-              <a:t>)</a:t>
-            </a:r>
-          </a:p>
-          <a:p>
-            <a:r>
-              <a:rPr lang="en-US" altLang="ko-KR" sz="1500">
-                <a:solidFill>
-                  <a:schemeClr val="tx1"/>
-                </a:solidFill>
-                <a:latin typeface="DejaVu Sans Mono" panose="020B0609030804020204" pitchFamily="49" charset="0"/>
-                <a:cs typeface="DejaVu Sans Mono" panose="020B0609030804020204" pitchFamily="49" charset="0"/>
-              </a:rPr>
-              <a:t>print</a:t>
-            </a:r>
-            <a:r>
-              <a:rPr lang="en-US" altLang="ko-KR" sz="1500" smtClean="0">
-                <a:solidFill>
-                  <a:schemeClr val="tx1"/>
-                </a:solidFill>
-                <a:latin typeface="DejaVu Sans Mono" panose="020B0609030804020204" pitchFamily="49" charset="0"/>
-                <a:cs typeface="DejaVu Sans Mono" panose="020B0609030804020204" pitchFamily="49" charset="0"/>
-              </a:rPr>
-              <a:t>(X**y</a:t>
-            </a:r>
-            <a:r>
-              <a:rPr lang="en-US" altLang="ko-KR" sz="1500">
-                <a:solidFill>
-                  <a:schemeClr val="tx1"/>
-                </a:solidFill>
-                <a:latin typeface="DejaVu Sans Mono" panose="020B0609030804020204" pitchFamily="49" charset="0"/>
-                <a:cs typeface="DejaVu Sans Mono" panose="020B0609030804020204" pitchFamily="49" charset="0"/>
-              </a:rPr>
-              <a:t>)</a:t>
-            </a:r>
-          </a:p>
-          <a:p>
-            <a:r>
-              <a:rPr lang="en-US" altLang="ko-KR" sz="1500">
-                <a:solidFill>
-                  <a:schemeClr val="tx1"/>
-                </a:solidFill>
-                <a:latin typeface="DejaVu Sans Mono" panose="020B0609030804020204" pitchFamily="49" charset="0"/>
-                <a:cs typeface="DejaVu Sans Mono" panose="020B0609030804020204" pitchFamily="49" charset="0"/>
-              </a:rPr>
-              <a:t>print</a:t>
-            </a:r>
-            <a:r>
-              <a:rPr lang="en-US" altLang="ko-KR" sz="1500" smtClean="0">
-                <a:solidFill>
-                  <a:schemeClr val="tx1"/>
-                </a:solidFill>
-                <a:latin typeface="DejaVu Sans Mono" panose="020B0609030804020204" pitchFamily="49" charset="0"/>
-                <a:cs typeface="DejaVu Sans Mono" panose="020B0609030804020204" pitchFamily="49" charset="0"/>
-              </a:rPr>
-              <a:t>(X%y</a:t>
-            </a:r>
-            <a:r>
-              <a:rPr lang="en-US" altLang="ko-KR" sz="1500">
-                <a:solidFill>
-                  <a:schemeClr val="tx1"/>
-                </a:solidFill>
-                <a:latin typeface="DejaVu Sans Mono" panose="020B0609030804020204" pitchFamily="49" charset="0"/>
-                <a:cs typeface="DejaVu Sans Mono" panose="020B0609030804020204" pitchFamily="49" charset="0"/>
-              </a:rPr>
-              <a:t>)</a:t>
-            </a:r>
-          </a:p>
-          <a:p>
-            <a:r>
-              <a:rPr lang="en-US" altLang="ko-KR" sz="1500">
-                <a:solidFill>
-                  <a:schemeClr val="tx1"/>
-                </a:solidFill>
-                <a:latin typeface="DejaVu Sans Mono" panose="020B0609030804020204" pitchFamily="49" charset="0"/>
-                <a:cs typeface="DejaVu Sans Mono" panose="020B0609030804020204" pitchFamily="49" charset="0"/>
-              </a:rPr>
-              <a:t>print</a:t>
-            </a:r>
-            <a:r>
-              <a:rPr lang="en-US" altLang="ko-KR" sz="1500" smtClean="0">
-                <a:solidFill>
-                  <a:schemeClr val="tx1"/>
-                </a:solidFill>
-                <a:latin typeface="DejaVu Sans Mono" panose="020B0609030804020204" pitchFamily="49" charset="0"/>
-                <a:cs typeface="DejaVu Sans Mono" panose="020B0609030804020204" pitchFamily="49" charset="0"/>
-              </a:rPr>
-              <a:t>(-X)</a:t>
-            </a:r>
-            <a:endParaRPr lang="en-US" altLang="ko-KR" sz="1500">
+              <a:rPr lang="en-US" altLang="ko-KR" sz="1500" dirty="0" smtClean="0">
+                <a:solidFill>
+                  <a:schemeClr val="tx1"/>
+                </a:solidFill>
+                <a:latin typeface="DejaVu Sans Mono" panose="020B0609030804020204" pitchFamily="49" charset="0"/>
+                <a:cs typeface="DejaVu Sans Mono" panose="020B0609030804020204" pitchFamily="49" charset="0"/>
+              </a:rPr>
+              <a:t>(X/y)</a:t>
+            </a:r>
+            <a:endParaRPr lang="en-US" altLang="ko-KR" sz="1500" dirty="0">
               <a:solidFill>
                 <a:schemeClr val="tx1"/>
               </a:solidFill>
@@ -11214,7 +11593,7 @@
           </a:p>
           <a:p>
             <a:r>
-              <a:rPr lang="en-US" altLang="ko-KR" sz="1500">
+              <a:rPr lang="en-US" altLang="ko-KR" sz="1500" dirty="0">
                 <a:solidFill>
                   <a:schemeClr val="tx1"/>
                 </a:solidFill>
@@ -11224,7 +11603,142 @@
               <a:t>print</a:t>
             </a:r>
             <a:r>
-              <a:rPr lang="en-US" altLang="ko-KR" sz="1500" smtClean="0">
+              <a:rPr lang="en-US" altLang="ko-KR" sz="1500" dirty="0" smtClean="0">
+                <a:solidFill>
+                  <a:schemeClr val="tx1"/>
+                </a:solidFill>
+                <a:latin typeface="DejaVu Sans Mono" panose="020B0609030804020204" pitchFamily="49" charset="0"/>
+                <a:cs typeface="DejaVu Sans Mono" panose="020B0609030804020204" pitchFamily="49" charset="0"/>
+              </a:rPr>
+              <a:t>(X//y</a:t>
+            </a:r>
+            <a:r>
+              <a:rPr lang="en-US" altLang="ko-KR" sz="1500" dirty="0">
+                <a:solidFill>
+                  <a:schemeClr val="tx1"/>
+                </a:solidFill>
+                <a:latin typeface="DejaVu Sans Mono" panose="020B0609030804020204" pitchFamily="49" charset="0"/>
+                <a:cs typeface="DejaVu Sans Mono" panose="020B0609030804020204" pitchFamily="49" charset="0"/>
+              </a:rPr>
+              <a:t>)</a:t>
+            </a:r>
+          </a:p>
+          <a:p>
+            <a:r>
+              <a:rPr lang="en-US" altLang="ko-KR" sz="1500" dirty="0">
+                <a:solidFill>
+                  <a:schemeClr val="tx1"/>
+                </a:solidFill>
+                <a:latin typeface="DejaVu Sans Mono" panose="020B0609030804020204" pitchFamily="49" charset="0"/>
+                <a:cs typeface="DejaVu Sans Mono" panose="020B0609030804020204" pitchFamily="49" charset="0"/>
+              </a:rPr>
+              <a:t>print</a:t>
+            </a:r>
+            <a:r>
+              <a:rPr lang="en-US" altLang="ko-KR" sz="1500" dirty="0" smtClean="0">
+                <a:solidFill>
+                  <a:schemeClr val="tx1"/>
+                </a:solidFill>
+                <a:latin typeface="DejaVu Sans Mono" panose="020B0609030804020204" pitchFamily="49" charset="0"/>
+                <a:cs typeface="DejaVu Sans Mono" panose="020B0609030804020204" pitchFamily="49" charset="0"/>
+              </a:rPr>
+              <a:t>(X**y</a:t>
+            </a:r>
+            <a:r>
+              <a:rPr lang="en-US" altLang="ko-KR" sz="1500" dirty="0">
+                <a:solidFill>
+                  <a:schemeClr val="tx1"/>
+                </a:solidFill>
+                <a:latin typeface="DejaVu Sans Mono" panose="020B0609030804020204" pitchFamily="49" charset="0"/>
+                <a:cs typeface="DejaVu Sans Mono" panose="020B0609030804020204" pitchFamily="49" charset="0"/>
+              </a:rPr>
+              <a:t>)</a:t>
+            </a:r>
+          </a:p>
+          <a:p>
+            <a:r>
+              <a:rPr lang="en-US" altLang="ko-KR" sz="1500" dirty="0">
+                <a:solidFill>
+                  <a:schemeClr val="tx1"/>
+                </a:solidFill>
+                <a:latin typeface="DejaVu Sans Mono" panose="020B0609030804020204" pitchFamily="49" charset="0"/>
+                <a:cs typeface="DejaVu Sans Mono" panose="020B0609030804020204" pitchFamily="49" charset="0"/>
+              </a:rPr>
+              <a:t>print</a:t>
+            </a:r>
+            <a:r>
+              <a:rPr lang="en-US" altLang="ko-KR" sz="1500" dirty="0" smtClean="0">
+                <a:solidFill>
+                  <a:schemeClr val="tx1"/>
+                </a:solidFill>
+                <a:latin typeface="DejaVu Sans Mono" panose="020B0609030804020204" pitchFamily="49" charset="0"/>
+                <a:cs typeface="DejaVu Sans Mono" panose="020B0609030804020204" pitchFamily="49" charset="0"/>
+              </a:rPr>
+              <a:t>(</a:t>
+            </a:r>
+            <a:r>
+              <a:rPr lang="en-US" altLang="ko-KR" sz="1500" dirty="0" err="1" smtClean="0">
+                <a:solidFill>
+                  <a:schemeClr val="tx1"/>
+                </a:solidFill>
+                <a:latin typeface="DejaVu Sans Mono" panose="020B0609030804020204" pitchFamily="49" charset="0"/>
+                <a:cs typeface="DejaVu Sans Mono" panose="020B0609030804020204" pitchFamily="49" charset="0"/>
+              </a:rPr>
+              <a:t>X%y</a:t>
+            </a:r>
+            <a:r>
+              <a:rPr lang="en-US" altLang="ko-KR" sz="1500" dirty="0">
+                <a:solidFill>
+                  <a:schemeClr val="tx1"/>
+                </a:solidFill>
+                <a:latin typeface="DejaVu Sans Mono" panose="020B0609030804020204" pitchFamily="49" charset="0"/>
+                <a:cs typeface="DejaVu Sans Mono" panose="020B0609030804020204" pitchFamily="49" charset="0"/>
+              </a:rPr>
+              <a:t>)</a:t>
+            </a:r>
+          </a:p>
+          <a:p>
+            <a:r>
+              <a:rPr lang="en-US" altLang="ko-KR" sz="1500" dirty="0">
+                <a:solidFill>
+                  <a:schemeClr val="tx1"/>
+                </a:solidFill>
+                <a:latin typeface="DejaVu Sans Mono" panose="020B0609030804020204" pitchFamily="49" charset="0"/>
+                <a:cs typeface="DejaVu Sans Mono" panose="020B0609030804020204" pitchFamily="49" charset="0"/>
+              </a:rPr>
+              <a:t>print</a:t>
+            </a:r>
+            <a:r>
+              <a:rPr lang="en-US" altLang="ko-KR" sz="1500" dirty="0" smtClean="0">
+                <a:solidFill>
+                  <a:schemeClr val="tx1"/>
+                </a:solidFill>
+                <a:latin typeface="DejaVu Sans Mono" panose="020B0609030804020204" pitchFamily="49" charset="0"/>
+                <a:cs typeface="DejaVu Sans Mono" panose="020B0609030804020204" pitchFamily="49" charset="0"/>
+              </a:rPr>
+              <a:t>(-X)</a:t>
+            </a:r>
+            <a:endParaRPr lang="en-US" altLang="ko-KR" sz="1500" dirty="0">
+              <a:solidFill>
+                <a:schemeClr val="tx1"/>
+              </a:solidFill>
+              <a:latin typeface="DejaVu Sans Mono" panose="020B0609030804020204" pitchFamily="49" charset="0"/>
+              <a:cs typeface="DejaVu Sans Mono" panose="020B0609030804020204" pitchFamily="49" charset="0"/>
+            </a:endParaRPr>
+          </a:p>
+          <a:p>
+            <a:r>
+              <a:rPr lang="en-US" altLang="ko-KR" sz="1500" dirty="0">
+                <a:solidFill>
+                  <a:schemeClr val="tx1"/>
+                </a:solidFill>
+                <a:latin typeface="DejaVu Sans Mono" panose="020B0609030804020204" pitchFamily="49" charset="0"/>
+                <a:cs typeface="DejaVu Sans Mono" panose="020B0609030804020204" pitchFamily="49" charset="0"/>
+              </a:rPr>
+              <a:t>print</a:t>
+            </a:r>
+            <a:r>
+              <a:rPr lang="en-US" altLang="ko-KR" sz="1500" dirty="0" smtClean="0">
                 <a:solidFill>
                   <a:schemeClr val="tx1"/>
                 </a:solidFill>
@@ -11234,7 +11748,7 @@
               <a:t>(+X</a:t>
             </a:r>
             <a:r>
-              <a:rPr lang="en-US" altLang="ko-KR" sz="1500">
+              <a:rPr lang="en-US" altLang="ko-KR" sz="1500" dirty="0">
                 <a:solidFill>
                   <a:schemeClr val="tx1"/>
                 </a:solidFill>
@@ -11245,7 +11759,7 @@
             </a:r>
           </a:p>
           <a:p>
-            <a:endParaRPr lang="en-US" altLang="ko-KR" sz="1500">
+            <a:endParaRPr lang="en-US" altLang="ko-KR" sz="1500" dirty="0">
               <a:solidFill>
                 <a:schemeClr val="tx1"/>
               </a:solidFill>
@@ -11670,25 +12184,6 @@
               <a:t>.</a:t>
             </a:r>
             <a:endParaRPr lang="en-US" altLang="ko-KR" sz="2500" dirty="0" smtClean="0"/>
-          </a:p>
-        </p:txBody>
-      </p:sp>
-      <p:sp>
-        <p:nvSpPr>
-          <p:cNvPr id="4" name="내용 개체 틀 3"/>
-          <p:cNvSpPr>
-            <a:spLocks noGrp="1"/>
-          </p:cNvSpPr>
-          <p:nvPr>
-            <p:ph idx="1"/>
-          </p:nvPr>
-        </p:nvSpPr>
-        <p:spPr/>
-        <p:txBody>
-          <a:bodyPr/>
-          <a:lstStyle/>
-          <a:p>
-            <a:endParaRPr lang="ko-KR" altLang="en-US"/>
           </a:p>
         </p:txBody>
       </p:sp>
@@ -11803,14 +12298,14 @@
                 <a:gridCol w="1335374">
                   <a:extLst>
                     <a:ext uri="{9D8B030D-6E8A-4147-A177-3AD203B41FA5}">
-                      <a16:colId xmlns:a16="http://schemas.microsoft.com/office/drawing/2014/main" val="1386639546"/>
+                      <a16:colId xmlns:a16="http://schemas.microsoft.com/office/drawing/2014/main" xmlns="" val="1386639546"/>
                     </a:ext>
                   </a:extLst>
                 </a:gridCol>
                 <a:gridCol w="1903751">
                   <a:extLst>
                     <a:ext uri="{9D8B030D-6E8A-4147-A177-3AD203B41FA5}">
-                      <a16:colId xmlns:a16="http://schemas.microsoft.com/office/drawing/2014/main" val="764089535"/>
+                      <a16:colId xmlns:a16="http://schemas.microsoft.com/office/drawing/2014/main" xmlns="" val="764089535"/>
                     </a:ext>
                   </a:extLst>
                 </a:gridCol>
@@ -11848,7 +12343,7 @@
                 </a:tc>
                 <a:extLst>
                   <a:ext uri="{0D108BD9-81ED-4DB2-BD59-A6C34878D82A}">
-                    <a16:rowId xmlns:a16="http://schemas.microsoft.com/office/drawing/2014/main" val="4249704829"/>
+                    <a16:rowId xmlns:a16="http://schemas.microsoft.com/office/drawing/2014/main" xmlns="" val="4249704829"/>
                   </a:ext>
                 </a:extLst>
               </a:tr>
@@ -11889,7 +12384,7 @@
                 </a:tc>
                 <a:extLst>
                   <a:ext uri="{0D108BD9-81ED-4DB2-BD59-A6C34878D82A}">
-                    <a16:rowId xmlns:a16="http://schemas.microsoft.com/office/drawing/2014/main" val="591895513"/>
+                    <a16:rowId xmlns:a16="http://schemas.microsoft.com/office/drawing/2014/main" xmlns="" val="591895513"/>
                   </a:ext>
                 </a:extLst>
               </a:tr>
@@ -11930,7 +12425,7 @@
                 </a:tc>
                 <a:extLst>
                   <a:ext uri="{0D108BD9-81ED-4DB2-BD59-A6C34878D82A}">
-                    <a16:rowId xmlns:a16="http://schemas.microsoft.com/office/drawing/2014/main" val="3434559938"/>
+                    <a16:rowId xmlns:a16="http://schemas.microsoft.com/office/drawing/2014/main" xmlns="" val="3434559938"/>
                   </a:ext>
                 </a:extLst>
               </a:tr>
@@ -11967,7 +12462,7 @@
                 </a:tc>
                 <a:extLst>
                   <a:ext uri="{0D108BD9-81ED-4DB2-BD59-A6C34878D82A}">
-                    <a16:rowId xmlns:a16="http://schemas.microsoft.com/office/drawing/2014/main" val="3137848657"/>
+                    <a16:rowId xmlns:a16="http://schemas.microsoft.com/office/drawing/2014/main" xmlns="" val="3137848657"/>
                   </a:ext>
                 </a:extLst>
               </a:tr>
@@ -12020,7 +12515,7 @@
                 </a:tc>
                 <a:extLst>
                   <a:ext uri="{0D108BD9-81ED-4DB2-BD59-A6C34878D82A}">
-                    <a16:rowId xmlns:a16="http://schemas.microsoft.com/office/drawing/2014/main" val="2422149737"/>
+                    <a16:rowId xmlns:a16="http://schemas.microsoft.com/office/drawing/2014/main" xmlns="" val="2422149737"/>
                   </a:ext>
                 </a:extLst>
               </a:tr>
@@ -12081,7 +12576,7 @@
                 </a:tc>
                 <a:extLst>
                   <a:ext uri="{0D108BD9-81ED-4DB2-BD59-A6C34878D82A}">
-                    <a16:rowId xmlns:a16="http://schemas.microsoft.com/office/drawing/2014/main" val="2740964221"/>
+                    <a16:rowId xmlns:a16="http://schemas.microsoft.com/office/drawing/2014/main" xmlns="" val="2740964221"/>
                   </a:ext>
                 </a:extLst>
               </a:tr>
@@ -12142,7 +12637,7 @@
                 </a:tc>
                 <a:extLst>
                   <a:ext uri="{0D108BD9-81ED-4DB2-BD59-A6C34878D82A}">
-                    <a16:rowId xmlns:a16="http://schemas.microsoft.com/office/drawing/2014/main" val="2169575613"/>
+                    <a16:rowId xmlns:a16="http://schemas.microsoft.com/office/drawing/2014/main" xmlns="" val="2169575613"/>
                   </a:ext>
                 </a:extLst>
               </a:tr>
@@ -12178,14 +12673,14 @@
                 <a:gridCol w="1335374">
                   <a:extLst>
                     <a:ext uri="{9D8B030D-6E8A-4147-A177-3AD203B41FA5}">
-                      <a16:colId xmlns:a16="http://schemas.microsoft.com/office/drawing/2014/main" val="1386639546"/>
+                      <a16:colId xmlns:a16="http://schemas.microsoft.com/office/drawing/2014/main" xmlns="" val="1386639546"/>
                     </a:ext>
                   </a:extLst>
                 </a:gridCol>
                 <a:gridCol w="1903751">
                   <a:extLst>
                     <a:ext uri="{9D8B030D-6E8A-4147-A177-3AD203B41FA5}">
-                      <a16:colId xmlns:a16="http://schemas.microsoft.com/office/drawing/2014/main" val="764089535"/>
+                      <a16:colId xmlns:a16="http://schemas.microsoft.com/office/drawing/2014/main" xmlns="" val="764089535"/>
                     </a:ext>
                   </a:extLst>
                 </a:gridCol>
@@ -12223,7 +12718,7 @@
                 </a:tc>
                 <a:extLst>
                   <a:ext uri="{0D108BD9-81ED-4DB2-BD59-A6C34878D82A}">
-                    <a16:rowId xmlns:a16="http://schemas.microsoft.com/office/drawing/2014/main" val="4249704829"/>
+                    <a16:rowId xmlns:a16="http://schemas.microsoft.com/office/drawing/2014/main" xmlns="" val="4249704829"/>
                   </a:ext>
                 </a:extLst>
               </a:tr>
@@ -12260,7 +12755,7 @@
                 </a:tc>
                 <a:extLst>
                   <a:ext uri="{0D108BD9-81ED-4DB2-BD59-A6C34878D82A}">
-                    <a16:rowId xmlns:a16="http://schemas.microsoft.com/office/drawing/2014/main" val="591895513"/>
+                    <a16:rowId xmlns:a16="http://schemas.microsoft.com/office/drawing/2014/main" xmlns="" val="591895513"/>
                   </a:ext>
                 </a:extLst>
               </a:tr>
@@ -12297,7 +12792,7 @@
                 </a:tc>
                 <a:extLst>
                   <a:ext uri="{0D108BD9-81ED-4DB2-BD59-A6C34878D82A}">
-                    <a16:rowId xmlns:a16="http://schemas.microsoft.com/office/drawing/2014/main" val="3434559938"/>
+                    <a16:rowId xmlns:a16="http://schemas.microsoft.com/office/drawing/2014/main" xmlns="" val="3434559938"/>
                   </a:ext>
                 </a:extLst>
               </a:tr>
@@ -12334,7 +12829,7 @@
                 </a:tc>
                 <a:extLst>
                   <a:ext uri="{0D108BD9-81ED-4DB2-BD59-A6C34878D82A}">
-                    <a16:rowId xmlns:a16="http://schemas.microsoft.com/office/drawing/2014/main" val="3137848657"/>
+                    <a16:rowId xmlns:a16="http://schemas.microsoft.com/office/drawing/2014/main" xmlns="" val="3137848657"/>
                   </a:ext>
                 </a:extLst>
               </a:tr>
@@ -12387,7 +12882,7 @@
                 </a:tc>
                 <a:extLst>
                   <a:ext uri="{0D108BD9-81ED-4DB2-BD59-A6C34878D82A}">
-                    <a16:rowId xmlns:a16="http://schemas.microsoft.com/office/drawing/2014/main" val="2422149737"/>
+                    <a16:rowId xmlns:a16="http://schemas.microsoft.com/office/drawing/2014/main" xmlns="" val="2422149737"/>
                   </a:ext>
                 </a:extLst>
               </a:tr>
@@ -12440,7 +12935,7 @@
                 </a:tc>
                 <a:extLst>
                   <a:ext uri="{0D108BD9-81ED-4DB2-BD59-A6C34878D82A}">
-                    <a16:rowId xmlns:a16="http://schemas.microsoft.com/office/drawing/2014/main" val="2740964221"/>
+                    <a16:rowId xmlns:a16="http://schemas.microsoft.com/office/drawing/2014/main" xmlns="" val="2740964221"/>
                   </a:ext>
                 </a:extLst>
               </a:tr>
@@ -12493,7 +12988,7 @@
                 </a:tc>
                 <a:extLst>
                   <a:ext uri="{0D108BD9-81ED-4DB2-BD59-A6C34878D82A}">
-                    <a16:rowId xmlns:a16="http://schemas.microsoft.com/office/drawing/2014/main" val="2169575613"/>
+                    <a16:rowId xmlns:a16="http://schemas.microsoft.com/office/drawing/2014/main" xmlns="" val="2169575613"/>
                   </a:ext>
                 </a:extLst>
               </a:tr>
@@ -12623,7 +13118,7 @@
           <a:lstStyle/>
           <a:p>
             <a:r>
-              <a:rPr lang="en-US" altLang="ko-KR" sz="1500">
+              <a:rPr lang="en-US" altLang="ko-KR" sz="1500" dirty="0">
                 <a:solidFill>
                   <a:schemeClr val="tx1"/>
                 </a:solidFill>
@@ -12635,7 +13130,7 @@
           </a:p>
           <a:p>
             <a:r>
-              <a:rPr lang="en-US" altLang="ko-KR" sz="1500">
+              <a:rPr lang="en-US" altLang="ko-KR" sz="1500" dirty="0">
                 <a:solidFill>
                   <a:schemeClr val="tx1"/>
                 </a:solidFill>
@@ -12647,7 +13142,7 @@
           </a:p>
           <a:p>
             <a:r>
-              <a:rPr lang="en-US" altLang="ko-KR" sz="1500">
+              <a:rPr lang="en-US" altLang="ko-KR" sz="1500" dirty="0">
                 <a:solidFill>
                   <a:schemeClr val="tx1"/>
                 </a:solidFill>
@@ -12659,7 +13154,7 @@
           </a:p>
           <a:p>
             <a:r>
-              <a:rPr lang="en-US" altLang="ko-KR" sz="1500">
+              <a:rPr lang="en-US" altLang="ko-KR" sz="1500" dirty="0">
                 <a:solidFill>
                   <a:schemeClr val="tx1"/>
                 </a:solidFill>
@@ -12671,7 +13166,7 @@
           </a:p>
           <a:p>
             <a:r>
-              <a:rPr lang="en-US" altLang="ko-KR" sz="1500">
+              <a:rPr lang="en-US" altLang="ko-KR" sz="1500" dirty="0">
                 <a:solidFill>
                   <a:schemeClr val="tx1"/>
                 </a:solidFill>
@@ -12682,7 +13177,7 @@
             </a:r>
           </a:p>
           <a:p>
-            <a:endParaRPr lang="en-US" altLang="ko-KR" sz="1500">
+            <a:endParaRPr lang="en-US" altLang="ko-KR" sz="1500" dirty="0">
               <a:solidFill>
                 <a:schemeClr val="tx1"/>
               </a:solidFill>
@@ -12692,7 +13187,7 @@
           </a:p>
           <a:p>
             <a:r>
-              <a:rPr lang="en-US" altLang="ko-KR" sz="1500">
+              <a:rPr lang="en-US" altLang="ko-KR" sz="1500" dirty="0">
                 <a:solidFill>
                   <a:schemeClr val="tx1"/>
                 </a:solidFill>
@@ -12704,7 +13199,7 @@
           </a:p>
           <a:p>
             <a:r>
-              <a:rPr lang="en-US" altLang="ko-KR" sz="1500">
+              <a:rPr lang="en-US" altLang="ko-KR" sz="1500" dirty="0">
                 <a:solidFill>
                   <a:schemeClr val="tx1"/>
                 </a:solidFill>
@@ -12715,7 +13210,7 @@
             </a:r>
           </a:p>
           <a:p>
-            <a:endParaRPr lang="en-US" altLang="ko-KR" sz="1500">
+            <a:endParaRPr lang="en-US" altLang="ko-KR" sz="1500" dirty="0">
               <a:solidFill>
                 <a:schemeClr val="tx1"/>
               </a:solidFill>
@@ -12725,7 +13220,7 @@
           </a:p>
           <a:p>
             <a:r>
-              <a:rPr lang="en-US" altLang="ko-KR" sz="1500">
+              <a:rPr lang="en-US" altLang="ko-KR" sz="1500" dirty="0">
                 <a:solidFill>
                   <a:schemeClr val="tx1"/>
                 </a:solidFill>
@@ -12737,7 +13232,7 @@
           </a:p>
           <a:p>
             <a:r>
-              <a:rPr lang="en-US" altLang="ko-KR" sz="1500">
+              <a:rPr lang="en-US" altLang="ko-KR" sz="1500" dirty="0">
                 <a:solidFill>
                   <a:schemeClr val="tx1"/>
                 </a:solidFill>
@@ -12746,7 +13241,7 @@
               </a:rPr>
               <a:t>print(c)</a:t>
             </a:r>
-            <a:endParaRPr lang="pt-BR" altLang="ko-KR" sz="1500">
+            <a:endParaRPr lang="pt-BR" altLang="ko-KR" sz="1500" dirty="0">
               <a:solidFill>
                 <a:schemeClr val="tx1"/>
               </a:solidFill>
@@ -13102,14 +13597,14 @@
                 <a:gridCol w="2841998">
                   <a:extLst>
                     <a:ext uri="{9D8B030D-6E8A-4147-A177-3AD203B41FA5}">
-                      <a16:colId xmlns:a16="http://schemas.microsoft.com/office/drawing/2014/main" val="1386639546"/>
+                      <a16:colId xmlns:a16="http://schemas.microsoft.com/office/drawing/2014/main" xmlns="" val="1386639546"/>
                     </a:ext>
                   </a:extLst>
                 </a:gridCol>
                 <a:gridCol w="2920469">
                   <a:extLst>
                     <a:ext uri="{9D8B030D-6E8A-4147-A177-3AD203B41FA5}">
-                      <a16:colId xmlns:a16="http://schemas.microsoft.com/office/drawing/2014/main" val="764089535"/>
+                      <a16:colId xmlns:a16="http://schemas.microsoft.com/office/drawing/2014/main" xmlns="" val="764089535"/>
                     </a:ext>
                   </a:extLst>
                 </a:gridCol>
@@ -13147,7 +13642,7 @@
                 </a:tc>
                 <a:extLst>
                   <a:ext uri="{0D108BD9-81ED-4DB2-BD59-A6C34878D82A}">
-                    <a16:rowId xmlns:a16="http://schemas.microsoft.com/office/drawing/2014/main" val="4249704829"/>
+                    <a16:rowId xmlns:a16="http://schemas.microsoft.com/office/drawing/2014/main" xmlns="" val="4249704829"/>
                   </a:ext>
                 </a:extLst>
               </a:tr>
@@ -13188,7 +13683,7 @@
                 </a:tc>
                 <a:extLst>
                   <a:ext uri="{0D108BD9-81ED-4DB2-BD59-A6C34878D82A}">
-                    <a16:rowId xmlns:a16="http://schemas.microsoft.com/office/drawing/2014/main" val="591895513"/>
+                    <a16:rowId xmlns:a16="http://schemas.microsoft.com/office/drawing/2014/main" xmlns="" val="591895513"/>
                   </a:ext>
                 </a:extLst>
               </a:tr>
@@ -13237,7 +13732,7 @@
                 </a:tc>
                 <a:extLst>
                   <a:ext uri="{0D108BD9-81ED-4DB2-BD59-A6C34878D82A}">
-                    <a16:rowId xmlns:a16="http://schemas.microsoft.com/office/drawing/2014/main" val="3434559938"/>
+                    <a16:rowId xmlns:a16="http://schemas.microsoft.com/office/drawing/2014/main" xmlns="" val="3434559938"/>
                   </a:ext>
                 </a:extLst>
               </a:tr>
@@ -13274,7 +13769,7 @@
                 </a:tc>
                 <a:extLst>
                   <a:ext uri="{0D108BD9-81ED-4DB2-BD59-A6C34878D82A}">
-                    <a16:rowId xmlns:a16="http://schemas.microsoft.com/office/drawing/2014/main" val="3137848657"/>
+                    <a16:rowId xmlns:a16="http://schemas.microsoft.com/office/drawing/2014/main" xmlns="" val="3137848657"/>
                   </a:ext>
                 </a:extLst>
               </a:tr>
@@ -13335,7 +13830,7 @@
                 </a:tc>
                 <a:extLst>
                   <a:ext uri="{0D108BD9-81ED-4DB2-BD59-A6C34878D82A}">
-                    <a16:rowId xmlns:a16="http://schemas.microsoft.com/office/drawing/2014/main" val="2422149737"/>
+                    <a16:rowId xmlns:a16="http://schemas.microsoft.com/office/drawing/2014/main" xmlns="" val="2422149737"/>
                   </a:ext>
                 </a:extLst>
               </a:tr>
@@ -13396,7 +13891,7 @@
                 </a:tc>
                 <a:extLst>
                   <a:ext uri="{0D108BD9-81ED-4DB2-BD59-A6C34878D82A}">
-                    <a16:rowId xmlns:a16="http://schemas.microsoft.com/office/drawing/2014/main" val="2740964221"/>
+                    <a16:rowId xmlns:a16="http://schemas.microsoft.com/office/drawing/2014/main" xmlns="" val="2740964221"/>
                   </a:ext>
                 </a:extLst>
               </a:tr>
@@ -13457,7 +13952,7 @@
                 </a:tc>
                 <a:extLst>
                   <a:ext uri="{0D108BD9-81ED-4DB2-BD59-A6C34878D82A}">
-                    <a16:rowId xmlns:a16="http://schemas.microsoft.com/office/drawing/2014/main" val="2169575613"/>
+                    <a16:rowId xmlns:a16="http://schemas.microsoft.com/office/drawing/2014/main" xmlns="" val="2169575613"/>
                   </a:ext>
                 </a:extLst>
               </a:tr>
@@ -13525,7 +14020,7 @@
                 </a:tc>
                 <a:extLst>
                   <a:ext uri="{0D108BD9-81ED-4DB2-BD59-A6C34878D82A}">
-                    <a16:rowId xmlns:a16="http://schemas.microsoft.com/office/drawing/2014/main" val="4264117137"/>
+                    <a16:rowId xmlns:a16="http://schemas.microsoft.com/office/drawing/2014/main" xmlns="" val="4264117137"/>
                   </a:ext>
                 </a:extLst>
               </a:tr>
@@ -13582,7 +14077,7 @@
                 </a:tc>
                 <a:extLst>
                   <a:ext uri="{0D108BD9-81ED-4DB2-BD59-A6C34878D82A}">
-                    <a16:rowId xmlns:a16="http://schemas.microsoft.com/office/drawing/2014/main" val="1277147979"/>
+                    <a16:rowId xmlns:a16="http://schemas.microsoft.com/office/drawing/2014/main" xmlns="" val="1277147979"/>
                   </a:ext>
                 </a:extLst>
               </a:tr>
@@ -13639,7 +14134,7 @@
                 </a:tc>
                 <a:extLst>
                   <a:ext uri="{0D108BD9-81ED-4DB2-BD59-A6C34878D82A}">
-                    <a16:rowId xmlns:a16="http://schemas.microsoft.com/office/drawing/2014/main" val="2516871108"/>
+                    <a16:rowId xmlns:a16="http://schemas.microsoft.com/office/drawing/2014/main" xmlns="" val="2516871108"/>
                   </a:ext>
                 </a:extLst>
               </a:tr>
@@ -13675,14 +14170,14 @@
                 <a:gridCol w="1793824">
                   <a:extLst>
                     <a:ext uri="{9D8B030D-6E8A-4147-A177-3AD203B41FA5}">
-                      <a16:colId xmlns:a16="http://schemas.microsoft.com/office/drawing/2014/main" val="1386639546"/>
+                      <a16:colId xmlns:a16="http://schemas.microsoft.com/office/drawing/2014/main" xmlns="" val="1386639546"/>
                     </a:ext>
                   </a:extLst>
                 </a:gridCol>
                 <a:gridCol w="3587646">
                   <a:extLst>
                     <a:ext uri="{9D8B030D-6E8A-4147-A177-3AD203B41FA5}">
-                      <a16:colId xmlns:a16="http://schemas.microsoft.com/office/drawing/2014/main" val="764089535"/>
+                      <a16:colId xmlns:a16="http://schemas.microsoft.com/office/drawing/2014/main" xmlns="" val="764089535"/>
                     </a:ext>
                   </a:extLst>
                 </a:gridCol>
@@ -13720,7 +14215,7 @@
                 </a:tc>
                 <a:extLst>
                   <a:ext uri="{0D108BD9-81ED-4DB2-BD59-A6C34878D82A}">
-                    <a16:rowId xmlns:a16="http://schemas.microsoft.com/office/drawing/2014/main" val="4249704829"/>
+                    <a16:rowId xmlns:a16="http://schemas.microsoft.com/office/drawing/2014/main" xmlns="" val="4249704829"/>
                   </a:ext>
                 </a:extLst>
               </a:tr>
@@ -13777,7 +14272,7 @@
                 </a:tc>
                 <a:extLst>
                   <a:ext uri="{0D108BD9-81ED-4DB2-BD59-A6C34878D82A}">
-                    <a16:rowId xmlns:a16="http://schemas.microsoft.com/office/drawing/2014/main" val="591895513"/>
+                    <a16:rowId xmlns:a16="http://schemas.microsoft.com/office/drawing/2014/main" xmlns="" val="591895513"/>
                   </a:ext>
                 </a:extLst>
               </a:tr>
@@ -13790,11 +14285,7 @@
                       <a:pPr algn="ctr" latinLnBrk="1"/>
                       <a:r>
                         <a:rPr lang="en-US" altLang="ko-KR" smtClean="0"/>
-                        <a:t>dict(d</a:t>
-                      </a:r>
-                      <a:r>
-                        <a:rPr lang="en-US" altLang="ko-KR" smtClean="0"/>
-                        <a:t>)</a:t>
+                        <a:t>dict(d)</a:t>
                       </a:r>
                       <a:endParaRPr lang="ko-KR" altLang="en-US"/>
                     </a:p>
@@ -13822,7 +14313,7 @@
                 </a:tc>
                 <a:extLst>
                   <a:ext uri="{0D108BD9-81ED-4DB2-BD59-A6C34878D82A}">
-                    <a16:rowId xmlns:a16="http://schemas.microsoft.com/office/drawing/2014/main" val="3434559938"/>
+                    <a16:rowId xmlns:a16="http://schemas.microsoft.com/office/drawing/2014/main" xmlns="" val="3434559938"/>
                   </a:ext>
                 </a:extLst>
               </a:tr>
@@ -13835,11 +14326,7 @@
                       <a:pPr algn="ctr" latinLnBrk="1"/>
                       <a:r>
                         <a:rPr lang="en-US" altLang="ko-KR" smtClean="0"/>
-                        <a:t>frozenset(s</a:t>
-                      </a:r>
-                      <a:r>
-                        <a:rPr lang="en-US" altLang="ko-KR" smtClean="0"/>
-                        <a:t>)</a:t>
+                        <a:t>frozenset(s)</a:t>
                       </a:r>
                       <a:endParaRPr lang="ko-KR" altLang="en-US"/>
                     </a:p>
@@ -13875,7 +14362,7 @@
                 </a:tc>
                 <a:extLst>
                   <a:ext uri="{0D108BD9-81ED-4DB2-BD59-A6C34878D82A}">
-                    <a16:rowId xmlns:a16="http://schemas.microsoft.com/office/drawing/2014/main" val="3137848657"/>
+                    <a16:rowId xmlns:a16="http://schemas.microsoft.com/office/drawing/2014/main" xmlns="" val="3137848657"/>
                   </a:ext>
                 </a:extLst>
               </a:tr>
@@ -13912,7 +14399,7 @@
                 </a:tc>
                 <a:extLst>
                   <a:ext uri="{0D108BD9-81ED-4DB2-BD59-A6C34878D82A}">
-                    <a16:rowId xmlns:a16="http://schemas.microsoft.com/office/drawing/2014/main" val="2422149737"/>
+                    <a16:rowId xmlns:a16="http://schemas.microsoft.com/office/drawing/2014/main" xmlns="" val="2422149737"/>
                   </a:ext>
                 </a:extLst>
               </a:tr>
@@ -13941,11 +14428,7 @@
                       </a:pPr>
                       <a:r>
                         <a:rPr lang="en-US" altLang="ko-KR" smtClean="0"/>
-                        <a:t>unichr(x</a:t>
-                      </a:r>
-                      <a:r>
-                        <a:rPr lang="en-US" altLang="ko-KR" smtClean="0"/>
-                        <a:t>)</a:t>
+                        <a:t>unichr(x)</a:t>
                       </a:r>
                       <a:endParaRPr lang="ko-KR" altLang="en-US" smtClean="0"/>
                     </a:p>
@@ -13969,7 +14452,7 @@
                 </a:tc>
                 <a:extLst>
                   <a:ext uri="{0D108BD9-81ED-4DB2-BD59-A6C34878D82A}">
-                    <a16:rowId xmlns:a16="http://schemas.microsoft.com/office/drawing/2014/main" val="2740964221"/>
+                    <a16:rowId xmlns:a16="http://schemas.microsoft.com/office/drawing/2014/main" xmlns="" val="2740964221"/>
                   </a:ext>
                 </a:extLst>
               </a:tr>
@@ -13998,11 +14481,7 @@
                       </a:pPr>
                       <a:r>
                         <a:rPr lang="en-US" altLang="ko-KR" smtClean="0"/>
-                        <a:t>ord(x</a:t>
-                      </a:r>
-                      <a:r>
-                        <a:rPr lang="en-US" altLang="ko-KR" smtClean="0"/>
-                        <a:t>)</a:t>
+                        <a:t>ord(x)</a:t>
                       </a:r>
                       <a:endParaRPr lang="ko-KR" altLang="en-US" smtClean="0"/>
                     </a:p>
@@ -14026,7 +14505,7 @@
                 </a:tc>
                 <a:extLst>
                   <a:ext uri="{0D108BD9-81ED-4DB2-BD59-A6C34878D82A}">
-                    <a16:rowId xmlns:a16="http://schemas.microsoft.com/office/drawing/2014/main" val="2169575613"/>
+                    <a16:rowId xmlns:a16="http://schemas.microsoft.com/office/drawing/2014/main" xmlns="" val="2169575613"/>
                   </a:ext>
                 </a:extLst>
               </a:tr>
@@ -14055,11 +14534,7 @@
                       </a:pPr>
                       <a:r>
                         <a:rPr lang="en-US" altLang="ko-KR" smtClean="0"/>
-                        <a:t>hex(x</a:t>
-                      </a:r>
-                      <a:r>
-                        <a:rPr lang="en-US" altLang="ko-KR" smtClean="0"/>
-                        <a:t>)</a:t>
+                        <a:t>hex(x)</a:t>
                       </a:r>
                       <a:endParaRPr lang="ko-KR" altLang="en-US" smtClean="0"/>
                     </a:p>
@@ -14091,7 +14566,7 @@
                 </a:tc>
                 <a:extLst>
                   <a:ext uri="{0D108BD9-81ED-4DB2-BD59-A6C34878D82A}">
-                    <a16:rowId xmlns:a16="http://schemas.microsoft.com/office/drawing/2014/main" val="4264117137"/>
+                    <a16:rowId xmlns:a16="http://schemas.microsoft.com/office/drawing/2014/main" xmlns="" val="4264117137"/>
                   </a:ext>
                 </a:extLst>
               </a:tr>
@@ -14120,11 +14595,7 @@
                       </a:pPr>
                       <a:r>
                         <a:rPr lang="en-US" altLang="ko-KR" smtClean="0"/>
-                        <a:t>bin(x</a:t>
-                      </a:r>
-                      <a:r>
-                        <a:rPr lang="en-US" altLang="ko-KR" smtClean="0"/>
-                        <a:t>)</a:t>
+                        <a:t>bin(x)</a:t>
                       </a:r>
                       <a:endParaRPr lang="ko-KR" altLang="en-US" smtClean="0"/>
                     </a:p>
@@ -14156,7 +14627,7 @@
                 </a:tc>
                 <a:extLst>
                   <a:ext uri="{0D108BD9-81ED-4DB2-BD59-A6C34878D82A}">
-                    <a16:rowId xmlns:a16="http://schemas.microsoft.com/office/drawing/2014/main" val="1277147979"/>
+                    <a16:rowId xmlns:a16="http://schemas.microsoft.com/office/drawing/2014/main" xmlns="" val="1277147979"/>
                   </a:ext>
                 </a:extLst>
               </a:tr>
@@ -14185,11 +14656,7 @@
                       </a:pPr>
                       <a:r>
                         <a:rPr lang="en-US" altLang="ko-KR" smtClean="0"/>
-                        <a:t>oct(x</a:t>
-                      </a:r>
-                      <a:r>
-                        <a:rPr lang="en-US" altLang="ko-KR" smtClean="0"/>
-                        <a:t>)</a:t>
+                        <a:t>oct(x)</a:t>
                       </a:r>
                       <a:endParaRPr lang="ko-KR" altLang="en-US" smtClean="0"/>
                     </a:p>
@@ -14221,7 +14688,7 @@
                 </a:tc>
                 <a:extLst>
                   <a:ext uri="{0D108BD9-81ED-4DB2-BD59-A6C34878D82A}">
-                    <a16:rowId xmlns:a16="http://schemas.microsoft.com/office/drawing/2014/main" val="2516871108"/>
+                    <a16:rowId xmlns:a16="http://schemas.microsoft.com/office/drawing/2014/main" xmlns="" val="2516871108"/>
                   </a:ext>
                 </a:extLst>
               </a:tr>
@@ -14543,13 +15010,6 @@
               </a:rPr>
               <a:t>print(k)</a:t>
             </a:r>
-            <a:endParaRPr lang="pt-BR" altLang="ko-KR" sz="1500">
-              <a:solidFill>
-                <a:schemeClr val="tx1"/>
-              </a:solidFill>
-              <a:latin typeface="DejaVu Sans Mono" panose="020B0609030804020204" pitchFamily="49" charset="0"/>
-              <a:cs typeface="DejaVu Sans Mono" panose="020B0609030804020204" pitchFamily="49" charset="0"/>
-            </a:endParaRPr>
           </a:p>
         </p:txBody>
       </p:sp>
@@ -14861,14 +15321,14 @@
                 <a:gridCol w="1700096">
                   <a:extLst>
                     <a:ext uri="{9D8B030D-6E8A-4147-A177-3AD203B41FA5}">
-                      <a16:colId xmlns:a16="http://schemas.microsoft.com/office/drawing/2014/main" val="1386639546"/>
+                      <a16:colId xmlns:a16="http://schemas.microsoft.com/office/drawing/2014/main" xmlns="" val="1386639546"/>
                     </a:ext>
                   </a:extLst>
                 </a:gridCol>
                 <a:gridCol w="8815504">
                   <a:extLst>
                     <a:ext uri="{9D8B030D-6E8A-4147-A177-3AD203B41FA5}">
-                      <a16:colId xmlns:a16="http://schemas.microsoft.com/office/drawing/2014/main" val="764089535"/>
+                      <a16:colId xmlns:a16="http://schemas.microsoft.com/office/drawing/2014/main" xmlns="" val="764089535"/>
                     </a:ext>
                   </a:extLst>
                 </a:gridCol>
@@ -14906,7 +15366,7 @@
                 </a:tc>
                 <a:extLst>
                   <a:ext uri="{0D108BD9-81ED-4DB2-BD59-A6C34878D82A}">
-                    <a16:rowId xmlns:a16="http://schemas.microsoft.com/office/drawing/2014/main" val="4249704829"/>
+                    <a16:rowId xmlns:a16="http://schemas.microsoft.com/office/drawing/2014/main" xmlns="" val="4249704829"/>
                   </a:ext>
                 </a:extLst>
               </a:tr>
@@ -14979,7 +15439,7 @@
                 </a:tc>
                 <a:extLst>
                   <a:ext uri="{0D108BD9-81ED-4DB2-BD59-A6C34878D82A}">
-                    <a16:rowId xmlns:a16="http://schemas.microsoft.com/office/drawing/2014/main" val="591895513"/>
+                    <a16:rowId xmlns:a16="http://schemas.microsoft.com/office/drawing/2014/main" xmlns="" val="591895513"/>
                   </a:ext>
                 </a:extLst>
               </a:tr>
@@ -15052,7 +15512,7 @@
                 </a:tc>
                 <a:extLst>
                   <a:ext uri="{0D108BD9-81ED-4DB2-BD59-A6C34878D82A}">
-                    <a16:rowId xmlns:a16="http://schemas.microsoft.com/office/drawing/2014/main" val="3434559938"/>
+                    <a16:rowId xmlns:a16="http://schemas.microsoft.com/office/drawing/2014/main" xmlns="" val="3434559938"/>
                   </a:ext>
                 </a:extLst>
               </a:tr>
@@ -15117,7 +15577,7 @@
                 </a:tc>
                 <a:extLst>
                   <a:ext uri="{0D108BD9-81ED-4DB2-BD59-A6C34878D82A}">
-                    <a16:rowId xmlns:a16="http://schemas.microsoft.com/office/drawing/2014/main" val="3137848657"/>
+                    <a16:rowId xmlns:a16="http://schemas.microsoft.com/office/drawing/2014/main" xmlns="" val="3137848657"/>
                   </a:ext>
                 </a:extLst>
               </a:tr>
@@ -15312,65 +15772,101 @@
           <a:lstStyle/>
           <a:p>
             <a:r>
+              <a:rPr lang="ko-KR" altLang="en-US" sz="2500" dirty="0" smtClean="0"/>
+              <a:t>동등 연산자</a:t>
+            </a:r>
+            <a:r>
+              <a:rPr lang="en-US" altLang="ko-KR" sz="2500" dirty="0" smtClean="0"/>
+              <a:t>(x==y)</a:t>
+            </a:r>
+            <a:r>
+              <a:rPr lang="ko-KR" altLang="en-US" sz="2500" dirty="0" smtClean="0"/>
+              <a:t>는 </a:t>
+            </a:r>
+            <a:r>
+              <a:rPr lang="en-US" altLang="ko-KR" sz="2500" dirty="0" smtClean="0"/>
+              <a:t>x</a:t>
+            </a:r>
+            <a:r>
+              <a:rPr lang="ko-KR" altLang="en-US" sz="2500" dirty="0" smtClean="0"/>
+              <a:t>의 값과 </a:t>
+            </a:r>
+            <a:r>
+              <a:rPr lang="en-US" altLang="ko-KR" sz="2500" dirty="0" smtClean="0"/>
+              <a:t>y</a:t>
+            </a:r>
+            <a:r>
+              <a:rPr lang="ko-KR" altLang="en-US" sz="2500" dirty="0" smtClean="0"/>
+              <a:t>값이 같은지 평가</a:t>
+            </a:r>
+            <a:r>
+              <a:rPr lang="en-US" altLang="ko-KR" sz="2500" dirty="0" smtClean="0"/>
+              <a:t>.</a:t>
+            </a:r>
+          </a:p>
+          <a:p>
+            <a:r>
+              <a:rPr lang="ko-KR" altLang="en-US" sz="2500" dirty="0" smtClean="0"/>
+              <a:t>리스트와 튜플의 경우</a:t>
+            </a:r>
+            <a:r>
+              <a:rPr lang="en-US" altLang="ko-KR" sz="2500" dirty="0" smtClean="0"/>
+              <a:t>, </a:t>
+            </a:r>
+            <a:r>
+              <a:rPr lang="ko-KR" altLang="en-US" sz="2500" dirty="0" smtClean="0"/>
+              <a:t>모든 원소들이 비교되고 모두 같은 </a:t>
+            </a:r>
+            <a:r>
+              <a:rPr lang="ko-KR" altLang="en-US" sz="2500" dirty="0" smtClean="0"/>
+              <a:t>값</a:t>
+            </a:r>
+            <a:r>
+              <a:rPr lang="ko-KR" altLang="en-US" sz="2500" dirty="0" smtClean="0"/>
+              <a:t>을 </a:t>
+            </a:r>
+            <a:r>
+              <a:rPr lang="ko-KR" altLang="en-US" sz="2500" dirty="0" smtClean="0"/>
+              <a:t>가질 경우  참으로 평가</a:t>
+            </a:r>
+            <a:endParaRPr lang="en-US" altLang="ko-KR" sz="2500" dirty="0" smtClean="0"/>
+          </a:p>
+          <a:p>
+            <a:r>
+              <a:rPr lang="ko-KR" altLang="en-US" sz="2500" dirty="0" smtClean="0"/>
+              <a:t>사전의 경우</a:t>
+            </a:r>
+            <a:r>
+              <a:rPr lang="en-US" altLang="ko-KR" sz="2500" dirty="0" smtClean="0"/>
+              <a:t>, </a:t>
+            </a:r>
+            <a:r>
+              <a:rPr lang="en-US" altLang="ko-KR" sz="2500" dirty="0" err="1" smtClean="0"/>
+              <a:t>x,y</a:t>
+            </a:r>
+            <a:r>
+              <a:rPr lang="ko-KR" altLang="en-US" sz="2500" dirty="0" smtClean="0"/>
+              <a:t>가 동일한 키를 </a:t>
+            </a:r>
+            <a:r>
               <a:rPr lang="ko-KR" altLang="en-US" sz="2500" smtClean="0"/>
-              <a:t>동등 연산자</a:t>
-            </a:r>
-            <a:r>
-              <a:rPr lang="en-US" altLang="ko-KR" sz="2500" smtClean="0"/>
-              <a:t>(x==y)</a:t>
+              <a:t>가진 </a:t>
             </a:r>
             <a:r>
               <a:rPr lang="ko-KR" altLang="en-US" sz="2500" smtClean="0"/>
-              <a:t>는 </a:t>
-            </a:r>
-            <a:r>
-              <a:rPr lang="en-US" altLang="ko-KR" sz="2500" smtClean="0"/>
-              <a:t>x</a:t>
+              <a:t>객</a:t>
             </a:r>
             <a:r>
               <a:rPr lang="ko-KR" altLang="en-US" sz="2500" smtClean="0"/>
-              <a:t>의 값과 </a:t>
-            </a:r>
-            <a:r>
-              <a:rPr lang="en-US" altLang="ko-KR" sz="2500" smtClean="0"/>
-              <a:t>y</a:t>
+              <a:t>체</a:t>
             </a:r>
             <a:r>
               <a:rPr lang="ko-KR" altLang="en-US" sz="2500" smtClean="0"/>
-              <a:t>값이 같은지 평가</a:t>
-            </a:r>
-            <a:r>
-              <a:rPr lang="en-US" altLang="ko-KR" sz="2500" smtClean="0"/>
-              <a:t>.</a:t>
-            </a:r>
-          </a:p>
-          <a:p>
-            <a:r>
-              <a:rPr lang="ko-KR" altLang="en-US" sz="2500" smtClean="0"/>
-              <a:t>리스트와 튜플의 경우</a:t>
-            </a:r>
-            <a:r>
-              <a:rPr lang="en-US" altLang="ko-KR" sz="2500" smtClean="0"/>
-              <a:t>, </a:t>
-            </a:r>
-            <a:r>
-              <a:rPr lang="ko-KR" altLang="en-US" sz="2500" smtClean="0"/>
-              <a:t>모든 원소들이 비교되고 모두 같은 갑을 가질 경우  참으로 평가</a:t>
-            </a:r>
-            <a:endParaRPr lang="en-US" altLang="ko-KR" sz="2500" smtClean="0"/>
-          </a:p>
-          <a:p>
-            <a:r>
-              <a:rPr lang="ko-KR" altLang="en-US" sz="2500" smtClean="0"/>
-              <a:t>사전의 경우</a:t>
-            </a:r>
-            <a:r>
-              <a:rPr lang="en-US" altLang="ko-KR" sz="2500" smtClean="0"/>
-              <a:t>, x,y</a:t>
-            </a:r>
-            <a:r>
-              <a:rPr lang="ko-KR" altLang="en-US" sz="2500" smtClean="0"/>
-              <a:t>가 동일한 키를 가진 객채들이 모두 같을 때만 평가</a:t>
+              <a:t>들이 </a:t>
+            </a:r>
+            <a:r>
+              <a:rPr lang="ko-KR" altLang="en-US" sz="2500" dirty="0" smtClean="0"/>
+              <a:t>모두 같을 때만 평가</a:t>
             </a:r>
             <a:endParaRPr lang="en-US" altLang="ko-KR" sz="2500" dirty="0" smtClean="0"/>
           </a:p>
@@ -15677,14 +16173,14 @@
                 <a:gridCol w="1412309">
                   <a:extLst>
                     <a:ext uri="{9D8B030D-6E8A-4147-A177-3AD203B41FA5}">
-                      <a16:colId xmlns:a16="http://schemas.microsoft.com/office/drawing/2014/main" val="1386639546"/>
+                      <a16:colId xmlns:a16="http://schemas.microsoft.com/office/drawing/2014/main" xmlns="" val="1386639546"/>
                     </a:ext>
                   </a:extLst>
                 </a:gridCol>
                 <a:gridCol w="2542155">
                   <a:extLst>
                     <a:ext uri="{9D8B030D-6E8A-4147-A177-3AD203B41FA5}">
-                      <a16:colId xmlns:a16="http://schemas.microsoft.com/office/drawing/2014/main" val="764089535"/>
+                      <a16:colId xmlns:a16="http://schemas.microsoft.com/office/drawing/2014/main" xmlns="" val="764089535"/>
                     </a:ext>
                   </a:extLst>
                 </a:gridCol>
@@ -15722,7 +16218,7 @@
                 </a:tc>
                 <a:extLst>
                   <a:ext uri="{0D108BD9-81ED-4DB2-BD59-A6C34878D82A}">
-                    <a16:rowId xmlns:a16="http://schemas.microsoft.com/office/drawing/2014/main" val="4249704829"/>
+                    <a16:rowId xmlns:a16="http://schemas.microsoft.com/office/drawing/2014/main" xmlns="" val="4249704829"/>
                   </a:ext>
                 </a:extLst>
               </a:tr>
@@ -15759,7 +16255,7 @@
                 </a:tc>
                 <a:extLst>
                   <a:ext uri="{0D108BD9-81ED-4DB2-BD59-A6C34878D82A}">
-                    <a16:rowId xmlns:a16="http://schemas.microsoft.com/office/drawing/2014/main" val="591895513"/>
+                    <a16:rowId xmlns:a16="http://schemas.microsoft.com/office/drawing/2014/main" xmlns="" val="591895513"/>
                   </a:ext>
                 </a:extLst>
               </a:tr>
@@ -15796,7 +16292,7 @@
                 </a:tc>
                 <a:extLst>
                   <a:ext uri="{0D108BD9-81ED-4DB2-BD59-A6C34878D82A}">
-                    <a16:rowId xmlns:a16="http://schemas.microsoft.com/office/drawing/2014/main" val="3434559938"/>
+                    <a16:rowId xmlns:a16="http://schemas.microsoft.com/office/drawing/2014/main" xmlns="" val="3434559938"/>
                   </a:ext>
                 </a:extLst>
               </a:tr>
@@ -15841,7 +16337,7 @@
                 </a:tc>
                 <a:extLst>
                   <a:ext uri="{0D108BD9-81ED-4DB2-BD59-A6C34878D82A}">
-                    <a16:rowId xmlns:a16="http://schemas.microsoft.com/office/drawing/2014/main" val="3137848657"/>
+                    <a16:rowId xmlns:a16="http://schemas.microsoft.com/office/drawing/2014/main" xmlns="" val="3137848657"/>
                   </a:ext>
                 </a:extLst>
               </a:tr>
@@ -15898,7 +16394,7 @@
                 </a:tc>
                 <a:extLst>
                   <a:ext uri="{0D108BD9-81ED-4DB2-BD59-A6C34878D82A}">
-                    <a16:rowId xmlns:a16="http://schemas.microsoft.com/office/drawing/2014/main" val="2346400574"/>
+                    <a16:rowId xmlns:a16="http://schemas.microsoft.com/office/drawing/2014/main" xmlns="" val="2346400574"/>
                   </a:ext>
                 </a:extLst>
               </a:tr>
@@ -15955,7 +16451,7 @@
                 </a:tc>
                 <a:extLst>
                   <a:ext uri="{0D108BD9-81ED-4DB2-BD59-A6C34878D82A}">
-                    <a16:rowId xmlns:a16="http://schemas.microsoft.com/office/drawing/2014/main" val="2422149737"/>
+                    <a16:rowId xmlns:a16="http://schemas.microsoft.com/office/drawing/2014/main" xmlns="" val="2422149737"/>
                   </a:ext>
                 </a:extLst>
               </a:tr>
@@ -16012,7 +16508,7 @@
                 </a:tc>
                 <a:extLst>
                   <a:ext uri="{0D108BD9-81ED-4DB2-BD59-A6C34878D82A}">
-                    <a16:rowId xmlns:a16="http://schemas.microsoft.com/office/drawing/2014/main" val="2740964221"/>
+                    <a16:rowId xmlns:a16="http://schemas.microsoft.com/office/drawing/2014/main" xmlns="" val="2740964221"/>
                   </a:ext>
                 </a:extLst>
               </a:tr>
@@ -16059,7 +16555,7 @@
           <a:lstStyle/>
           <a:p>
             <a:r>
-              <a:rPr lang="en-US" altLang="ko-KR" sz="1500" smtClean="0">
+              <a:rPr lang="en-US" altLang="ko-KR" sz="1500" dirty="0" smtClean="0">
                 <a:solidFill>
                   <a:schemeClr val="tx1"/>
                 </a:solidFill>
@@ -16071,7 +16567,7 @@
           </a:p>
           <a:p>
             <a:r>
-              <a:rPr lang="en-US" altLang="ko-KR" sz="1500" smtClean="0">
+              <a:rPr lang="en-US" altLang="ko-KR" sz="1500" dirty="0" smtClean="0">
                 <a:solidFill>
                   <a:schemeClr val="tx1"/>
                 </a:solidFill>
@@ -16082,46 +16578,6 @@
             </a:r>
           </a:p>
           <a:p>
-            <a:endParaRPr lang="en-US" altLang="ko-KR" sz="1500">
-              <a:solidFill>
-                <a:schemeClr val="tx1"/>
-              </a:solidFill>
-              <a:latin typeface="DejaVu Sans Mono" panose="020B0609030804020204" pitchFamily="49" charset="0"/>
-              <a:cs typeface="DejaVu Sans Mono" panose="020B0609030804020204" pitchFamily="49" charset="0"/>
-            </a:endParaRPr>
-          </a:p>
-          <a:p>
-            <a:r>
-              <a:rPr lang="en-US" altLang="ko-KR" sz="1500" smtClean="0">
-                <a:solidFill>
-                  <a:schemeClr val="tx1"/>
-                </a:solidFill>
-                <a:latin typeface="DejaVu Sans Mono" panose="020B0609030804020204" pitchFamily="49" charset="0"/>
-                <a:cs typeface="DejaVu Sans Mono" panose="020B0609030804020204" pitchFamily="49" charset="0"/>
-              </a:rPr>
-              <a:t>print(X&lt;&lt;y)</a:t>
-            </a:r>
-          </a:p>
-          <a:p>
-            <a:endParaRPr lang="en-US" altLang="ko-KR" sz="1500">
-              <a:solidFill>
-                <a:schemeClr val="tx1"/>
-              </a:solidFill>
-              <a:latin typeface="DejaVu Sans Mono" panose="020B0609030804020204" pitchFamily="49" charset="0"/>
-              <a:cs typeface="DejaVu Sans Mono" panose="020B0609030804020204" pitchFamily="49" charset="0"/>
-            </a:endParaRPr>
-          </a:p>
-          <a:p>
-            <a:r>
-              <a:rPr lang="en-US" altLang="ko-KR" sz="1500" smtClean="0">
-                <a:solidFill>
-                  <a:schemeClr val="tx1"/>
-                </a:solidFill>
-                <a:latin typeface="DejaVu Sans Mono" panose="020B0609030804020204" pitchFamily="49" charset="0"/>
-                <a:cs typeface="DejaVu Sans Mono" panose="020B0609030804020204" pitchFamily="49" charset="0"/>
-              </a:rPr>
-              <a:t>Y=3</a:t>
-            </a:r>
             <a:endParaRPr lang="en-US" altLang="ko-KR" sz="1500" dirty="0">
               <a:solidFill>
                 <a:schemeClr val="tx1"/>
@@ -16132,38 +16588,18 @@
           </a:p>
           <a:p>
             <a:r>
-              <a:rPr lang="en-US" altLang="ko-KR" sz="1500">
-                <a:solidFill>
-                  <a:schemeClr val="tx1"/>
-                </a:solidFill>
-                <a:latin typeface="DejaVu Sans Mono" panose="020B0609030804020204" pitchFamily="49" charset="0"/>
-                <a:cs typeface="DejaVu Sans Mono" panose="020B0609030804020204" pitchFamily="49" charset="0"/>
-              </a:rPr>
-              <a:t>print</a:t>
-            </a:r>
-            <a:r>
-              <a:rPr lang="en-US" altLang="ko-KR" sz="1500" smtClean="0">
-                <a:solidFill>
-                  <a:schemeClr val="tx1"/>
-                </a:solidFill>
-                <a:latin typeface="DejaVu Sans Mono" panose="020B0609030804020204" pitchFamily="49" charset="0"/>
-                <a:cs typeface="DejaVu Sans Mono" panose="020B0609030804020204" pitchFamily="49" charset="0"/>
-              </a:rPr>
-              <a:t>(X</a:t>
-            </a:r>
-            <a:r>
-              <a:rPr lang="en-US" altLang="ko-KR" sz="1500">
-                <a:solidFill>
-                  <a:schemeClr val="tx1"/>
-                </a:solidFill>
-                <a:latin typeface="DejaVu Sans Mono" panose="020B0609030804020204" pitchFamily="49" charset="0"/>
-                <a:cs typeface="DejaVu Sans Mono" panose="020B0609030804020204" pitchFamily="49" charset="0"/>
-              </a:rPr>
-              <a:t>&lt;&lt;y)</a:t>
-            </a:r>
-          </a:p>
-          <a:p>
-            <a:endParaRPr lang="en-US" altLang="ko-KR" sz="1500" smtClean="0">
+              <a:rPr lang="en-US" altLang="ko-KR" sz="1500" dirty="0" smtClean="0">
+                <a:solidFill>
+                  <a:schemeClr val="tx1"/>
+                </a:solidFill>
+                <a:latin typeface="DejaVu Sans Mono" panose="020B0609030804020204" pitchFamily="49" charset="0"/>
+                <a:cs typeface="DejaVu Sans Mono" panose="020B0609030804020204" pitchFamily="49" charset="0"/>
+              </a:rPr>
+              <a:t>print(X&lt;&lt;y)</a:t>
+            </a:r>
+          </a:p>
+          <a:p>
+            <a:endParaRPr lang="en-US" altLang="ko-KR" sz="1500" dirty="0">
               <a:solidFill>
                 <a:schemeClr val="tx1"/>
               </a:solidFill>
@@ -16172,7 +16608,67 @@
             </a:endParaRPr>
           </a:p>
           <a:p>
-            <a:endParaRPr lang="en-US" altLang="ko-KR" sz="1500">
+            <a:r>
+              <a:rPr lang="en-US" altLang="ko-KR" sz="1500" dirty="0" smtClean="0">
+                <a:solidFill>
+                  <a:schemeClr val="tx1"/>
+                </a:solidFill>
+                <a:latin typeface="DejaVu Sans Mono" panose="020B0609030804020204" pitchFamily="49" charset="0"/>
+                <a:cs typeface="DejaVu Sans Mono" panose="020B0609030804020204" pitchFamily="49" charset="0"/>
+              </a:rPr>
+              <a:t>Y=3</a:t>
+            </a:r>
+            <a:endParaRPr lang="en-US" altLang="ko-KR" sz="1500" dirty="0">
+              <a:solidFill>
+                <a:schemeClr val="tx1"/>
+              </a:solidFill>
+              <a:latin typeface="DejaVu Sans Mono" panose="020B0609030804020204" pitchFamily="49" charset="0"/>
+              <a:cs typeface="DejaVu Sans Mono" panose="020B0609030804020204" pitchFamily="49" charset="0"/>
+            </a:endParaRPr>
+          </a:p>
+          <a:p>
+            <a:r>
+              <a:rPr lang="en-US" altLang="ko-KR" sz="1500" dirty="0">
+                <a:solidFill>
+                  <a:schemeClr val="tx1"/>
+                </a:solidFill>
+                <a:latin typeface="DejaVu Sans Mono" panose="020B0609030804020204" pitchFamily="49" charset="0"/>
+                <a:cs typeface="DejaVu Sans Mono" panose="020B0609030804020204" pitchFamily="49" charset="0"/>
+              </a:rPr>
+              <a:t>print</a:t>
+            </a:r>
+            <a:r>
+              <a:rPr lang="en-US" altLang="ko-KR" sz="1500" dirty="0" smtClean="0">
+                <a:solidFill>
+                  <a:schemeClr val="tx1"/>
+                </a:solidFill>
+                <a:latin typeface="DejaVu Sans Mono" panose="020B0609030804020204" pitchFamily="49" charset="0"/>
+                <a:cs typeface="DejaVu Sans Mono" panose="020B0609030804020204" pitchFamily="49" charset="0"/>
+              </a:rPr>
+              <a:t>(X</a:t>
+            </a:r>
+            <a:r>
+              <a:rPr lang="en-US" altLang="ko-KR" sz="1500" dirty="0">
+                <a:solidFill>
+                  <a:schemeClr val="tx1"/>
+                </a:solidFill>
+                <a:latin typeface="DejaVu Sans Mono" panose="020B0609030804020204" pitchFamily="49" charset="0"/>
+                <a:cs typeface="DejaVu Sans Mono" panose="020B0609030804020204" pitchFamily="49" charset="0"/>
+              </a:rPr>
+              <a:t>&lt;&lt;y)</a:t>
+            </a:r>
+          </a:p>
+          <a:p>
+            <a:endParaRPr lang="en-US" altLang="ko-KR" sz="1500" dirty="0" smtClean="0">
+              <a:solidFill>
+                <a:schemeClr val="tx1"/>
+              </a:solidFill>
+              <a:latin typeface="DejaVu Sans Mono" panose="020B0609030804020204" pitchFamily="49" charset="0"/>
+              <a:cs typeface="DejaVu Sans Mono" panose="020B0609030804020204" pitchFamily="49" charset="0"/>
+            </a:endParaRPr>
+          </a:p>
+          <a:p>
+            <a:endParaRPr lang="en-US" altLang="ko-KR" sz="1500" dirty="0">
               <a:solidFill>
                 <a:schemeClr val="tx1"/>
               </a:solidFill>
@@ -16710,7 +17206,7 @@
           <a:lstStyle/>
           <a:p>
             <a:r>
-              <a:rPr lang="en-US" altLang="ko-KR" sz="1500" smtClean="0">
+              <a:rPr lang="en-US" altLang="ko-KR" sz="1500" dirty="0" smtClean="0">
                 <a:solidFill>
                   <a:schemeClr val="tx1"/>
                 </a:solidFill>
@@ -16722,7 +17218,7 @@
           </a:p>
           <a:p>
             <a:r>
-              <a:rPr lang="en-US" altLang="ko-KR" sz="1500" smtClean="0">
+              <a:rPr lang="en-US" altLang="ko-KR" sz="1500" dirty="0" smtClean="0">
                 <a:solidFill>
                   <a:schemeClr val="tx1"/>
                 </a:solidFill>
@@ -16733,56 +17229,6 @@
             </a:r>
           </a:p>
           <a:p>
-            <a:endParaRPr lang="en-US" altLang="ko-KR" sz="1500">
-              <a:solidFill>
-                <a:schemeClr val="tx1"/>
-              </a:solidFill>
-              <a:latin typeface="DejaVu Sans Mono" panose="020B0609030804020204" pitchFamily="49" charset="0"/>
-              <a:cs typeface="DejaVu Sans Mono" panose="020B0609030804020204" pitchFamily="49" charset="0"/>
-            </a:endParaRPr>
-          </a:p>
-          <a:p>
-            <a:r>
-              <a:rPr lang="en-US" altLang="ko-KR" sz="1500">
-                <a:solidFill>
-                  <a:schemeClr val="tx1"/>
-                </a:solidFill>
-                <a:latin typeface="DejaVu Sans Mono" panose="020B0609030804020204" pitchFamily="49" charset="0"/>
-                <a:cs typeface="DejaVu Sans Mono" panose="020B0609030804020204" pitchFamily="49" charset="0"/>
-              </a:rPr>
-              <a:t>print</a:t>
-            </a:r>
-            <a:r>
-              <a:rPr lang="en-US" altLang="ko-KR" sz="1500" smtClean="0">
-                <a:solidFill>
-                  <a:schemeClr val="tx1"/>
-                </a:solidFill>
-                <a:latin typeface="DejaVu Sans Mono" panose="020B0609030804020204" pitchFamily="49" charset="0"/>
-                <a:cs typeface="DejaVu Sans Mono" panose="020B0609030804020204" pitchFamily="49" charset="0"/>
-              </a:rPr>
-              <a:t>(X&lt;&lt;y)</a:t>
-            </a:r>
-          </a:p>
-          <a:p>
-            <a:endParaRPr lang="en-US" altLang="ko-KR" sz="1500">
-              <a:solidFill>
-                <a:schemeClr val="tx1"/>
-              </a:solidFill>
-              <a:latin typeface="DejaVu Sans Mono" panose="020B0609030804020204" pitchFamily="49" charset="0"/>
-              <a:cs typeface="DejaVu Sans Mono" panose="020B0609030804020204" pitchFamily="49" charset="0"/>
-            </a:endParaRPr>
-          </a:p>
-          <a:p>
-            <a:r>
-              <a:rPr lang="en-US" altLang="ko-KR" sz="1500" smtClean="0">
-                <a:solidFill>
-                  <a:schemeClr val="tx1"/>
-                </a:solidFill>
-                <a:latin typeface="DejaVu Sans Mono" panose="020B0609030804020204" pitchFamily="49" charset="0"/>
-                <a:cs typeface="DejaVu Sans Mono" panose="020B0609030804020204" pitchFamily="49" charset="0"/>
-              </a:rPr>
-              <a:t>Y=3</a:t>
-            </a:r>
             <a:endParaRPr lang="en-US" altLang="ko-KR" sz="1500" dirty="0">
               <a:solidFill>
                 <a:schemeClr val="tx1"/>
@@ -16793,7 +17239,7 @@
           </a:p>
           <a:p>
             <a:r>
-              <a:rPr lang="en-US" altLang="ko-KR" sz="1500">
+              <a:rPr lang="en-US" altLang="ko-KR" sz="1500" dirty="0">
                 <a:solidFill>
                   <a:schemeClr val="tx1"/>
                 </a:solidFill>
@@ -16803,28 +17249,18 @@
               <a:t>print</a:t>
             </a:r>
             <a:r>
-              <a:rPr lang="en-US" altLang="ko-KR" sz="1500" smtClean="0">
-                <a:solidFill>
-                  <a:schemeClr val="tx1"/>
-                </a:solidFill>
-                <a:latin typeface="DejaVu Sans Mono" panose="020B0609030804020204" pitchFamily="49" charset="0"/>
-                <a:cs typeface="DejaVu Sans Mono" panose="020B0609030804020204" pitchFamily="49" charset="0"/>
-              </a:rPr>
-              <a:t>(X</a:t>
-            </a:r>
-            <a:r>
-              <a:rPr lang="en-US" altLang="ko-KR" sz="1500">
-                <a:solidFill>
-                  <a:schemeClr val="tx1"/>
-                </a:solidFill>
-                <a:latin typeface="DejaVu Sans Mono" panose="020B0609030804020204" pitchFamily="49" charset="0"/>
-                <a:cs typeface="DejaVu Sans Mono" panose="020B0609030804020204" pitchFamily="49" charset="0"/>
-              </a:rPr>
-              <a:t>&lt;&lt;y)</a:t>
-            </a:r>
-          </a:p>
-          <a:p>
-            <a:endParaRPr lang="en-US" altLang="ko-KR" sz="1500" smtClean="0">
+              <a:rPr lang="en-US" altLang="ko-KR" sz="1500" dirty="0" smtClean="0">
+                <a:solidFill>
+                  <a:schemeClr val="tx1"/>
+                </a:solidFill>
+                <a:latin typeface="DejaVu Sans Mono" panose="020B0609030804020204" pitchFamily="49" charset="0"/>
+                <a:cs typeface="DejaVu Sans Mono" panose="020B0609030804020204" pitchFamily="49" charset="0"/>
+              </a:rPr>
+              <a:t>(X&lt;&lt;y)</a:t>
+            </a:r>
+          </a:p>
+          <a:p>
+            <a:endParaRPr lang="en-US" altLang="ko-KR" sz="1500" dirty="0">
               <a:solidFill>
                 <a:schemeClr val="tx1"/>
               </a:solidFill>
@@ -16833,7 +17269,67 @@
             </a:endParaRPr>
           </a:p>
           <a:p>
-            <a:endParaRPr lang="en-US" altLang="ko-KR" sz="1500">
+            <a:r>
+              <a:rPr lang="en-US" altLang="ko-KR" sz="1500" dirty="0" smtClean="0">
+                <a:solidFill>
+                  <a:schemeClr val="tx1"/>
+                </a:solidFill>
+                <a:latin typeface="DejaVu Sans Mono" panose="020B0609030804020204" pitchFamily="49" charset="0"/>
+                <a:cs typeface="DejaVu Sans Mono" panose="020B0609030804020204" pitchFamily="49" charset="0"/>
+              </a:rPr>
+              <a:t>Y=3</a:t>
+            </a:r>
+            <a:endParaRPr lang="en-US" altLang="ko-KR" sz="1500" dirty="0">
+              <a:solidFill>
+                <a:schemeClr val="tx1"/>
+              </a:solidFill>
+              <a:latin typeface="DejaVu Sans Mono" panose="020B0609030804020204" pitchFamily="49" charset="0"/>
+              <a:cs typeface="DejaVu Sans Mono" panose="020B0609030804020204" pitchFamily="49" charset="0"/>
+            </a:endParaRPr>
+          </a:p>
+          <a:p>
+            <a:r>
+              <a:rPr lang="en-US" altLang="ko-KR" sz="1500" dirty="0">
+                <a:solidFill>
+                  <a:schemeClr val="tx1"/>
+                </a:solidFill>
+                <a:latin typeface="DejaVu Sans Mono" panose="020B0609030804020204" pitchFamily="49" charset="0"/>
+                <a:cs typeface="DejaVu Sans Mono" panose="020B0609030804020204" pitchFamily="49" charset="0"/>
+              </a:rPr>
+              <a:t>print</a:t>
+            </a:r>
+            <a:r>
+              <a:rPr lang="en-US" altLang="ko-KR" sz="1500" dirty="0" smtClean="0">
+                <a:solidFill>
+                  <a:schemeClr val="tx1"/>
+                </a:solidFill>
+                <a:latin typeface="DejaVu Sans Mono" panose="020B0609030804020204" pitchFamily="49" charset="0"/>
+                <a:cs typeface="DejaVu Sans Mono" panose="020B0609030804020204" pitchFamily="49" charset="0"/>
+              </a:rPr>
+              <a:t>(X</a:t>
+            </a:r>
+            <a:r>
+              <a:rPr lang="en-US" altLang="ko-KR" sz="1500" dirty="0">
+                <a:solidFill>
+                  <a:schemeClr val="tx1"/>
+                </a:solidFill>
+                <a:latin typeface="DejaVu Sans Mono" panose="020B0609030804020204" pitchFamily="49" charset="0"/>
+                <a:cs typeface="DejaVu Sans Mono" panose="020B0609030804020204" pitchFamily="49" charset="0"/>
+              </a:rPr>
+              <a:t>&lt;&lt;y)</a:t>
+            </a:r>
+          </a:p>
+          <a:p>
+            <a:endParaRPr lang="en-US" altLang="ko-KR" sz="1500" dirty="0" smtClean="0">
+              <a:solidFill>
+                <a:schemeClr val="tx1"/>
+              </a:solidFill>
+              <a:latin typeface="DejaVu Sans Mono" panose="020B0609030804020204" pitchFamily="49" charset="0"/>
+              <a:cs typeface="DejaVu Sans Mono" panose="020B0609030804020204" pitchFamily="49" charset="0"/>
+            </a:endParaRPr>
+          </a:p>
+          <a:p>
+            <a:endParaRPr lang="en-US" altLang="ko-KR" sz="1500" dirty="0">
               <a:solidFill>
                 <a:schemeClr val="tx1"/>
               </a:solidFill>
@@ -16882,7 +17378,7 @@
           <a:lstStyle/>
           <a:p>
             <a:r>
-              <a:rPr lang="en-US" altLang="ko-KR" sz="1500" smtClean="0">
+              <a:rPr lang="en-US" altLang="ko-KR" sz="1500" dirty="0" smtClean="0">
                 <a:solidFill>
                   <a:schemeClr val="tx1"/>
                 </a:solidFill>
@@ -16894,7 +17390,7 @@
           </a:p>
           <a:p>
             <a:r>
-              <a:rPr lang="en-US" altLang="ko-KR" sz="1500" smtClean="0">
+              <a:rPr lang="en-US" altLang="ko-KR" sz="1500" dirty="0" smtClean="0">
                 <a:solidFill>
                   <a:schemeClr val="tx1"/>
                 </a:solidFill>
@@ -16905,56 +17401,6 @@
             </a:r>
           </a:p>
           <a:p>
-            <a:endParaRPr lang="en-US" altLang="ko-KR" sz="1500">
-              <a:solidFill>
-                <a:schemeClr val="tx1"/>
-              </a:solidFill>
-              <a:latin typeface="DejaVu Sans Mono" panose="020B0609030804020204" pitchFamily="49" charset="0"/>
-              <a:cs typeface="DejaVu Sans Mono" panose="020B0609030804020204" pitchFamily="49" charset="0"/>
-            </a:endParaRPr>
-          </a:p>
-          <a:p>
-            <a:r>
-              <a:rPr lang="en-US" altLang="ko-KR" sz="1500">
-                <a:solidFill>
-                  <a:schemeClr val="tx1"/>
-                </a:solidFill>
-                <a:latin typeface="DejaVu Sans Mono" panose="020B0609030804020204" pitchFamily="49" charset="0"/>
-                <a:cs typeface="DejaVu Sans Mono" panose="020B0609030804020204" pitchFamily="49" charset="0"/>
-              </a:rPr>
-              <a:t>print</a:t>
-            </a:r>
-            <a:r>
-              <a:rPr lang="en-US" altLang="ko-KR" sz="1500" smtClean="0">
-                <a:solidFill>
-                  <a:schemeClr val="tx1"/>
-                </a:solidFill>
-                <a:latin typeface="DejaVu Sans Mono" panose="020B0609030804020204" pitchFamily="49" charset="0"/>
-                <a:cs typeface="DejaVu Sans Mono" panose="020B0609030804020204" pitchFamily="49" charset="0"/>
-              </a:rPr>
-              <a:t>(X&amp;y)</a:t>
-            </a:r>
-          </a:p>
-          <a:p>
-            <a:endParaRPr lang="en-US" altLang="ko-KR" sz="1500">
-              <a:solidFill>
-                <a:schemeClr val="tx1"/>
-              </a:solidFill>
-              <a:latin typeface="DejaVu Sans Mono" panose="020B0609030804020204" pitchFamily="49" charset="0"/>
-              <a:cs typeface="DejaVu Sans Mono" panose="020B0609030804020204" pitchFamily="49" charset="0"/>
-            </a:endParaRPr>
-          </a:p>
-          <a:p>
-            <a:r>
-              <a:rPr lang="en-US" altLang="ko-KR" sz="1500" smtClean="0">
-                <a:solidFill>
-                  <a:schemeClr val="tx1"/>
-                </a:solidFill>
-                <a:latin typeface="DejaVu Sans Mono" panose="020B0609030804020204" pitchFamily="49" charset="0"/>
-                <a:cs typeface="DejaVu Sans Mono" panose="020B0609030804020204" pitchFamily="49" charset="0"/>
-              </a:rPr>
-              <a:t>Y=11</a:t>
-            </a:r>
             <a:endParaRPr lang="en-US" altLang="ko-KR" sz="1500" dirty="0">
               <a:solidFill>
                 <a:schemeClr val="tx1"/>
@@ -16965,7 +17411,7 @@
           </a:p>
           <a:p>
             <a:r>
-              <a:rPr lang="en-US" altLang="ko-KR" sz="1500">
+              <a:rPr lang="en-US" altLang="ko-KR" sz="1500" dirty="0">
                 <a:solidFill>
                   <a:schemeClr val="tx1"/>
                 </a:solidFill>
@@ -16975,17 +17421,27 @@
               <a:t>print</a:t>
             </a:r>
             <a:r>
-              <a:rPr lang="en-US" altLang="ko-KR" sz="1500" smtClean="0">
-                <a:solidFill>
-                  <a:schemeClr val="tx1"/>
-                </a:solidFill>
-                <a:latin typeface="DejaVu Sans Mono" panose="020B0609030804020204" pitchFamily="49" charset="0"/>
-                <a:cs typeface="DejaVu Sans Mono" panose="020B0609030804020204" pitchFamily="49" charset="0"/>
-              </a:rPr>
-              <a:t>(X&amp;y</a:t>
-            </a:r>
-            <a:r>
-              <a:rPr lang="en-US" altLang="ko-KR" sz="1500">
+              <a:rPr lang="en-US" altLang="ko-KR" sz="1500" dirty="0" smtClean="0">
+                <a:solidFill>
+                  <a:schemeClr val="tx1"/>
+                </a:solidFill>
+                <a:latin typeface="DejaVu Sans Mono" panose="020B0609030804020204" pitchFamily="49" charset="0"/>
+                <a:cs typeface="DejaVu Sans Mono" panose="020B0609030804020204" pitchFamily="49" charset="0"/>
+              </a:rPr>
+              <a:t>(</a:t>
+            </a:r>
+            <a:r>
+              <a:rPr lang="en-US" altLang="ko-KR" sz="1500" dirty="0" err="1" smtClean="0">
+                <a:solidFill>
+                  <a:schemeClr val="tx1"/>
+                </a:solidFill>
+                <a:latin typeface="DejaVu Sans Mono" panose="020B0609030804020204" pitchFamily="49" charset="0"/>
+                <a:cs typeface="DejaVu Sans Mono" panose="020B0609030804020204" pitchFamily="49" charset="0"/>
+              </a:rPr>
+              <a:t>X&amp;y</a:t>
+            </a:r>
+            <a:r>
+              <a:rPr lang="en-US" altLang="ko-KR" sz="1500" dirty="0" smtClean="0">
                 <a:solidFill>
                   <a:schemeClr val="tx1"/>
                 </a:solidFill>
@@ -16996,7 +17452,7 @@
             </a:r>
           </a:p>
           <a:p>
-            <a:endParaRPr lang="en-US" altLang="ko-KR" sz="1500" smtClean="0">
+            <a:endParaRPr lang="en-US" altLang="ko-KR" sz="1500" dirty="0">
               <a:solidFill>
                 <a:schemeClr val="tx1"/>
               </a:solidFill>
@@ -17005,7 +17461,77 @@
             </a:endParaRPr>
           </a:p>
           <a:p>
-            <a:endParaRPr lang="en-US" altLang="ko-KR" sz="1500">
+            <a:r>
+              <a:rPr lang="en-US" altLang="ko-KR" sz="1500" dirty="0" smtClean="0">
+                <a:solidFill>
+                  <a:schemeClr val="tx1"/>
+                </a:solidFill>
+                <a:latin typeface="DejaVu Sans Mono" panose="020B0609030804020204" pitchFamily="49" charset="0"/>
+                <a:cs typeface="DejaVu Sans Mono" panose="020B0609030804020204" pitchFamily="49" charset="0"/>
+              </a:rPr>
+              <a:t>Y=11</a:t>
+            </a:r>
+            <a:endParaRPr lang="en-US" altLang="ko-KR" sz="1500" dirty="0">
+              <a:solidFill>
+                <a:schemeClr val="tx1"/>
+              </a:solidFill>
+              <a:latin typeface="DejaVu Sans Mono" panose="020B0609030804020204" pitchFamily="49" charset="0"/>
+              <a:cs typeface="DejaVu Sans Mono" panose="020B0609030804020204" pitchFamily="49" charset="0"/>
+            </a:endParaRPr>
+          </a:p>
+          <a:p>
+            <a:r>
+              <a:rPr lang="en-US" altLang="ko-KR" sz="1500" dirty="0">
+                <a:solidFill>
+                  <a:schemeClr val="tx1"/>
+                </a:solidFill>
+                <a:latin typeface="DejaVu Sans Mono" panose="020B0609030804020204" pitchFamily="49" charset="0"/>
+                <a:cs typeface="DejaVu Sans Mono" panose="020B0609030804020204" pitchFamily="49" charset="0"/>
+              </a:rPr>
+              <a:t>print</a:t>
+            </a:r>
+            <a:r>
+              <a:rPr lang="en-US" altLang="ko-KR" sz="1500" dirty="0" smtClean="0">
+                <a:solidFill>
+                  <a:schemeClr val="tx1"/>
+                </a:solidFill>
+                <a:latin typeface="DejaVu Sans Mono" panose="020B0609030804020204" pitchFamily="49" charset="0"/>
+                <a:cs typeface="DejaVu Sans Mono" panose="020B0609030804020204" pitchFamily="49" charset="0"/>
+              </a:rPr>
+              <a:t>(</a:t>
+            </a:r>
+            <a:r>
+              <a:rPr lang="en-US" altLang="ko-KR" sz="1500" dirty="0" err="1" smtClean="0">
+                <a:solidFill>
+                  <a:schemeClr val="tx1"/>
+                </a:solidFill>
+                <a:latin typeface="DejaVu Sans Mono" panose="020B0609030804020204" pitchFamily="49" charset="0"/>
+                <a:cs typeface="DejaVu Sans Mono" panose="020B0609030804020204" pitchFamily="49" charset="0"/>
+              </a:rPr>
+              <a:t>X&amp;y</a:t>
+            </a:r>
+            <a:r>
+              <a:rPr lang="en-US" altLang="ko-KR" sz="1500" dirty="0">
+                <a:solidFill>
+                  <a:schemeClr val="tx1"/>
+                </a:solidFill>
+                <a:latin typeface="DejaVu Sans Mono" panose="020B0609030804020204" pitchFamily="49" charset="0"/>
+                <a:cs typeface="DejaVu Sans Mono" panose="020B0609030804020204" pitchFamily="49" charset="0"/>
+              </a:rPr>
+              <a:t>)</a:t>
+            </a:r>
+          </a:p>
+          <a:p>
+            <a:endParaRPr lang="en-US" altLang="ko-KR" sz="1500" dirty="0" smtClean="0">
+              <a:solidFill>
+                <a:schemeClr val="tx1"/>
+              </a:solidFill>
+              <a:latin typeface="DejaVu Sans Mono" panose="020B0609030804020204" pitchFamily="49" charset="0"/>
+              <a:cs typeface="DejaVu Sans Mono" panose="020B0609030804020204" pitchFamily="49" charset="0"/>
+            </a:endParaRPr>
+          </a:p>
+          <a:p>
+            <a:endParaRPr lang="en-US" altLang="ko-KR" sz="1500" dirty="0">
               <a:solidFill>
                 <a:schemeClr val="tx1"/>
               </a:solidFill>
@@ -17126,14 +17652,14 @@
                 <a:gridCol w="2153334">
                   <a:extLst>
                     <a:ext uri="{9D8B030D-6E8A-4147-A177-3AD203B41FA5}">
-                      <a16:colId xmlns:a16="http://schemas.microsoft.com/office/drawing/2014/main" val="1386639546"/>
+                      <a16:colId xmlns:a16="http://schemas.microsoft.com/office/drawing/2014/main" xmlns="" val="1386639546"/>
                     </a:ext>
                   </a:extLst>
                 </a:gridCol>
                 <a:gridCol w="3202895">
                   <a:extLst>
                     <a:ext uri="{9D8B030D-6E8A-4147-A177-3AD203B41FA5}">
-                      <a16:colId xmlns:a16="http://schemas.microsoft.com/office/drawing/2014/main" val="764089535"/>
+                      <a16:colId xmlns:a16="http://schemas.microsoft.com/office/drawing/2014/main" xmlns="" val="764089535"/>
                     </a:ext>
                   </a:extLst>
                 </a:gridCol>
@@ -17171,7 +17697,7 @@
                 </a:tc>
                 <a:extLst>
                   <a:ext uri="{0D108BD9-81ED-4DB2-BD59-A6C34878D82A}">
-                    <a16:rowId xmlns:a16="http://schemas.microsoft.com/office/drawing/2014/main" val="4249704829"/>
+                    <a16:rowId xmlns:a16="http://schemas.microsoft.com/office/drawing/2014/main" xmlns="" val="4249704829"/>
                   </a:ext>
                 </a:extLst>
               </a:tr>
@@ -17208,7 +17734,7 @@
                 </a:tc>
                 <a:extLst>
                   <a:ext uri="{0D108BD9-81ED-4DB2-BD59-A6C34878D82A}">
-                    <a16:rowId xmlns:a16="http://schemas.microsoft.com/office/drawing/2014/main" val="591895513"/>
+                    <a16:rowId xmlns:a16="http://schemas.microsoft.com/office/drawing/2014/main" xmlns="" val="591895513"/>
                   </a:ext>
                 </a:extLst>
               </a:tr>
@@ -17235,21 +17761,29 @@
                     <a:p>
                       <a:pPr algn="ctr" latinLnBrk="1"/>
                       <a:r>
-                        <a:rPr lang="en-US" altLang="ko-KR" smtClean="0"/>
-                        <a:t>(x//y, x%y)</a:t>
-                      </a:r>
-                      <a:r>
-                        <a:rPr lang="ko-KR" altLang="en-US" smtClean="0"/>
+                        <a:rPr lang="en-US" altLang="ko-KR" dirty="0" smtClean="0"/>
+                        <a:t>(x//y, </a:t>
+                      </a:r>
+                      <a:r>
+                        <a:rPr lang="en-US" altLang="ko-KR" dirty="0" err="1" smtClean="0"/>
+                        <a:t>x%y</a:t>
+                      </a:r>
+                      <a:r>
+                        <a:rPr lang="en-US" altLang="ko-KR" dirty="0" smtClean="0"/>
+                        <a:t>)</a:t>
+                      </a:r>
+                      <a:r>
+                        <a:rPr lang="ko-KR" altLang="en-US" dirty="0" smtClean="0"/>
                         <a:t>를 반환</a:t>
                       </a:r>
-                      <a:endParaRPr lang="ko-KR" altLang="en-US"/>
+                      <a:endParaRPr lang="ko-KR" altLang="en-US" dirty="0"/>
                     </a:p>
                   </a:txBody>
                   <a:tcPr/>
                 </a:tc>
                 <a:extLst>
                   <a:ext uri="{0D108BD9-81ED-4DB2-BD59-A6C34878D82A}">
-                    <a16:rowId xmlns:a16="http://schemas.microsoft.com/office/drawing/2014/main" val="3434559938"/>
+                    <a16:rowId xmlns:a16="http://schemas.microsoft.com/office/drawing/2014/main" xmlns="" val="3434559938"/>
                   </a:ext>
                 </a:extLst>
               </a:tr>
@@ -17276,21 +17810,21 @@
                     <a:p>
                       <a:pPr algn="ctr" latinLnBrk="1"/>
                       <a:r>
-                        <a:rPr lang="en-US" altLang="ko-KR" smtClean="0"/>
+                        <a:rPr lang="en-US" altLang="ko-KR" dirty="0" smtClean="0"/>
                         <a:t>(x**y) % modulo</a:t>
                       </a:r>
                       <a:r>
-                        <a:rPr lang="ko-KR" altLang="en-US" smtClean="0"/>
+                        <a:rPr lang="ko-KR" altLang="en-US" dirty="0" smtClean="0"/>
                         <a:t>를 반환</a:t>
                       </a:r>
-                      <a:endParaRPr lang="ko-KR" altLang="en-US"/>
+                      <a:endParaRPr lang="ko-KR" altLang="en-US" dirty="0"/>
                     </a:p>
                   </a:txBody>
                   <a:tcPr/>
                 </a:tc>
                 <a:extLst>
                   <a:ext uri="{0D108BD9-81ED-4DB2-BD59-A6C34878D82A}">
-                    <a16:rowId xmlns:a16="http://schemas.microsoft.com/office/drawing/2014/main" val="3137848657"/>
+                    <a16:rowId xmlns:a16="http://schemas.microsoft.com/office/drawing/2014/main" xmlns="" val="3137848657"/>
                   </a:ext>
                 </a:extLst>
               </a:tr>
@@ -17333,21 +17867,21 @@
                     <a:p>
                       <a:pPr algn="ctr" latinLnBrk="1"/>
                       <a:r>
-                        <a:rPr lang="en-US" altLang="ko-KR" smtClean="0"/>
+                        <a:rPr lang="en-US" altLang="ko-KR" dirty="0" smtClean="0"/>
                         <a:t>10</a:t>
                       </a:r>
                       <a:r>
-                        <a:rPr lang="en-US" altLang="ko-KR" baseline="30000" smtClean="0"/>
+                        <a:rPr lang="en-US" altLang="ko-KR" baseline="30000" dirty="0" smtClean="0"/>
                         <a:t>-n</a:t>
                       </a:r>
-                      <a:endParaRPr lang="ko-KR" altLang="en-US" baseline="30000"/>
+                      <a:endParaRPr lang="ko-KR" altLang="en-US" baseline="30000" dirty="0"/>
                     </a:p>
                   </a:txBody>
                   <a:tcPr/>
                 </a:tc>
                 <a:extLst>
                   <a:ext uri="{0D108BD9-81ED-4DB2-BD59-A6C34878D82A}">
-                    <a16:rowId xmlns:a16="http://schemas.microsoft.com/office/drawing/2014/main" val="2346400574"/>
+                    <a16:rowId xmlns:a16="http://schemas.microsoft.com/office/drawing/2014/main" xmlns="" val="2346400574"/>
                   </a:ext>
                 </a:extLst>
               </a:tr>
@@ -17394,7 +17928,7 @@
           <a:lstStyle/>
           <a:p>
             <a:r>
-              <a:rPr lang="en-US" altLang="ko-KR" sz="1500" smtClean="0">
+              <a:rPr lang="en-US" altLang="ko-KR" sz="1500" dirty="0" smtClean="0">
                 <a:solidFill>
                   <a:schemeClr val="tx1"/>
                 </a:solidFill>
@@ -17406,7 +17940,7 @@
           </a:p>
           <a:p>
             <a:r>
-              <a:rPr lang="en-US" altLang="ko-KR" sz="1500" smtClean="0">
+              <a:rPr lang="en-US" altLang="ko-KR" sz="1500" dirty="0" smtClean="0">
                 <a:solidFill>
                   <a:schemeClr val="tx1"/>
                 </a:solidFill>
@@ -17417,25 +17951,6 @@
             </a:r>
           </a:p>
           <a:p>
-            <a:endParaRPr lang="en-US" altLang="ko-KR" sz="1500">
-              <a:solidFill>
-                <a:schemeClr val="tx1"/>
-              </a:solidFill>
-              <a:latin typeface="DejaVu Sans Mono" panose="020B0609030804020204" pitchFamily="49" charset="0"/>
-              <a:cs typeface="DejaVu Sans Mono" panose="020B0609030804020204" pitchFamily="49" charset="0"/>
-            </a:endParaRPr>
-          </a:p>
-          <a:p>
-            <a:r>
-              <a:rPr lang="en-US" altLang="ko-KR" sz="1500" smtClean="0">
-                <a:solidFill>
-                  <a:schemeClr val="tx1"/>
-                </a:solidFill>
-                <a:latin typeface="DejaVu Sans Mono" panose="020B0609030804020204" pitchFamily="49" charset="0"/>
-                <a:cs typeface="DejaVu Sans Mono" panose="020B0609030804020204" pitchFamily="49" charset="0"/>
-              </a:rPr>
-              <a:t>print(abs(x))</a:t>
-            </a:r>
             <a:endParaRPr lang="en-US" altLang="ko-KR" sz="1500" dirty="0">
               <a:solidFill>
                 <a:schemeClr val="tx1"/>
@@ -17446,28 +17961,16 @@
           </a:p>
           <a:p>
             <a:r>
-              <a:rPr lang="en-US" altLang="ko-KR" sz="1500" smtClean="0">
-                <a:solidFill>
-                  <a:schemeClr val="tx1"/>
-                </a:solidFill>
-                <a:latin typeface="DejaVu Sans Mono" panose="020B0609030804020204" pitchFamily="49" charset="0"/>
-                <a:cs typeface="DejaVu Sans Mono" panose="020B0609030804020204" pitchFamily="49" charset="0"/>
-              </a:rPr>
-              <a:t>print(divmod(x,y))</a:t>
-            </a:r>
-          </a:p>
-          <a:p>
-            <a:r>
-              <a:rPr lang="en-US" altLang="ko-KR" sz="1500" smtClean="0">
-                <a:solidFill>
-                  <a:schemeClr val="tx1"/>
-                </a:solidFill>
-                <a:latin typeface="DejaVu Sans Mono" panose="020B0609030804020204" pitchFamily="49" charset="0"/>
-                <a:cs typeface="DejaVu Sans Mono" panose="020B0609030804020204" pitchFamily="49" charset="0"/>
-              </a:rPr>
-              <a:t>print(pow(x,y))</a:t>
-            </a:r>
-            <a:endParaRPr lang="en-US" altLang="ko-KR" sz="1500">
+              <a:rPr lang="en-US" altLang="ko-KR" sz="1500" dirty="0" smtClean="0">
+                <a:solidFill>
+                  <a:schemeClr val="tx1"/>
+                </a:solidFill>
+                <a:latin typeface="DejaVu Sans Mono" panose="020B0609030804020204" pitchFamily="49" charset="0"/>
+                <a:cs typeface="DejaVu Sans Mono" panose="020B0609030804020204" pitchFamily="49" charset="0"/>
+              </a:rPr>
+              <a:t>print(abs(x))</a:t>
+            </a:r>
+            <a:endParaRPr lang="en-US" altLang="ko-KR" sz="1500" dirty="0">
               <a:solidFill>
                 <a:schemeClr val="tx1"/>
               </a:solidFill>
@@ -17477,26 +17980,88 @@
           </a:p>
           <a:p>
             <a:r>
-              <a:rPr lang="en-US" altLang="ko-KR" sz="1500" smtClean="0">
-                <a:solidFill>
-                  <a:schemeClr val="tx1"/>
-                </a:solidFill>
-                <a:latin typeface="DejaVu Sans Mono" panose="020B0609030804020204" pitchFamily="49" charset="0"/>
-                <a:cs typeface="DejaVu Sans Mono" panose="020B0609030804020204" pitchFamily="49" charset="0"/>
-              </a:rPr>
-              <a:t>print(round(x,[n</a:t>
-            </a:r>
-            <a:r>
-              <a:rPr lang="en-US" altLang="ko-KR" sz="1500" smtClean="0">
-                <a:solidFill>
-                  <a:schemeClr val="tx1"/>
-                </a:solidFill>
-                <a:latin typeface="DejaVu Sans Mono" panose="020B0609030804020204" pitchFamily="49" charset="0"/>
-                <a:cs typeface="DejaVu Sans Mono" panose="020B0609030804020204" pitchFamily="49" charset="0"/>
-              </a:rPr>
-              <a:t>]))</a:t>
-            </a:r>
-            <a:endParaRPr lang="en-US" altLang="ko-KR" sz="1500">
+              <a:rPr lang="en-US" altLang="ko-KR" sz="1500" dirty="0" smtClean="0">
+                <a:solidFill>
+                  <a:schemeClr val="tx1"/>
+                </a:solidFill>
+                <a:latin typeface="DejaVu Sans Mono" panose="020B0609030804020204" pitchFamily="49" charset="0"/>
+                <a:cs typeface="DejaVu Sans Mono" panose="020B0609030804020204" pitchFamily="49" charset="0"/>
+              </a:rPr>
+              <a:t>print(</a:t>
+            </a:r>
+            <a:r>
+              <a:rPr lang="en-US" altLang="ko-KR" sz="1500" dirty="0" err="1" smtClean="0">
+                <a:solidFill>
+                  <a:schemeClr val="tx1"/>
+                </a:solidFill>
+                <a:latin typeface="DejaVu Sans Mono" panose="020B0609030804020204" pitchFamily="49" charset="0"/>
+                <a:cs typeface="DejaVu Sans Mono" panose="020B0609030804020204" pitchFamily="49" charset="0"/>
+              </a:rPr>
+              <a:t>divmod</a:t>
+            </a:r>
+            <a:r>
+              <a:rPr lang="en-US" altLang="ko-KR" sz="1500" dirty="0" smtClean="0">
+                <a:solidFill>
+                  <a:schemeClr val="tx1"/>
+                </a:solidFill>
+                <a:latin typeface="DejaVu Sans Mono" panose="020B0609030804020204" pitchFamily="49" charset="0"/>
+                <a:cs typeface="DejaVu Sans Mono" panose="020B0609030804020204" pitchFamily="49" charset="0"/>
+              </a:rPr>
+              <a:t>(</a:t>
+            </a:r>
+            <a:r>
+              <a:rPr lang="en-US" altLang="ko-KR" sz="1500" dirty="0" err="1" smtClean="0">
+                <a:solidFill>
+                  <a:schemeClr val="tx1"/>
+                </a:solidFill>
+                <a:latin typeface="DejaVu Sans Mono" panose="020B0609030804020204" pitchFamily="49" charset="0"/>
+                <a:cs typeface="DejaVu Sans Mono" panose="020B0609030804020204" pitchFamily="49" charset="0"/>
+              </a:rPr>
+              <a:t>x,y</a:t>
+            </a:r>
+            <a:r>
+              <a:rPr lang="en-US" altLang="ko-KR" sz="1500" dirty="0" smtClean="0">
+                <a:solidFill>
+                  <a:schemeClr val="tx1"/>
+                </a:solidFill>
+                <a:latin typeface="DejaVu Sans Mono" panose="020B0609030804020204" pitchFamily="49" charset="0"/>
+                <a:cs typeface="DejaVu Sans Mono" panose="020B0609030804020204" pitchFamily="49" charset="0"/>
+              </a:rPr>
+              <a:t>))</a:t>
+            </a:r>
+          </a:p>
+          <a:p>
+            <a:r>
+              <a:rPr lang="en-US" altLang="ko-KR" sz="1500" dirty="0" smtClean="0">
+                <a:solidFill>
+                  <a:schemeClr val="tx1"/>
+                </a:solidFill>
+                <a:latin typeface="DejaVu Sans Mono" panose="020B0609030804020204" pitchFamily="49" charset="0"/>
+                <a:cs typeface="DejaVu Sans Mono" panose="020B0609030804020204" pitchFamily="49" charset="0"/>
+              </a:rPr>
+              <a:t>print(pow(</a:t>
+            </a:r>
+            <a:r>
+              <a:rPr lang="en-US" altLang="ko-KR" sz="1500" dirty="0" err="1" smtClean="0">
+                <a:solidFill>
+                  <a:schemeClr val="tx1"/>
+                </a:solidFill>
+                <a:latin typeface="DejaVu Sans Mono" panose="020B0609030804020204" pitchFamily="49" charset="0"/>
+                <a:cs typeface="DejaVu Sans Mono" panose="020B0609030804020204" pitchFamily="49" charset="0"/>
+              </a:rPr>
+              <a:t>x,y</a:t>
+            </a:r>
+            <a:r>
+              <a:rPr lang="en-US" altLang="ko-KR" sz="1500" dirty="0" smtClean="0">
+                <a:solidFill>
+                  <a:schemeClr val="tx1"/>
+                </a:solidFill>
+                <a:latin typeface="DejaVu Sans Mono" panose="020B0609030804020204" pitchFamily="49" charset="0"/>
+                <a:cs typeface="DejaVu Sans Mono" panose="020B0609030804020204" pitchFamily="49" charset="0"/>
+              </a:rPr>
+              <a:t>))</a:t>
+            </a:r>
+            <a:endParaRPr lang="en-US" altLang="ko-KR" sz="1500" dirty="0">
               <a:solidFill>
                 <a:schemeClr val="tx1"/>
               </a:solidFill>
@@ -17505,7 +18070,17 @@
             </a:endParaRPr>
           </a:p>
           <a:p>
-            <a:endParaRPr lang="en-US" altLang="ko-KR" sz="1500" smtClean="0">
+            <a:r>
+              <a:rPr lang="en-US" altLang="ko-KR" sz="1500" dirty="0" smtClean="0">
+                <a:solidFill>
+                  <a:schemeClr val="tx1"/>
+                </a:solidFill>
+                <a:latin typeface="DejaVu Sans Mono" panose="020B0609030804020204" pitchFamily="49" charset="0"/>
+                <a:cs typeface="DejaVu Sans Mono" panose="020B0609030804020204" pitchFamily="49" charset="0"/>
+              </a:rPr>
+              <a:t>print(round(x,[n]))</a:t>
+            </a:r>
+            <a:endParaRPr lang="en-US" altLang="ko-KR" sz="1500" dirty="0">
               <a:solidFill>
                 <a:schemeClr val="tx1"/>
               </a:solidFill>
@@ -17514,7 +18089,16 @@
             </a:endParaRPr>
           </a:p>
           <a:p>
-            <a:endParaRPr lang="en-US" altLang="ko-KR" sz="1500">
+            <a:endParaRPr lang="en-US" altLang="ko-KR" sz="1500" dirty="0" smtClean="0">
+              <a:solidFill>
+                <a:schemeClr val="tx1"/>
+              </a:solidFill>
+              <a:latin typeface="DejaVu Sans Mono" panose="020B0609030804020204" pitchFamily="49" charset="0"/>
+              <a:cs typeface="DejaVu Sans Mono" panose="020B0609030804020204" pitchFamily="49" charset="0"/>
+            </a:endParaRPr>
+          </a:p>
+          <a:p>
+            <a:endParaRPr lang="en-US" altLang="ko-KR" sz="1500" dirty="0">
               <a:solidFill>
                 <a:schemeClr val="tx1"/>
               </a:solidFill>
@@ -17898,14 +18482,14 @@
                 <a:gridCol w="1412309">
                   <a:extLst>
                     <a:ext uri="{9D8B030D-6E8A-4147-A177-3AD203B41FA5}">
-                      <a16:colId xmlns:a16="http://schemas.microsoft.com/office/drawing/2014/main" val="1386639546"/>
+                      <a16:colId xmlns:a16="http://schemas.microsoft.com/office/drawing/2014/main" xmlns="" val="1386639546"/>
                     </a:ext>
                   </a:extLst>
                 </a:gridCol>
                 <a:gridCol w="2542155">
                   <a:extLst>
                     <a:ext uri="{9D8B030D-6E8A-4147-A177-3AD203B41FA5}">
-                      <a16:colId xmlns:a16="http://schemas.microsoft.com/office/drawing/2014/main" val="764089535"/>
+                      <a16:colId xmlns:a16="http://schemas.microsoft.com/office/drawing/2014/main" xmlns="" val="764089535"/>
                     </a:ext>
                   </a:extLst>
                 </a:gridCol>
@@ -17943,7 +18527,7 @@
                 </a:tc>
                 <a:extLst>
                   <a:ext uri="{0D108BD9-81ED-4DB2-BD59-A6C34878D82A}">
-                    <a16:rowId xmlns:a16="http://schemas.microsoft.com/office/drawing/2014/main" val="4249704829"/>
+                    <a16:rowId xmlns:a16="http://schemas.microsoft.com/office/drawing/2014/main" xmlns="" val="4249704829"/>
                   </a:ext>
                 </a:extLst>
               </a:tr>
@@ -17984,7 +18568,7 @@
                 </a:tc>
                 <a:extLst>
                   <a:ext uri="{0D108BD9-81ED-4DB2-BD59-A6C34878D82A}">
-                    <a16:rowId xmlns:a16="http://schemas.microsoft.com/office/drawing/2014/main" val="591895513"/>
+                    <a16:rowId xmlns:a16="http://schemas.microsoft.com/office/drawing/2014/main" xmlns="" val="591895513"/>
                   </a:ext>
                 </a:extLst>
               </a:tr>
@@ -18025,7 +18609,7 @@
                 </a:tc>
                 <a:extLst>
                   <a:ext uri="{0D108BD9-81ED-4DB2-BD59-A6C34878D82A}">
-                    <a16:rowId xmlns:a16="http://schemas.microsoft.com/office/drawing/2014/main" val="3434559938"/>
+                    <a16:rowId xmlns:a16="http://schemas.microsoft.com/office/drawing/2014/main" xmlns="" val="3434559938"/>
                   </a:ext>
                 </a:extLst>
               </a:tr>
@@ -18066,7 +18650,7 @@
                 </a:tc>
                 <a:extLst>
                   <a:ext uri="{0D108BD9-81ED-4DB2-BD59-A6C34878D82A}">
-                    <a16:rowId xmlns:a16="http://schemas.microsoft.com/office/drawing/2014/main" val="3137848657"/>
+                    <a16:rowId xmlns:a16="http://schemas.microsoft.com/office/drawing/2014/main" xmlns="" val="3137848657"/>
                   </a:ext>
                 </a:extLst>
               </a:tr>
@@ -18123,7 +18707,7 @@
                 </a:tc>
                 <a:extLst>
                   <a:ext uri="{0D108BD9-81ED-4DB2-BD59-A6C34878D82A}">
-                    <a16:rowId xmlns:a16="http://schemas.microsoft.com/office/drawing/2014/main" val="2422149737"/>
+                    <a16:rowId xmlns:a16="http://schemas.microsoft.com/office/drawing/2014/main" xmlns="" val="2422149737"/>
                   </a:ext>
                 </a:extLst>
               </a:tr>
@@ -18184,7 +18768,7 @@
                 </a:tc>
                 <a:extLst>
                   <a:ext uri="{0D108BD9-81ED-4DB2-BD59-A6C34878D82A}">
-                    <a16:rowId xmlns:a16="http://schemas.microsoft.com/office/drawing/2014/main" val="2740964221"/>
+                    <a16:rowId xmlns:a16="http://schemas.microsoft.com/office/drawing/2014/main" xmlns="" val="2740964221"/>
                   </a:ext>
                 </a:extLst>
               </a:tr>
@@ -18241,7 +18825,7 @@
                 </a:tc>
                 <a:extLst>
                   <a:ext uri="{0D108BD9-81ED-4DB2-BD59-A6C34878D82A}">
-                    <a16:rowId xmlns:a16="http://schemas.microsoft.com/office/drawing/2014/main" val="2169575613"/>
+                    <a16:rowId xmlns:a16="http://schemas.microsoft.com/office/drawing/2014/main" xmlns="" val="2169575613"/>
                   </a:ext>
                 </a:extLst>
               </a:tr>
@@ -18288,7 +18872,7 @@
           <a:lstStyle/>
           <a:p>
             <a:r>
-              <a:rPr lang="en-US" altLang="ko-KR" sz="1500">
+              <a:rPr lang="en-US" altLang="ko-KR" sz="1500" dirty="0">
                 <a:solidFill>
                   <a:schemeClr val="tx1"/>
                 </a:solidFill>
@@ -18298,7 +18882,7 @@
               <a:t>x</a:t>
             </a:r>
             <a:r>
-              <a:rPr lang="en-US" altLang="ko-KR" sz="1500" smtClean="0">
+              <a:rPr lang="en-US" altLang="ko-KR" sz="1500" dirty="0" smtClean="0">
                 <a:solidFill>
                   <a:schemeClr val="tx1"/>
                 </a:solidFill>
@@ -18310,7 +18894,7 @@
           </a:p>
           <a:p>
             <a:r>
-              <a:rPr lang="en-US" altLang="ko-KR" sz="1500">
+              <a:rPr lang="en-US" altLang="ko-KR" sz="1500" dirty="0">
                 <a:solidFill>
                   <a:schemeClr val="tx1"/>
                 </a:solidFill>
@@ -18320,7 +18904,7 @@
               <a:t>y</a:t>
             </a:r>
             <a:r>
-              <a:rPr lang="en-US" altLang="ko-KR" sz="1500" smtClean="0">
+              <a:rPr lang="en-US" altLang="ko-KR" sz="1500" dirty="0" smtClean="0">
                 <a:solidFill>
                   <a:schemeClr val="tx1"/>
                 </a:solidFill>
@@ -18331,7 +18915,7 @@
             </a:r>
           </a:p>
           <a:p>
-            <a:endParaRPr lang="en-US" altLang="ko-KR" sz="1500">
+            <a:endParaRPr lang="en-US" altLang="ko-KR" sz="1500" dirty="0">
               <a:solidFill>
                 <a:schemeClr val="tx1"/>
               </a:solidFill>
@@ -18341,7 +18925,7 @@
           </a:p>
           <a:p>
             <a:r>
-              <a:rPr lang="en-US" altLang="ko-KR" sz="1500" smtClean="0">
+              <a:rPr lang="en-US" altLang="ko-KR" sz="1500" dirty="0" smtClean="0">
                 <a:solidFill>
                   <a:schemeClr val="tx1"/>
                 </a:solidFill>
@@ -18353,7 +18937,7 @@
           </a:p>
           <a:p>
             <a:r>
-              <a:rPr lang="en-US" altLang="ko-KR" sz="1500" smtClean="0">
+              <a:rPr lang="en-US" altLang="ko-KR" sz="1500" dirty="0" smtClean="0">
                 <a:solidFill>
                   <a:schemeClr val="tx1"/>
                 </a:solidFill>
@@ -18365,7 +18949,7 @@
           </a:p>
           <a:p>
             <a:r>
-              <a:rPr lang="en-US" altLang="ko-KR" sz="1500" smtClean="0">
+              <a:rPr lang="en-US" altLang="ko-KR" sz="1500" dirty="0" smtClean="0">
                 <a:solidFill>
                   <a:schemeClr val="tx1"/>
                 </a:solidFill>
@@ -18375,7 +18959,7 @@
               <a:t>print(x==y</a:t>
             </a:r>
             <a:r>
-              <a:rPr lang="en-US" altLang="ko-KR" sz="1500">
+              <a:rPr lang="en-US" altLang="ko-KR" sz="1500" dirty="0">
                 <a:solidFill>
                   <a:schemeClr val="tx1"/>
                 </a:solidFill>
@@ -18387,7 +18971,7 @@
           </a:p>
           <a:p>
             <a:r>
-              <a:rPr lang="en-US" altLang="ko-KR" sz="1500" smtClean="0">
+              <a:rPr lang="en-US" altLang="ko-KR" sz="1500" dirty="0" smtClean="0">
                 <a:solidFill>
                   <a:schemeClr val="tx1"/>
                 </a:solidFill>
@@ -18397,7 +18981,7 @@
               <a:t>print(x!=y</a:t>
             </a:r>
             <a:r>
-              <a:rPr lang="en-US" altLang="ko-KR" sz="1500">
+              <a:rPr lang="en-US" altLang="ko-KR" sz="1500" dirty="0">
                 <a:solidFill>
                   <a:schemeClr val="tx1"/>
                 </a:solidFill>
@@ -18409,7 +18993,7 @@
           </a:p>
           <a:p>
             <a:r>
-              <a:rPr lang="en-US" altLang="ko-KR" sz="1500">
+              <a:rPr lang="en-US" altLang="ko-KR" sz="1500" dirty="0">
                 <a:solidFill>
                   <a:schemeClr val="tx1"/>
                 </a:solidFill>
@@ -18419,7 +19003,7 @@
               <a:t>print(x</a:t>
             </a:r>
             <a:r>
-              <a:rPr lang="en-US" altLang="ko-KR" sz="1500" smtClean="0">
+              <a:rPr lang="en-US" altLang="ko-KR" sz="1500" dirty="0" smtClean="0">
                 <a:solidFill>
                   <a:schemeClr val="tx1"/>
                 </a:solidFill>
@@ -18429,7 +19013,7 @@
               <a:t>&gt;=y</a:t>
             </a:r>
             <a:r>
-              <a:rPr lang="en-US" altLang="ko-KR" sz="1500">
+              <a:rPr lang="en-US" altLang="ko-KR" sz="1500" dirty="0">
                 <a:solidFill>
                   <a:schemeClr val="tx1"/>
                 </a:solidFill>
@@ -18441,7 +19025,7 @@
           </a:p>
           <a:p>
             <a:r>
-              <a:rPr lang="en-US" altLang="ko-KR" sz="1500" smtClean="0">
+              <a:rPr lang="en-US" altLang="ko-KR" sz="1500" dirty="0" smtClean="0">
                 <a:solidFill>
                   <a:schemeClr val="tx1"/>
                 </a:solidFill>
@@ -18450,7 +19034,7 @@
               </a:rPr>
               <a:t>print(x&lt;=y)</a:t>
             </a:r>
-            <a:endParaRPr lang="en-US" altLang="ko-KR" sz="1500">
+            <a:endParaRPr lang="en-US" altLang="ko-KR" sz="1500" dirty="0">
               <a:solidFill>
                 <a:schemeClr val="tx1"/>
               </a:solidFill>
@@ -18459,7 +19043,7 @@
             </a:endParaRPr>
           </a:p>
           <a:p>
-            <a:endParaRPr lang="en-US" altLang="ko-KR" sz="1500" smtClean="0">
+            <a:endParaRPr lang="en-US" altLang="ko-KR" sz="1500" dirty="0" smtClean="0">
               <a:solidFill>
                 <a:schemeClr val="tx1"/>
               </a:solidFill>
@@ -18468,7 +19052,7 @@
             </a:endParaRPr>
           </a:p>
           <a:p>
-            <a:endParaRPr lang="en-US" altLang="ko-KR" sz="1500">
+            <a:endParaRPr lang="en-US" altLang="ko-KR" sz="1500" dirty="0">
               <a:solidFill>
                 <a:schemeClr val="tx1"/>
               </a:solidFill>
@@ -18993,7 +19577,7 @@
           <a:lstStyle/>
           <a:p>
             <a:r>
-              <a:rPr lang="en-US" altLang="ko-KR" sz="1500" smtClean="0">
+              <a:rPr lang="en-US" altLang="ko-KR" sz="1500" dirty="0" smtClean="0">
                 <a:solidFill>
                   <a:schemeClr val="tx1"/>
                 </a:solidFill>
@@ -19005,7 +19589,7 @@
           </a:p>
           <a:p>
             <a:r>
-              <a:rPr lang="en-US" altLang="ko-KR" sz="1500" smtClean="0">
+              <a:rPr lang="en-US" altLang="ko-KR" sz="1500" dirty="0" smtClean="0">
                 <a:solidFill>
                   <a:schemeClr val="tx1"/>
                 </a:solidFill>
@@ -19016,7 +19600,7 @@
             </a:r>
           </a:p>
           <a:p>
-            <a:endParaRPr lang="en-US" altLang="ko-KR" sz="1500">
+            <a:endParaRPr lang="en-US" altLang="ko-KR" sz="1500" dirty="0">
               <a:solidFill>
                 <a:schemeClr val="tx1"/>
               </a:solidFill>
@@ -19026,7 +19610,7 @@
           </a:p>
           <a:p>
             <a:r>
-              <a:rPr lang="en-US" altLang="ko-KR" sz="1500" smtClean="0">
+              <a:rPr lang="en-US" altLang="ko-KR" sz="1500" dirty="0" smtClean="0">
                 <a:solidFill>
                   <a:schemeClr val="tx1"/>
                 </a:solidFill>
@@ -19038,7 +19622,7 @@
           </a:p>
           <a:p>
             <a:r>
-              <a:rPr lang="en-US" altLang="ko-KR" sz="1500" smtClean="0">
+              <a:rPr lang="en-US" altLang="ko-KR" sz="1500" dirty="0" smtClean="0">
                 <a:solidFill>
                   <a:schemeClr val="tx1"/>
                 </a:solidFill>
@@ -19050,7 +19634,7 @@
           </a:p>
           <a:p>
             <a:r>
-              <a:rPr lang="en-US" altLang="ko-KR" sz="1500" smtClean="0">
+              <a:rPr lang="en-US" altLang="ko-KR" sz="1500" dirty="0" smtClean="0">
                 <a:solidFill>
                   <a:schemeClr val="tx1"/>
                 </a:solidFill>
@@ -19060,7 +19644,7 @@
               <a:t>print(x==y</a:t>
             </a:r>
             <a:r>
-              <a:rPr lang="en-US" altLang="ko-KR" sz="1500">
+              <a:rPr lang="en-US" altLang="ko-KR" sz="1500" dirty="0">
                 <a:solidFill>
                   <a:schemeClr val="tx1"/>
                 </a:solidFill>
@@ -19072,7 +19656,7 @@
           </a:p>
           <a:p>
             <a:r>
-              <a:rPr lang="en-US" altLang="ko-KR" sz="1500" smtClean="0">
+              <a:rPr lang="en-US" altLang="ko-KR" sz="1500" dirty="0" smtClean="0">
                 <a:solidFill>
                   <a:schemeClr val="tx1"/>
                 </a:solidFill>
@@ -19082,7 +19666,7 @@
               <a:t>print(x!=y</a:t>
             </a:r>
             <a:r>
-              <a:rPr lang="en-US" altLang="ko-KR" sz="1500">
+              <a:rPr lang="en-US" altLang="ko-KR" sz="1500" dirty="0">
                 <a:solidFill>
                   <a:schemeClr val="tx1"/>
                 </a:solidFill>
@@ -19094,7 +19678,7 @@
           </a:p>
           <a:p>
             <a:r>
-              <a:rPr lang="en-US" altLang="ko-KR" sz="1500">
+              <a:rPr lang="en-US" altLang="ko-KR" sz="1500" dirty="0">
                 <a:solidFill>
                   <a:schemeClr val="tx1"/>
                 </a:solidFill>
@@ -19104,7 +19688,7 @@
               <a:t>print(x</a:t>
             </a:r>
             <a:r>
-              <a:rPr lang="en-US" altLang="ko-KR" sz="1500" smtClean="0">
+              <a:rPr lang="en-US" altLang="ko-KR" sz="1500" dirty="0" smtClean="0">
                 <a:solidFill>
                   <a:schemeClr val="tx1"/>
                 </a:solidFill>
@@ -19114,7 +19698,7 @@
               <a:t>&gt;=y</a:t>
             </a:r>
             <a:r>
-              <a:rPr lang="en-US" altLang="ko-KR" sz="1500">
+              <a:rPr lang="en-US" altLang="ko-KR" sz="1500" dirty="0">
                 <a:solidFill>
                   <a:schemeClr val="tx1"/>
                 </a:solidFill>
@@ -19126,7 +19710,7 @@
           </a:p>
           <a:p>
             <a:r>
-              <a:rPr lang="en-US" altLang="ko-KR" sz="1500" smtClean="0">
+              <a:rPr lang="en-US" altLang="ko-KR" sz="1500" dirty="0" smtClean="0">
                 <a:solidFill>
                   <a:schemeClr val="tx1"/>
                 </a:solidFill>
@@ -19135,7 +19719,7 @@
               </a:rPr>
               <a:t>print(x&lt;=y)</a:t>
             </a:r>
-            <a:endParaRPr lang="en-US" altLang="ko-KR" sz="1500">
+            <a:endParaRPr lang="en-US" altLang="ko-KR" sz="1500" dirty="0">
               <a:solidFill>
                 <a:schemeClr val="tx1"/>
               </a:solidFill>
@@ -19144,7 +19728,7 @@
             </a:endParaRPr>
           </a:p>
           <a:p>
-            <a:endParaRPr lang="en-US" altLang="ko-KR" sz="1500" smtClean="0">
+            <a:endParaRPr lang="en-US" altLang="ko-KR" sz="1500" dirty="0" smtClean="0">
               <a:solidFill>
                 <a:schemeClr val="tx1"/>
               </a:solidFill>
@@ -19153,7 +19737,7 @@
             </a:endParaRPr>
           </a:p>
           <a:p>
-            <a:endParaRPr lang="en-US" altLang="ko-KR" sz="1500">
+            <a:endParaRPr lang="en-US" altLang="ko-KR" sz="1500" dirty="0">
               <a:solidFill>
                 <a:schemeClr val="tx1"/>
               </a:solidFill>
@@ -19318,14 +19902,14 @@
                 <a:gridCol w="1948694">
                   <a:extLst>
                     <a:ext uri="{9D8B030D-6E8A-4147-A177-3AD203B41FA5}">
-                      <a16:colId xmlns:a16="http://schemas.microsoft.com/office/drawing/2014/main" val="1386639546"/>
+                      <a16:colId xmlns:a16="http://schemas.microsoft.com/office/drawing/2014/main" xmlns="" val="1386639546"/>
                     </a:ext>
                   </a:extLst>
                 </a:gridCol>
                 <a:gridCol w="3499606">
                   <a:extLst>
                     <a:ext uri="{9D8B030D-6E8A-4147-A177-3AD203B41FA5}">
-                      <a16:colId xmlns:a16="http://schemas.microsoft.com/office/drawing/2014/main" val="764089535"/>
+                      <a16:colId xmlns:a16="http://schemas.microsoft.com/office/drawing/2014/main" xmlns="" val="764089535"/>
                     </a:ext>
                   </a:extLst>
                 </a:gridCol>
@@ -19363,7 +19947,7 @@
                 </a:tc>
                 <a:extLst>
                   <a:ext uri="{0D108BD9-81ED-4DB2-BD59-A6C34878D82A}">
-                    <a16:rowId xmlns:a16="http://schemas.microsoft.com/office/drawing/2014/main" val="4249704829"/>
+                    <a16:rowId xmlns:a16="http://schemas.microsoft.com/office/drawing/2014/main" xmlns="" val="4249704829"/>
                   </a:ext>
                 </a:extLst>
               </a:tr>
@@ -19400,7 +19984,7 @@
                 </a:tc>
                 <a:extLst>
                   <a:ext uri="{0D108BD9-81ED-4DB2-BD59-A6C34878D82A}">
-                    <a16:rowId xmlns:a16="http://schemas.microsoft.com/office/drawing/2014/main" val="591895513"/>
+                    <a16:rowId xmlns:a16="http://schemas.microsoft.com/office/drawing/2014/main" xmlns="" val="591895513"/>
                   </a:ext>
                 </a:extLst>
               </a:tr>
@@ -19461,7 +20045,7 @@
                 </a:tc>
                 <a:extLst>
                   <a:ext uri="{0D108BD9-81ED-4DB2-BD59-A6C34878D82A}">
-                    <a16:rowId xmlns:a16="http://schemas.microsoft.com/office/drawing/2014/main" val="3434559938"/>
+                    <a16:rowId xmlns:a16="http://schemas.microsoft.com/office/drawing/2014/main" xmlns="" val="3434559938"/>
                   </a:ext>
                 </a:extLst>
               </a:tr>
@@ -19502,7 +20086,7 @@
                 </a:tc>
                 <a:extLst>
                   <a:ext uri="{0D108BD9-81ED-4DB2-BD59-A6C34878D82A}">
-                    <a16:rowId xmlns:a16="http://schemas.microsoft.com/office/drawing/2014/main" val="3137848657"/>
+                    <a16:rowId xmlns:a16="http://schemas.microsoft.com/office/drawing/2014/main" xmlns="" val="3137848657"/>
                   </a:ext>
                 </a:extLst>
               </a:tr>
@@ -19555,7 +20139,7 @@
                 </a:tc>
                 <a:extLst>
                   <a:ext uri="{0D108BD9-81ED-4DB2-BD59-A6C34878D82A}">
-                    <a16:rowId xmlns:a16="http://schemas.microsoft.com/office/drawing/2014/main" val="2422149737"/>
+                    <a16:rowId xmlns:a16="http://schemas.microsoft.com/office/drawing/2014/main" xmlns="" val="2422149737"/>
                   </a:ext>
                 </a:extLst>
               </a:tr>
@@ -19608,7 +20192,7 @@
                 </a:tc>
                 <a:extLst>
                   <a:ext uri="{0D108BD9-81ED-4DB2-BD59-A6C34878D82A}">
-                    <a16:rowId xmlns:a16="http://schemas.microsoft.com/office/drawing/2014/main" val="2740964221"/>
+                    <a16:rowId xmlns:a16="http://schemas.microsoft.com/office/drawing/2014/main" xmlns="" val="2740964221"/>
                   </a:ext>
                 </a:extLst>
               </a:tr>
@@ -19661,7 +20245,7 @@
                 </a:tc>
                 <a:extLst>
                   <a:ext uri="{0D108BD9-81ED-4DB2-BD59-A6C34878D82A}">
-                    <a16:rowId xmlns:a16="http://schemas.microsoft.com/office/drawing/2014/main" val="2169575613"/>
+                    <a16:rowId xmlns:a16="http://schemas.microsoft.com/office/drawing/2014/main" xmlns="" val="2169575613"/>
                   </a:ext>
                 </a:extLst>
               </a:tr>
@@ -19718,7 +20302,7 @@
                 </a:tc>
                 <a:extLst>
                   <a:ext uri="{0D108BD9-81ED-4DB2-BD59-A6C34878D82A}">
-                    <a16:rowId xmlns:a16="http://schemas.microsoft.com/office/drawing/2014/main" val="825117090"/>
+                    <a16:rowId xmlns:a16="http://schemas.microsoft.com/office/drawing/2014/main" xmlns="" val="825117090"/>
                   </a:ext>
                 </a:extLst>
               </a:tr>
@@ -19771,7 +20355,7 @@
                 </a:tc>
                 <a:extLst>
                   <a:ext uri="{0D108BD9-81ED-4DB2-BD59-A6C34878D82A}">
-                    <a16:rowId xmlns:a16="http://schemas.microsoft.com/office/drawing/2014/main" val="2598386834"/>
+                    <a16:rowId xmlns:a16="http://schemas.microsoft.com/office/drawing/2014/main" xmlns="" val="2598386834"/>
                   </a:ext>
                 </a:extLst>
               </a:tr>
@@ -19818,7 +20402,7 @@
           <a:lstStyle/>
           <a:p>
             <a:r>
-              <a:rPr lang="en-US" altLang="ko-KR" sz="1500" smtClean="0">
+              <a:rPr lang="en-US" altLang="ko-KR" sz="1500" dirty="0" smtClean="0">
                 <a:solidFill>
                   <a:schemeClr val="tx1"/>
                 </a:solidFill>
@@ -19830,7 +20414,7 @@
           </a:p>
           <a:p>
             <a:r>
-              <a:rPr lang="en-US" altLang="ko-KR" sz="1500" smtClean="0">
+              <a:rPr lang="en-US" altLang="ko-KR" sz="1500" dirty="0" smtClean="0">
                 <a:solidFill>
                   <a:schemeClr val="tx1"/>
                 </a:solidFill>
@@ -19839,7 +20423,7 @@
               </a:rPr>
               <a:t>b = [6]</a:t>
             </a:r>
-            <a:endParaRPr lang="en-US" altLang="ko-KR" sz="1500">
+            <a:endParaRPr lang="en-US" altLang="ko-KR" sz="1500" dirty="0">
               <a:solidFill>
                 <a:schemeClr val="tx1"/>
               </a:solidFill>
@@ -19849,7 +20433,7 @@
           </a:p>
           <a:p>
             <a:r>
-              <a:rPr lang="en-US" altLang="ko-KR" sz="1500">
+              <a:rPr lang="en-US" altLang="ko-KR" sz="1500" dirty="0">
                 <a:solidFill>
                   <a:schemeClr val="tx1"/>
                 </a:solidFill>
@@ -19859,19 +20443,39 @@
               <a:t>p</a:t>
             </a:r>
             <a:r>
-              <a:rPr lang="en-US" altLang="ko-KR" sz="1500" smtClean="0">
-                <a:solidFill>
-                  <a:schemeClr val="tx1"/>
-                </a:solidFill>
-                <a:latin typeface="DejaVu Sans Mono" panose="020B0609030804020204" pitchFamily="49" charset="0"/>
-                <a:cs typeface="DejaVu Sans Mono" panose="020B0609030804020204" pitchFamily="49" charset="0"/>
-              </a:rPr>
-              <a:t>rint(a+b)</a:t>
-            </a:r>
-          </a:p>
-          <a:p>
-            <a:r>
-              <a:rPr lang="en-US" altLang="ko-KR" sz="1500" smtClean="0">
+              <a:rPr lang="en-US" altLang="ko-KR" sz="1500" dirty="0" smtClean="0">
+                <a:solidFill>
+                  <a:schemeClr val="tx1"/>
+                </a:solidFill>
+                <a:latin typeface="DejaVu Sans Mono" panose="020B0609030804020204" pitchFamily="49" charset="0"/>
+                <a:cs typeface="DejaVu Sans Mono" panose="020B0609030804020204" pitchFamily="49" charset="0"/>
+              </a:rPr>
+              <a:t>rint(</a:t>
+            </a:r>
+            <a:r>
+              <a:rPr lang="en-US" altLang="ko-KR" sz="1500" dirty="0" err="1" smtClean="0">
+                <a:solidFill>
+                  <a:schemeClr val="tx1"/>
+                </a:solidFill>
+                <a:latin typeface="DejaVu Sans Mono" panose="020B0609030804020204" pitchFamily="49" charset="0"/>
+                <a:cs typeface="DejaVu Sans Mono" panose="020B0609030804020204" pitchFamily="49" charset="0"/>
+              </a:rPr>
+              <a:t>a+b</a:t>
+            </a:r>
+            <a:r>
+              <a:rPr lang="en-US" altLang="ko-KR" sz="1500" dirty="0" smtClean="0">
+                <a:solidFill>
+                  <a:schemeClr val="tx1"/>
+                </a:solidFill>
+                <a:latin typeface="DejaVu Sans Mono" panose="020B0609030804020204" pitchFamily="49" charset="0"/>
+                <a:cs typeface="DejaVu Sans Mono" panose="020B0609030804020204" pitchFamily="49" charset="0"/>
+              </a:rPr>
+              <a:t>)</a:t>
+            </a:r>
+          </a:p>
+          <a:p>
+            <a:r>
+              <a:rPr lang="en-US" altLang="ko-KR" sz="1500" dirty="0" smtClean="0">
                 <a:solidFill>
                   <a:schemeClr val="tx1"/>
                 </a:solidFill>
@@ -19883,7 +20487,7 @@
           </a:p>
           <a:p>
             <a:r>
-              <a:rPr lang="en-US" altLang="ko-KR" sz="1500" smtClean="0">
+              <a:rPr lang="en-US" altLang="ko-KR" sz="1500" dirty="0" smtClean="0">
                 <a:solidFill>
                   <a:schemeClr val="tx1"/>
                 </a:solidFill>
@@ -19895,7 +20499,7 @@
           </a:p>
           <a:p>
             <a:r>
-              <a:rPr lang="en-US" altLang="ko-KR" sz="1500">
+              <a:rPr lang="en-US" altLang="ko-KR" sz="1500" dirty="0">
                 <a:solidFill>
                   <a:schemeClr val="tx1"/>
                 </a:solidFill>
@@ -19905,7 +20509,7 @@
               <a:t>p</a:t>
             </a:r>
             <a:r>
-              <a:rPr lang="en-US" altLang="ko-KR" sz="1500" smtClean="0">
+              <a:rPr lang="en-US" altLang="ko-KR" sz="1500" dirty="0" smtClean="0">
                 <a:solidFill>
                   <a:schemeClr val="tx1"/>
                 </a:solidFill>
@@ -19916,7 +20520,7 @@
             </a:r>
           </a:p>
           <a:p>
-            <a:endParaRPr lang="en-US" altLang="ko-KR" sz="1500">
+            <a:endParaRPr lang="en-US" altLang="ko-KR" sz="1500" dirty="0">
               <a:solidFill>
                 <a:schemeClr val="tx1"/>
               </a:solidFill>
@@ -19926,7 +20530,7 @@
           </a:p>
           <a:p>
             <a:r>
-              <a:rPr lang="en-US" altLang="ko-KR" sz="1500" smtClean="0">
+              <a:rPr lang="en-US" altLang="ko-KR" sz="1500" dirty="0" smtClean="0">
                 <a:solidFill>
                   <a:schemeClr val="tx1"/>
                 </a:solidFill>
@@ -19938,7 +20542,7 @@
           </a:p>
           <a:p>
             <a:r>
-              <a:rPr lang="en-US" altLang="ko-KR" sz="1500">
+              <a:rPr lang="en-US" altLang="ko-KR" sz="1500" dirty="0" err="1">
                 <a:solidFill>
                   <a:schemeClr val="tx1"/>
                 </a:solidFill>
@@ -19948,19 +20552,29 @@
               <a:t>x</a:t>
             </a:r>
             <a:r>
-              <a:rPr lang="en-US" altLang="ko-KR" sz="1500" smtClean="0">
-                <a:solidFill>
-                  <a:schemeClr val="tx1"/>
-                </a:solidFill>
-                <a:latin typeface="DejaVu Sans Mono" panose="020B0609030804020204" pitchFamily="49" charset="0"/>
-                <a:cs typeface="DejaVu Sans Mono" panose="020B0609030804020204" pitchFamily="49" charset="0"/>
-              </a:rPr>
-              <a:t>,y,z=items</a:t>
-            </a:r>
-          </a:p>
-          <a:p>
-            <a:r>
-              <a:rPr lang="en-US" altLang="ko-KR" sz="1500" smtClean="0">
+              <a:rPr lang="en-US" altLang="ko-KR" sz="1500" dirty="0" err="1" smtClean="0">
+                <a:solidFill>
+                  <a:schemeClr val="tx1"/>
+                </a:solidFill>
+                <a:latin typeface="DejaVu Sans Mono" panose="020B0609030804020204" pitchFamily="49" charset="0"/>
+                <a:cs typeface="DejaVu Sans Mono" panose="020B0609030804020204" pitchFamily="49" charset="0"/>
+              </a:rPr>
+              <a:t>,y,z</a:t>
+            </a:r>
+            <a:r>
+              <a:rPr lang="en-US" altLang="ko-KR" sz="1500" dirty="0" smtClean="0">
+                <a:solidFill>
+                  <a:schemeClr val="tx1"/>
+                </a:solidFill>
+                <a:latin typeface="DejaVu Sans Mono" panose="020B0609030804020204" pitchFamily="49" charset="0"/>
+                <a:cs typeface="DejaVu Sans Mono" panose="020B0609030804020204" pitchFamily="49" charset="0"/>
+              </a:rPr>
+              <a:t>=items</a:t>
+            </a:r>
+          </a:p>
+          <a:p>
+            <a:r>
+              <a:rPr lang="en-US" altLang="ko-KR" sz="1500" dirty="0" smtClean="0">
                 <a:solidFill>
                   <a:schemeClr val="tx1"/>
                 </a:solidFill>
@@ -19972,7 +20586,7 @@
           </a:p>
           <a:p>
             <a:r>
-              <a:rPr lang="en-US" altLang="ko-KR" sz="1500">
+              <a:rPr lang="en-US" altLang="ko-KR" sz="1500" dirty="0">
                 <a:solidFill>
                   <a:schemeClr val="tx1"/>
                 </a:solidFill>
@@ -19982,7 +20596,7 @@
               <a:t>p</a:t>
             </a:r>
             <a:r>
-              <a:rPr lang="en-US" altLang="ko-KR" sz="1500" smtClean="0">
+              <a:rPr lang="en-US" altLang="ko-KR" sz="1500" dirty="0" smtClean="0">
                 <a:solidFill>
                   <a:schemeClr val="tx1"/>
                 </a:solidFill>
@@ -19991,7 +20605,7 @@
               </a:rPr>
               <a:t>rint(y)</a:t>
             </a:r>
-            <a:endParaRPr lang="en-US" altLang="ko-KR" sz="1500">
+            <a:endParaRPr lang="en-US" altLang="ko-KR" sz="1500" dirty="0">
               <a:solidFill>
                 <a:schemeClr val="tx1"/>
               </a:solidFill>
@@ -20001,7 +20615,7 @@
           </a:p>
           <a:p>
             <a:r>
-              <a:rPr lang="en-US" altLang="ko-KR" sz="1500">
+              <a:rPr lang="en-US" altLang="ko-KR" sz="1500" dirty="0">
                 <a:solidFill>
                   <a:schemeClr val="tx1"/>
                 </a:solidFill>
@@ -20011,7 +20625,7 @@
               <a:t>p</a:t>
             </a:r>
             <a:r>
-              <a:rPr lang="en-US" altLang="ko-KR" sz="1500" smtClean="0">
+              <a:rPr lang="en-US" altLang="ko-KR" sz="1500" dirty="0" smtClean="0">
                 <a:solidFill>
                   <a:schemeClr val="tx1"/>
                 </a:solidFill>
@@ -20020,7 +20634,7 @@
               </a:rPr>
               <a:t>rint(z)</a:t>
             </a:r>
-            <a:endParaRPr lang="en-US" altLang="ko-KR" sz="1500">
+            <a:endParaRPr lang="en-US" altLang="ko-KR" sz="1500" dirty="0">
               <a:solidFill>
                 <a:schemeClr val="tx1"/>
               </a:solidFill>
@@ -20029,7 +20643,7 @@
             </a:endParaRPr>
           </a:p>
           <a:p>
-            <a:endParaRPr lang="en-US" altLang="ko-KR" sz="1500" smtClean="0">
+            <a:endParaRPr lang="en-US" altLang="ko-KR" sz="1500" dirty="0" smtClean="0">
               <a:solidFill>
                 <a:schemeClr val="tx1"/>
               </a:solidFill>
@@ -20275,7 +20889,7 @@
           <a:lstStyle/>
           <a:p>
             <a:r>
-              <a:rPr lang="fr-FR" altLang="ko-KR" sz="1500" smtClean="0">
+              <a:rPr lang="fr-FR" altLang="ko-KR" sz="1500" dirty="0" err="1" smtClean="0">
                 <a:solidFill>
                   <a:schemeClr val="tx1"/>
                 </a:solidFill>
@@ -20285,7 +20899,7 @@
               <a:t>letters</a:t>
             </a:r>
             <a:r>
-              <a:rPr lang="fr-FR" altLang="ko-KR" sz="1500">
+              <a:rPr lang="fr-FR" altLang="ko-KR" sz="1500" dirty="0">
                 <a:solidFill>
                   <a:schemeClr val="tx1"/>
                 </a:solidFill>
@@ -20297,64 +20911,36 @@
           </a:p>
           <a:p>
             <a:r>
-              <a:rPr lang="fr-FR" altLang="ko-KR" sz="1500">
-                <a:solidFill>
-                  <a:schemeClr val="tx1"/>
-                </a:solidFill>
-                <a:latin typeface="DejaVu Sans Mono" panose="020B0609030804020204" pitchFamily="49" charset="0"/>
-                <a:cs typeface="DejaVu Sans Mono" panose="020B0609030804020204" pitchFamily="49" charset="0"/>
-              </a:rPr>
-              <a:t>x,y,z=letters</a:t>
-            </a:r>
-          </a:p>
-          <a:p>
-            <a:r>
-              <a:rPr lang="fr-FR" altLang="ko-KR" sz="1500">
-                <a:solidFill>
-                  <a:schemeClr val="tx1"/>
-                </a:solidFill>
-                <a:latin typeface="DejaVu Sans Mono" panose="020B0609030804020204" pitchFamily="49" charset="0"/>
-                <a:cs typeface="DejaVu Sans Mono" panose="020B0609030804020204" pitchFamily="49" charset="0"/>
-              </a:rPr>
-              <a:t>print(x)</a:t>
-            </a:r>
-          </a:p>
-          <a:p>
-            <a:r>
-              <a:rPr lang="fr-FR" altLang="ko-KR" sz="1500">
-                <a:solidFill>
-                  <a:schemeClr val="tx1"/>
-                </a:solidFill>
-                <a:latin typeface="DejaVu Sans Mono" panose="020B0609030804020204" pitchFamily="49" charset="0"/>
-                <a:cs typeface="DejaVu Sans Mono" panose="020B0609030804020204" pitchFamily="49" charset="0"/>
-              </a:rPr>
-              <a:t>print(y)</a:t>
-            </a:r>
-          </a:p>
-          <a:p>
-            <a:r>
-              <a:rPr lang="fr-FR" altLang="ko-KR" sz="1500">
-                <a:solidFill>
-                  <a:schemeClr val="tx1"/>
-                </a:solidFill>
-                <a:latin typeface="DejaVu Sans Mono" panose="020B0609030804020204" pitchFamily="49" charset="0"/>
-                <a:cs typeface="DejaVu Sans Mono" panose="020B0609030804020204" pitchFamily="49" charset="0"/>
-              </a:rPr>
-              <a:t>print(z</a:t>
-            </a:r>
-            <a:r>
-              <a:rPr lang="fr-FR" altLang="ko-KR" sz="1500" smtClean="0">
-                <a:solidFill>
-                  <a:schemeClr val="tx1"/>
-                </a:solidFill>
-                <a:latin typeface="DejaVu Sans Mono" panose="020B0609030804020204" pitchFamily="49" charset="0"/>
-                <a:cs typeface="DejaVu Sans Mono" panose="020B0609030804020204" pitchFamily="49" charset="0"/>
-              </a:rPr>
-              <a:t>)</a:t>
-            </a:r>
-          </a:p>
-          <a:p>
-            <a:endParaRPr lang="fr-FR" altLang="ko-KR" sz="1500">
+              <a:rPr lang="fr-FR" altLang="ko-KR" sz="1500" dirty="0" err="1">
+                <a:solidFill>
+                  <a:schemeClr val="tx1"/>
+                </a:solidFill>
+                <a:latin typeface="DejaVu Sans Mono" panose="020B0609030804020204" pitchFamily="49" charset="0"/>
+                <a:cs typeface="DejaVu Sans Mono" panose="020B0609030804020204" pitchFamily="49" charset="0"/>
+              </a:rPr>
+              <a:t>x,y,z</a:t>
+            </a:r>
+            <a:r>
+              <a:rPr lang="fr-FR" altLang="ko-KR" sz="1500" dirty="0">
+                <a:solidFill>
+                  <a:schemeClr val="tx1"/>
+                </a:solidFill>
+                <a:latin typeface="DejaVu Sans Mono" panose="020B0609030804020204" pitchFamily="49" charset="0"/>
+                <a:cs typeface="DejaVu Sans Mono" panose="020B0609030804020204" pitchFamily="49" charset="0"/>
+              </a:rPr>
+              <a:t>=</a:t>
+            </a:r>
+            <a:r>
+              <a:rPr lang="fr-FR" altLang="ko-KR" sz="1500" dirty="0" err="1">
+                <a:solidFill>
+                  <a:schemeClr val="tx1"/>
+                </a:solidFill>
+                <a:latin typeface="DejaVu Sans Mono" panose="020B0609030804020204" pitchFamily="49" charset="0"/>
+                <a:cs typeface="DejaVu Sans Mono" panose="020B0609030804020204" pitchFamily="49" charset="0"/>
+              </a:rPr>
+              <a:t>letters</a:t>
+            </a:r>
+            <a:endParaRPr lang="fr-FR" altLang="ko-KR" sz="1500" dirty="0">
               <a:solidFill>
                 <a:schemeClr val="tx1"/>
               </a:solidFill>
@@ -20364,17 +20950,112 @@
           </a:p>
           <a:p>
             <a:r>
-              <a:rPr lang="en-US" altLang="ko-KR" sz="1500">
-                <a:solidFill>
-                  <a:schemeClr val="tx1"/>
-                </a:solidFill>
-                <a:latin typeface="DejaVu Sans Mono" panose="020B0609030804020204" pitchFamily="49" charset="0"/>
-                <a:cs typeface="DejaVu Sans Mono" panose="020B0609030804020204" pitchFamily="49" charset="0"/>
-              </a:rPr>
-              <a:t>datetime=((5,19,2008), (10,30</a:t>
-            </a:r>
-            <a:r>
-              <a:rPr lang="en-US" altLang="ko-KR" sz="1500" smtClean="0">
+              <a:rPr lang="fr-FR" altLang="ko-KR" sz="1500" dirty="0" err="1">
+                <a:solidFill>
+                  <a:schemeClr val="tx1"/>
+                </a:solidFill>
+                <a:latin typeface="DejaVu Sans Mono" panose="020B0609030804020204" pitchFamily="49" charset="0"/>
+                <a:cs typeface="DejaVu Sans Mono" panose="020B0609030804020204" pitchFamily="49" charset="0"/>
+              </a:rPr>
+              <a:t>print</a:t>
+            </a:r>
+            <a:r>
+              <a:rPr lang="fr-FR" altLang="ko-KR" sz="1500" dirty="0">
+                <a:solidFill>
+                  <a:schemeClr val="tx1"/>
+                </a:solidFill>
+                <a:latin typeface="DejaVu Sans Mono" panose="020B0609030804020204" pitchFamily="49" charset="0"/>
+                <a:cs typeface="DejaVu Sans Mono" panose="020B0609030804020204" pitchFamily="49" charset="0"/>
+              </a:rPr>
+              <a:t>(x)</a:t>
+            </a:r>
+          </a:p>
+          <a:p>
+            <a:r>
+              <a:rPr lang="fr-FR" altLang="ko-KR" sz="1500" dirty="0" err="1">
+                <a:solidFill>
+                  <a:schemeClr val="tx1"/>
+                </a:solidFill>
+                <a:latin typeface="DejaVu Sans Mono" panose="020B0609030804020204" pitchFamily="49" charset="0"/>
+                <a:cs typeface="DejaVu Sans Mono" panose="020B0609030804020204" pitchFamily="49" charset="0"/>
+              </a:rPr>
+              <a:t>print</a:t>
+            </a:r>
+            <a:r>
+              <a:rPr lang="fr-FR" altLang="ko-KR" sz="1500" dirty="0">
+                <a:solidFill>
+                  <a:schemeClr val="tx1"/>
+                </a:solidFill>
+                <a:latin typeface="DejaVu Sans Mono" panose="020B0609030804020204" pitchFamily="49" charset="0"/>
+                <a:cs typeface="DejaVu Sans Mono" panose="020B0609030804020204" pitchFamily="49" charset="0"/>
+              </a:rPr>
+              <a:t>(y)</a:t>
+            </a:r>
+          </a:p>
+          <a:p>
+            <a:r>
+              <a:rPr lang="fr-FR" altLang="ko-KR" sz="1500" dirty="0" err="1">
+                <a:solidFill>
+                  <a:schemeClr val="tx1"/>
+                </a:solidFill>
+                <a:latin typeface="DejaVu Sans Mono" panose="020B0609030804020204" pitchFamily="49" charset="0"/>
+                <a:cs typeface="DejaVu Sans Mono" panose="020B0609030804020204" pitchFamily="49" charset="0"/>
+              </a:rPr>
+              <a:t>print</a:t>
+            </a:r>
+            <a:r>
+              <a:rPr lang="fr-FR" altLang="ko-KR" sz="1500" dirty="0">
+                <a:solidFill>
+                  <a:schemeClr val="tx1"/>
+                </a:solidFill>
+                <a:latin typeface="DejaVu Sans Mono" panose="020B0609030804020204" pitchFamily="49" charset="0"/>
+                <a:cs typeface="DejaVu Sans Mono" panose="020B0609030804020204" pitchFamily="49" charset="0"/>
+              </a:rPr>
+              <a:t>(z</a:t>
+            </a:r>
+            <a:r>
+              <a:rPr lang="fr-FR" altLang="ko-KR" sz="1500" dirty="0" smtClean="0">
+                <a:solidFill>
+                  <a:schemeClr val="tx1"/>
+                </a:solidFill>
+                <a:latin typeface="DejaVu Sans Mono" panose="020B0609030804020204" pitchFamily="49" charset="0"/>
+                <a:cs typeface="DejaVu Sans Mono" panose="020B0609030804020204" pitchFamily="49" charset="0"/>
+              </a:rPr>
+              <a:t>)</a:t>
+            </a:r>
+          </a:p>
+          <a:p>
+            <a:endParaRPr lang="fr-FR" altLang="ko-KR" sz="1500" dirty="0">
+              <a:solidFill>
+                <a:schemeClr val="tx1"/>
+              </a:solidFill>
+              <a:latin typeface="DejaVu Sans Mono" panose="020B0609030804020204" pitchFamily="49" charset="0"/>
+              <a:cs typeface="DejaVu Sans Mono" panose="020B0609030804020204" pitchFamily="49" charset="0"/>
+            </a:endParaRPr>
+          </a:p>
+          <a:p>
+            <a:r>
+              <a:rPr lang="en-US" altLang="ko-KR" sz="1500" dirty="0" err="1">
+                <a:solidFill>
+                  <a:schemeClr val="tx1"/>
+                </a:solidFill>
+                <a:latin typeface="DejaVu Sans Mono" panose="020B0609030804020204" pitchFamily="49" charset="0"/>
+                <a:cs typeface="DejaVu Sans Mono" panose="020B0609030804020204" pitchFamily="49" charset="0"/>
+              </a:rPr>
+              <a:t>datetime</a:t>
+            </a:r>
+            <a:r>
+              <a:rPr lang="en-US" altLang="ko-KR" sz="1500" dirty="0">
+                <a:solidFill>
+                  <a:schemeClr val="tx1"/>
+                </a:solidFill>
+                <a:latin typeface="DejaVu Sans Mono" panose="020B0609030804020204" pitchFamily="49" charset="0"/>
+                <a:cs typeface="DejaVu Sans Mono" panose="020B0609030804020204" pitchFamily="49" charset="0"/>
+              </a:rPr>
+              <a:t>=((5,19,2008), (10,30</a:t>
+            </a:r>
+            <a:r>
+              <a:rPr lang="en-US" altLang="ko-KR" sz="1500" dirty="0" smtClean="0">
                 <a:solidFill>
                   <a:schemeClr val="tx1"/>
                 </a:solidFill>
@@ -20384,7 +21065,7 @@
               <a:t>,"</a:t>
             </a:r>
             <a:r>
-              <a:rPr lang="en-US" altLang="ko-KR" sz="1500">
+              <a:rPr lang="en-US" altLang="ko-KR" sz="1500" dirty="0">
                 <a:solidFill>
                   <a:schemeClr val="tx1"/>
                 </a:solidFill>
@@ -20396,19 +21077,76 @@
           </a:p>
           <a:p>
             <a:r>
-              <a:rPr lang="en-US" altLang="ko-KR" sz="1500" smtClean="0">
-                <a:solidFill>
-                  <a:schemeClr val="tx1"/>
-                </a:solidFill>
-                <a:latin typeface="DejaVu Sans Mono" panose="020B0609030804020204" pitchFamily="49" charset="0"/>
-                <a:cs typeface="DejaVu Sans Mono" panose="020B0609030804020204" pitchFamily="49" charset="0"/>
-              </a:rPr>
-              <a:t>(month,day,year),(hour,minute,am_pm)=datetime</a:t>
-            </a:r>
-          </a:p>
-          <a:p>
-            <a:r>
-              <a:rPr lang="en-US" altLang="ko-KR" sz="1500" smtClean="0">
+              <a:rPr lang="en-US" altLang="ko-KR" sz="1500" dirty="0" smtClean="0">
+                <a:solidFill>
+                  <a:schemeClr val="tx1"/>
+                </a:solidFill>
+                <a:latin typeface="DejaVu Sans Mono" panose="020B0609030804020204" pitchFamily="49" charset="0"/>
+                <a:cs typeface="DejaVu Sans Mono" panose="020B0609030804020204" pitchFamily="49" charset="0"/>
+              </a:rPr>
+              <a:t>(</a:t>
+            </a:r>
+            <a:r>
+              <a:rPr lang="en-US" altLang="ko-KR" sz="1500" dirty="0" err="1" smtClean="0">
+                <a:solidFill>
+                  <a:schemeClr val="tx1"/>
+                </a:solidFill>
+                <a:latin typeface="DejaVu Sans Mono" panose="020B0609030804020204" pitchFamily="49" charset="0"/>
+                <a:cs typeface="DejaVu Sans Mono" panose="020B0609030804020204" pitchFamily="49" charset="0"/>
+              </a:rPr>
+              <a:t>month,day,year</a:t>
+            </a:r>
+            <a:r>
+              <a:rPr lang="en-US" altLang="ko-KR" sz="1500" dirty="0" smtClean="0">
+                <a:solidFill>
+                  <a:schemeClr val="tx1"/>
+                </a:solidFill>
+                <a:latin typeface="DejaVu Sans Mono" panose="020B0609030804020204" pitchFamily="49" charset="0"/>
+                <a:cs typeface="DejaVu Sans Mono" panose="020B0609030804020204" pitchFamily="49" charset="0"/>
+              </a:rPr>
+              <a:t>),(</a:t>
+            </a:r>
+            <a:r>
+              <a:rPr lang="en-US" altLang="ko-KR" sz="1500" dirty="0" err="1" smtClean="0">
+                <a:solidFill>
+                  <a:schemeClr val="tx1"/>
+                </a:solidFill>
+                <a:latin typeface="DejaVu Sans Mono" panose="020B0609030804020204" pitchFamily="49" charset="0"/>
+                <a:cs typeface="DejaVu Sans Mono" panose="020B0609030804020204" pitchFamily="49" charset="0"/>
+              </a:rPr>
+              <a:t>hour,minute,am_pm</a:t>
+            </a:r>
+            <a:r>
+              <a:rPr lang="en-US" altLang="ko-KR" sz="1500" dirty="0" smtClean="0">
+                <a:solidFill>
+                  <a:schemeClr val="tx1"/>
+                </a:solidFill>
+                <a:latin typeface="DejaVu Sans Mono" panose="020B0609030804020204" pitchFamily="49" charset="0"/>
+                <a:cs typeface="DejaVu Sans Mono" panose="020B0609030804020204" pitchFamily="49" charset="0"/>
+              </a:rPr>
+              <a:t>)=</a:t>
+            </a:r>
+            <a:r>
+              <a:rPr lang="en-US" altLang="ko-KR" sz="1500" dirty="0" err="1" smtClean="0">
+                <a:solidFill>
+                  <a:schemeClr val="tx1"/>
+                </a:solidFill>
+                <a:latin typeface="DejaVu Sans Mono" panose="020B0609030804020204" pitchFamily="49" charset="0"/>
+                <a:cs typeface="DejaVu Sans Mono" panose="020B0609030804020204" pitchFamily="49" charset="0"/>
+              </a:rPr>
+              <a:t>datetime</a:t>
+            </a:r>
+            <a:endParaRPr lang="en-US" altLang="ko-KR" sz="1500" dirty="0" smtClean="0">
+              <a:solidFill>
+                <a:schemeClr val="tx1"/>
+              </a:solidFill>
+              <a:latin typeface="DejaVu Sans Mono" panose="020B0609030804020204" pitchFamily="49" charset="0"/>
+              <a:cs typeface="DejaVu Sans Mono" panose="020B0609030804020204" pitchFamily="49" charset="0"/>
+            </a:endParaRPr>
+          </a:p>
+          <a:p>
+            <a:r>
+              <a:rPr lang="en-US" altLang="ko-KR" sz="1500" dirty="0" smtClean="0">
                 <a:solidFill>
                   <a:schemeClr val="tx1"/>
                 </a:solidFill>
@@ -20420,7 +21158,7 @@
           </a:p>
           <a:p>
             <a:r>
-              <a:rPr lang="en-US" altLang="ko-KR" sz="1500">
+              <a:rPr lang="en-US" altLang="ko-KR" sz="1500" dirty="0">
                 <a:solidFill>
                   <a:schemeClr val="tx1"/>
                 </a:solidFill>
@@ -20430,7 +21168,7 @@
               <a:t>p</a:t>
             </a:r>
             <a:r>
-              <a:rPr lang="en-US" altLang="ko-KR" sz="1500" smtClean="0">
+              <a:rPr lang="en-US" altLang="ko-KR" sz="1500" dirty="0" smtClean="0">
                 <a:solidFill>
                   <a:schemeClr val="tx1"/>
                 </a:solidFill>
@@ -20442,7 +21180,7 @@
           </a:p>
           <a:p>
             <a:r>
-              <a:rPr lang="en-US" altLang="ko-KR" sz="1500">
+              <a:rPr lang="en-US" altLang="ko-KR" sz="1500" dirty="0">
                 <a:solidFill>
                   <a:schemeClr val="tx1"/>
                 </a:solidFill>
@@ -20452,7 +21190,7 @@
               <a:t>p</a:t>
             </a:r>
             <a:r>
-              <a:rPr lang="en-US" altLang="ko-KR" sz="1500" smtClean="0">
+              <a:rPr lang="en-US" altLang="ko-KR" sz="1500" dirty="0" smtClean="0">
                 <a:solidFill>
                   <a:schemeClr val="tx1"/>
                 </a:solidFill>
@@ -20464,7 +21202,7 @@
           </a:p>
           <a:p>
             <a:r>
-              <a:rPr lang="en-US" altLang="ko-KR" sz="1500">
+              <a:rPr lang="en-US" altLang="ko-KR" sz="1500" dirty="0">
                 <a:solidFill>
                   <a:schemeClr val="tx1"/>
                 </a:solidFill>
@@ -20474,7 +21212,7 @@
               <a:t>p</a:t>
             </a:r>
             <a:r>
-              <a:rPr lang="en-US" altLang="ko-KR" sz="1500" smtClean="0">
+              <a:rPr lang="en-US" altLang="ko-KR" sz="1500" dirty="0" smtClean="0">
                 <a:solidFill>
                   <a:schemeClr val="tx1"/>
                 </a:solidFill>
@@ -20486,7 +21224,7 @@
           </a:p>
           <a:p>
             <a:r>
-              <a:rPr lang="en-US" altLang="ko-KR" sz="1500">
+              <a:rPr lang="en-US" altLang="ko-KR" sz="1500" dirty="0">
                 <a:solidFill>
                   <a:schemeClr val="tx1"/>
                 </a:solidFill>
@@ -20496,7 +21234,7 @@
               <a:t>p</a:t>
             </a:r>
             <a:r>
-              <a:rPr lang="en-US" altLang="ko-KR" sz="1500" smtClean="0">
+              <a:rPr lang="en-US" altLang="ko-KR" sz="1500" dirty="0" smtClean="0">
                 <a:solidFill>
                   <a:schemeClr val="tx1"/>
                 </a:solidFill>
@@ -20508,7 +21246,7 @@
           </a:p>
           <a:p>
             <a:r>
-              <a:rPr lang="en-US" altLang="ko-KR" sz="1500">
+              <a:rPr lang="en-US" altLang="ko-KR" sz="1500" dirty="0">
                 <a:solidFill>
                   <a:schemeClr val="tx1"/>
                 </a:solidFill>
@@ -20518,14 +21256,34 @@
               <a:t>p</a:t>
             </a:r>
             <a:r>
-              <a:rPr lang="en-US" altLang="ko-KR" sz="1500" smtClean="0">
-                <a:solidFill>
-                  <a:schemeClr val="tx1"/>
-                </a:solidFill>
-                <a:latin typeface="DejaVu Sans Mono" panose="020B0609030804020204" pitchFamily="49" charset="0"/>
-                <a:cs typeface="DejaVu Sans Mono" panose="020B0609030804020204" pitchFamily="49" charset="0"/>
-              </a:rPr>
-              <a:t>rint(am_pm)</a:t>
+              <a:rPr lang="en-US" altLang="ko-KR" sz="1500" dirty="0" smtClean="0">
+                <a:solidFill>
+                  <a:schemeClr val="tx1"/>
+                </a:solidFill>
+                <a:latin typeface="DejaVu Sans Mono" panose="020B0609030804020204" pitchFamily="49" charset="0"/>
+                <a:cs typeface="DejaVu Sans Mono" panose="020B0609030804020204" pitchFamily="49" charset="0"/>
+              </a:rPr>
+              <a:t>rint(</a:t>
+            </a:r>
+            <a:r>
+              <a:rPr lang="en-US" altLang="ko-KR" sz="1500" dirty="0" err="1" smtClean="0">
+                <a:solidFill>
+                  <a:schemeClr val="tx1"/>
+                </a:solidFill>
+                <a:latin typeface="DejaVu Sans Mono" panose="020B0609030804020204" pitchFamily="49" charset="0"/>
+                <a:cs typeface="DejaVu Sans Mono" panose="020B0609030804020204" pitchFamily="49" charset="0"/>
+              </a:rPr>
+              <a:t>am_pm</a:t>
+            </a:r>
+            <a:r>
+              <a:rPr lang="en-US" altLang="ko-KR" sz="1500" dirty="0" smtClean="0">
+                <a:solidFill>
+                  <a:schemeClr val="tx1"/>
+                </a:solidFill>
+                <a:latin typeface="DejaVu Sans Mono" panose="020B0609030804020204" pitchFamily="49" charset="0"/>
+                <a:cs typeface="DejaVu Sans Mono" panose="020B0609030804020204" pitchFamily="49" charset="0"/>
+              </a:rPr>
+              <a:t>)</a:t>
             </a:r>
           </a:p>
         </p:txBody>
@@ -20900,14 +21658,14 @@
                 <a:gridCol w="1948694">
                   <a:extLst>
                     <a:ext uri="{9D8B030D-6E8A-4147-A177-3AD203B41FA5}">
-                      <a16:colId xmlns:a16="http://schemas.microsoft.com/office/drawing/2014/main" val="1386639546"/>
+                      <a16:colId xmlns:a16="http://schemas.microsoft.com/office/drawing/2014/main" xmlns="" val="1386639546"/>
                     </a:ext>
                   </a:extLst>
                 </a:gridCol>
                 <a:gridCol w="3499606">
                   <a:extLst>
                     <a:ext uri="{9D8B030D-6E8A-4147-A177-3AD203B41FA5}">
-                      <a16:colId xmlns:a16="http://schemas.microsoft.com/office/drawing/2014/main" val="764089535"/>
+                      <a16:colId xmlns:a16="http://schemas.microsoft.com/office/drawing/2014/main" xmlns="" val="764089535"/>
                     </a:ext>
                   </a:extLst>
                 </a:gridCol>
@@ -20945,7 +21703,7 @@
                 </a:tc>
                 <a:extLst>
                   <a:ext uri="{0D108BD9-81ED-4DB2-BD59-A6C34878D82A}">
-                    <a16:rowId xmlns:a16="http://schemas.microsoft.com/office/drawing/2014/main" val="4249704829"/>
+                    <a16:rowId xmlns:a16="http://schemas.microsoft.com/office/drawing/2014/main" xmlns="" val="4249704829"/>
                   </a:ext>
                 </a:extLst>
               </a:tr>
@@ -20982,7 +21740,7 @@
                 </a:tc>
                 <a:extLst>
                   <a:ext uri="{0D108BD9-81ED-4DB2-BD59-A6C34878D82A}">
-                    <a16:rowId xmlns:a16="http://schemas.microsoft.com/office/drawing/2014/main" val="591895513"/>
+                    <a16:rowId xmlns:a16="http://schemas.microsoft.com/office/drawing/2014/main" xmlns="" val="591895513"/>
                   </a:ext>
                 </a:extLst>
               </a:tr>
@@ -21043,7 +21801,7 @@
                 </a:tc>
                 <a:extLst>
                   <a:ext uri="{0D108BD9-81ED-4DB2-BD59-A6C34878D82A}">
-                    <a16:rowId xmlns:a16="http://schemas.microsoft.com/office/drawing/2014/main" val="3434559938"/>
+                    <a16:rowId xmlns:a16="http://schemas.microsoft.com/office/drawing/2014/main" xmlns="" val="3434559938"/>
                   </a:ext>
                 </a:extLst>
               </a:tr>
@@ -21084,7 +21842,7 @@
                 </a:tc>
                 <a:extLst>
                   <a:ext uri="{0D108BD9-81ED-4DB2-BD59-A6C34878D82A}">
-                    <a16:rowId xmlns:a16="http://schemas.microsoft.com/office/drawing/2014/main" val="3137848657"/>
+                    <a16:rowId xmlns:a16="http://schemas.microsoft.com/office/drawing/2014/main" xmlns="" val="3137848657"/>
                   </a:ext>
                 </a:extLst>
               </a:tr>
@@ -21137,7 +21895,7 @@
                 </a:tc>
                 <a:extLst>
                   <a:ext uri="{0D108BD9-81ED-4DB2-BD59-A6C34878D82A}">
-                    <a16:rowId xmlns:a16="http://schemas.microsoft.com/office/drawing/2014/main" val="2422149737"/>
+                    <a16:rowId xmlns:a16="http://schemas.microsoft.com/office/drawing/2014/main" xmlns="" val="2422149737"/>
                   </a:ext>
                 </a:extLst>
               </a:tr>
@@ -21190,7 +21948,7 @@
                 </a:tc>
                 <a:extLst>
                   <a:ext uri="{0D108BD9-81ED-4DB2-BD59-A6C34878D82A}">
-                    <a16:rowId xmlns:a16="http://schemas.microsoft.com/office/drawing/2014/main" val="2740964221"/>
+                    <a16:rowId xmlns:a16="http://schemas.microsoft.com/office/drawing/2014/main" xmlns="" val="2740964221"/>
                   </a:ext>
                 </a:extLst>
               </a:tr>
@@ -21243,7 +22001,7 @@
                 </a:tc>
                 <a:extLst>
                   <a:ext uri="{0D108BD9-81ED-4DB2-BD59-A6C34878D82A}">
-                    <a16:rowId xmlns:a16="http://schemas.microsoft.com/office/drawing/2014/main" val="2169575613"/>
+                    <a16:rowId xmlns:a16="http://schemas.microsoft.com/office/drawing/2014/main" xmlns="" val="2169575613"/>
                   </a:ext>
                 </a:extLst>
               </a:tr>
@@ -21300,7 +22058,7 @@
                 </a:tc>
                 <a:extLst>
                   <a:ext uri="{0D108BD9-81ED-4DB2-BD59-A6C34878D82A}">
-                    <a16:rowId xmlns:a16="http://schemas.microsoft.com/office/drawing/2014/main" val="825117090"/>
+                    <a16:rowId xmlns:a16="http://schemas.microsoft.com/office/drawing/2014/main" xmlns="" val="825117090"/>
                   </a:ext>
                 </a:extLst>
               </a:tr>
@@ -21353,7 +22111,7 @@
                 </a:tc>
                 <a:extLst>
                   <a:ext uri="{0D108BD9-81ED-4DB2-BD59-A6C34878D82A}">
-                    <a16:rowId xmlns:a16="http://schemas.microsoft.com/office/drawing/2014/main" val="2598386834"/>
+                    <a16:rowId xmlns:a16="http://schemas.microsoft.com/office/drawing/2014/main" xmlns="" val="2598386834"/>
                   </a:ext>
                 </a:extLst>
               </a:tr>
@@ -21400,7 +22158,7 @@
           <a:lstStyle/>
           <a:p>
             <a:r>
-              <a:rPr lang="en-US" altLang="ko-KR" sz="1500" smtClean="0">
+              <a:rPr lang="en-US" altLang="ko-KR" sz="1500" dirty="0" smtClean="0">
                 <a:solidFill>
                   <a:schemeClr val="tx1"/>
                 </a:solidFill>
@@ -21411,7 +22169,7 @@
             </a:r>
           </a:p>
           <a:p>
-            <a:endParaRPr lang="en-US" altLang="ko-KR" sz="1500" smtClean="0">
+            <a:endParaRPr lang="en-US" altLang="ko-KR" sz="1500" dirty="0" smtClean="0">
               <a:solidFill>
                 <a:schemeClr val="tx1"/>
               </a:solidFill>
@@ -21421,7 +22179,7 @@
           </a:p>
           <a:p>
             <a:r>
-              <a:rPr lang="en-US" altLang="ko-KR" sz="1500" smtClean="0">
+              <a:rPr lang="en-US" altLang="ko-KR" sz="1500" dirty="0" smtClean="0">
                 <a:solidFill>
                   <a:schemeClr val="tx1"/>
                 </a:solidFill>
@@ -21433,7 +22191,7 @@
           </a:p>
           <a:p>
             <a:r>
-              <a:rPr lang="en-US" altLang="ko-KR" sz="1500">
+              <a:rPr lang="en-US" altLang="ko-KR" sz="1500" dirty="0">
                 <a:solidFill>
                   <a:schemeClr val="tx1"/>
                 </a:solidFill>
@@ -21445,7 +22203,7 @@
           </a:p>
           <a:p>
             <a:r>
-              <a:rPr lang="en-US" altLang="ko-KR" sz="1500" smtClean="0">
+              <a:rPr lang="en-US" altLang="ko-KR" sz="1500" dirty="0" smtClean="0">
                 <a:solidFill>
                   <a:schemeClr val="tx1"/>
                 </a:solidFill>
@@ -21457,7 +22215,7 @@
           </a:p>
           <a:p>
             <a:r>
-              <a:rPr lang="en-US" altLang="ko-KR" sz="1500" smtClean="0">
+              <a:rPr lang="en-US" altLang="ko-KR" sz="1500" dirty="0" smtClean="0">
                 <a:solidFill>
                   <a:schemeClr val="tx1"/>
                 </a:solidFill>
@@ -21467,7 +22225,7 @@
               <a:t>print</a:t>
             </a:r>
             <a:r>
-              <a:rPr lang="en-US" altLang="ko-KR" sz="1500">
+              <a:rPr lang="en-US" altLang="ko-KR" sz="1500" dirty="0">
                 <a:solidFill>
                   <a:schemeClr val="tx1"/>
                 </a:solidFill>
@@ -21477,7 +22235,7 @@
               <a:t>(a</a:t>
             </a:r>
             <a:r>
-              <a:rPr lang="en-US" altLang="ko-KR" sz="1500" smtClean="0">
+              <a:rPr lang="en-US" altLang="ko-KR" sz="1500" dirty="0" smtClean="0">
                 <a:solidFill>
                   <a:schemeClr val="tx1"/>
                 </a:solidFill>
@@ -21488,7 +22246,7 @@
             </a:r>
           </a:p>
           <a:p>
-            <a:endParaRPr lang="en-US" altLang="ko-KR" sz="1500" smtClean="0">
+            <a:endParaRPr lang="en-US" altLang="ko-KR" sz="1500" dirty="0" smtClean="0">
               <a:solidFill>
                 <a:schemeClr val="tx1"/>
               </a:solidFill>
@@ -21498,7 +22256,7 @@
           </a:p>
           <a:p>
             <a:r>
-              <a:rPr lang="en-US" altLang="ko-KR" sz="1500" smtClean="0">
+              <a:rPr lang="en-US" altLang="ko-KR" sz="1500" dirty="0" smtClean="0">
                 <a:solidFill>
                   <a:schemeClr val="tx1"/>
                 </a:solidFill>
@@ -21509,7 +22267,7 @@
             </a:r>
           </a:p>
           <a:p>
-            <a:endParaRPr lang="en-US" altLang="ko-KR" sz="1500" smtClean="0">
+            <a:endParaRPr lang="en-US" altLang="ko-KR" sz="1500" dirty="0" smtClean="0">
               <a:solidFill>
                 <a:schemeClr val="tx1"/>
               </a:solidFill>
@@ -21519,7 +22277,7 @@
           </a:p>
           <a:p>
             <a:r>
-              <a:rPr lang="en-US" altLang="ko-KR" sz="1500" smtClean="0">
+              <a:rPr lang="en-US" altLang="ko-KR" sz="1500" dirty="0" smtClean="0">
                 <a:solidFill>
                   <a:schemeClr val="tx1"/>
                 </a:solidFill>
@@ -21528,7 +22286,7 @@
               </a:rPr>
               <a:t>print(a[1:7:2])</a:t>
             </a:r>
-            <a:endParaRPr lang="en-US" altLang="ko-KR" sz="1500">
+            <a:endParaRPr lang="en-US" altLang="ko-KR" sz="1500" dirty="0">
               <a:solidFill>
                 <a:schemeClr val="tx1"/>
               </a:solidFill>
@@ -21538,7 +22296,7 @@
           </a:p>
           <a:p>
             <a:r>
-              <a:rPr lang="en-US" altLang="ko-KR" sz="1500" smtClean="0">
+              <a:rPr lang="en-US" altLang="ko-KR" sz="1500" dirty="0" smtClean="0">
                 <a:solidFill>
                   <a:schemeClr val="tx1"/>
                 </a:solidFill>
@@ -21547,7 +22305,7 @@
               </a:rPr>
               <a:t>print(a[1:7:3])</a:t>
             </a:r>
-            <a:endParaRPr lang="en-US" altLang="ko-KR" sz="1500">
+            <a:endParaRPr lang="en-US" altLang="ko-KR" sz="1500" dirty="0">
               <a:solidFill>
                 <a:schemeClr val="tx1"/>
               </a:solidFill>
@@ -21557,7 +22315,7 @@
           </a:p>
           <a:p>
             <a:r>
-              <a:rPr lang="en-US" altLang="ko-KR" sz="1500" smtClean="0">
+              <a:rPr lang="en-US" altLang="ko-KR" sz="1500" dirty="0" smtClean="0">
                 <a:solidFill>
                   <a:schemeClr val="tx1"/>
                 </a:solidFill>
@@ -21566,7 +22324,7 @@
               </a:rPr>
               <a:t>print(a[:5:-2])</a:t>
             </a:r>
-            <a:endParaRPr lang="en-US" altLang="ko-KR" sz="1500">
+            <a:endParaRPr lang="en-US" altLang="ko-KR" sz="1500" dirty="0">
               <a:solidFill>
                 <a:schemeClr val="tx1"/>
               </a:solidFill>
@@ -21575,7 +22333,7 @@
             </a:endParaRPr>
           </a:p>
           <a:p>
-            <a:endParaRPr lang="en-US" altLang="ko-KR" sz="1500" smtClean="0">
+            <a:endParaRPr lang="en-US" altLang="ko-KR" sz="1500" dirty="0" smtClean="0">
               <a:solidFill>
                 <a:schemeClr val="tx1"/>
               </a:solidFill>
@@ -21584,7 +22342,7 @@
             </a:endParaRPr>
           </a:p>
           <a:p>
-            <a:endParaRPr lang="en-US" altLang="ko-KR" sz="1500" smtClean="0">
+            <a:endParaRPr lang="en-US" altLang="ko-KR" sz="1500" dirty="0" smtClean="0">
               <a:solidFill>
                 <a:schemeClr val="tx1"/>
               </a:solidFill>
@@ -22687,14 +23445,14 @@
                 <a:gridCol w="1948694">
                   <a:extLst>
                     <a:ext uri="{9D8B030D-6E8A-4147-A177-3AD203B41FA5}">
-                      <a16:colId xmlns:a16="http://schemas.microsoft.com/office/drawing/2014/main" val="1386639546"/>
+                      <a16:colId xmlns:a16="http://schemas.microsoft.com/office/drawing/2014/main" xmlns="" val="1386639546"/>
                     </a:ext>
                   </a:extLst>
                 </a:gridCol>
                 <a:gridCol w="3499606">
                   <a:extLst>
                     <a:ext uri="{9D8B030D-6E8A-4147-A177-3AD203B41FA5}">
-                      <a16:colId xmlns:a16="http://schemas.microsoft.com/office/drawing/2014/main" val="764089535"/>
+                      <a16:colId xmlns:a16="http://schemas.microsoft.com/office/drawing/2014/main" xmlns="" val="764089535"/>
                     </a:ext>
                   </a:extLst>
                 </a:gridCol>
@@ -22732,7 +23490,7 @@
                 </a:tc>
                 <a:extLst>
                   <a:ext uri="{0D108BD9-81ED-4DB2-BD59-A6C34878D82A}">
-                    <a16:rowId xmlns:a16="http://schemas.microsoft.com/office/drawing/2014/main" val="4249704829"/>
+                    <a16:rowId xmlns:a16="http://schemas.microsoft.com/office/drawing/2014/main" xmlns="" val="4249704829"/>
                   </a:ext>
                 </a:extLst>
               </a:tr>
@@ -22769,7 +23527,7 @@
                 </a:tc>
                 <a:extLst>
                   <a:ext uri="{0D108BD9-81ED-4DB2-BD59-A6C34878D82A}">
-                    <a16:rowId xmlns:a16="http://schemas.microsoft.com/office/drawing/2014/main" val="591895513"/>
+                    <a16:rowId xmlns:a16="http://schemas.microsoft.com/office/drawing/2014/main" xmlns="" val="591895513"/>
                   </a:ext>
                 </a:extLst>
               </a:tr>
@@ -22830,7 +23588,7 @@
                 </a:tc>
                 <a:extLst>
                   <a:ext uri="{0D108BD9-81ED-4DB2-BD59-A6C34878D82A}">
-                    <a16:rowId xmlns:a16="http://schemas.microsoft.com/office/drawing/2014/main" val="3434559938"/>
+                    <a16:rowId xmlns:a16="http://schemas.microsoft.com/office/drawing/2014/main" xmlns="" val="3434559938"/>
                   </a:ext>
                 </a:extLst>
               </a:tr>
@@ -22871,7 +23629,7 @@
                 </a:tc>
                 <a:extLst>
                   <a:ext uri="{0D108BD9-81ED-4DB2-BD59-A6C34878D82A}">
-                    <a16:rowId xmlns:a16="http://schemas.microsoft.com/office/drawing/2014/main" val="3137848657"/>
+                    <a16:rowId xmlns:a16="http://schemas.microsoft.com/office/drawing/2014/main" xmlns="" val="3137848657"/>
                   </a:ext>
                 </a:extLst>
               </a:tr>
@@ -22924,7 +23682,7 @@
                 </a:tc>
                 <a:extLst>
                   <a:ext uri="{0D108BD9-81ED-4DB2-BD59-A6C34878D82A}">
-                    <a16:rowId xmlns:a16="http://schemas.microsoft.com/office/drawing/2014/main" val="2422149737"/>
+                    <a16:rowId xmlns:a16="http://schemas.microsoft.com/office/drawing/2014/main" xmlns="" val="2422149737"/>
                   </a:ext>
                 </a:extLst>
               </a:tr>
@@ -22977,7 +23735,7 @@
                 </a:tc>
                 <a:extLst>
                   <a:ext uri="{0D108BD9-81ED-4DB2-BD59-A6C34878D82A}">
-                    <a16:rowId xmlns:a16="http://schemas.microsoft.com/office/drawing/2014/main" val="2740964221"/>
+                    <a16:rowId xmlns:a16="http://schemas.microsoft.com/office/drawing/2014/main" xmlns="" val="2740964221"/>
                   </a:ext>
                 </a:extLst>
               </a:tr>
@@ -23030,7 +23788,7 @@
                 </a:tc>
                 <a:extLst>
                   <a:ext uri="{0D108BD9-81ED-4DB2-BD59-A6C34878D82A}">
-                    <a16:rowId xmlns:a16="http://schemas.microsoft.com/office/drawing/2014/main" val="2169575613"/>
+                    <a16:rowId xmlns:a16="http://schemas.microsoft.com/office/drawing/2014/main" xmlns="" val="2169575613"/>
                   </a:ext>
                 </a:extLst>
               </a:tr>
@@ -23087,7 +23845,7 @@
                 </a:tc>
                 <a:extLst>
                   <a:ext uri="{0D108BD9-81ED-4DB2-BD59-A6C34878D82A}">
-                    <a16:rowId xmlns:a16="http://schemas.microsoft.com/office/drawing/2014/main" val="825117090"/>
+                    <a16:rowId xmlns:a16="http://schemas.microsoft.com/office/drawing/2014/main" xmlns="" val="825117090"/>
                   </a:ext>
                 </a:extLst>
               </a:tr>
@@ -23140,7 +23898,7 @@
                 </a:tc>
                 <a:extLst>
                   <a:ext uri="{0D108BD9-81ED-4DB2-BD59-A6C34878D82A}">
-                    <a16:rowId xmlns:a16="http://schemas.microsoft.com/office/drawing/2014/main" val="2598386834"/>
+                    <a16:rowId xmlns:a16="http://schemas.microsoft.com/office/drawing/2014/main" xmlns="" val="2598386834"/>
                   </a:ext>
                 </a:extLst>
               </a:tr>
